--- a/Overview/RTM2020_受付など通過歩行時の人数推定RTCの開発.pptx
+++ b/Overview/RTM2020_受付など通過歩行時の人数推定RTCの開発.pptx
@@ -9,9 +9,9 @@
   </p:notesMasterIdLst>
   <p:sldIdLst>
     <p:sldId id="256" r:id="rId2"/>
-    <p:sldId id="292" r:id="rId3"/>
-    <p:sldId id="295" r:id="rId4"/>
-    <p:sldId id="298" r:id="rId5"/>
+    <p:sldId id="295" r:id="rId3"/>
+    <p:sldId id="298" r:id="rId4"/>
+    <p:sldId id="292" r:id="rId5"/>
   </p:sldIdLst>
   <p:sldSz cx="12192000" cy="6858000"/>
   <p:notesSz cx="6858000" cy="9144000"/>
@@ -260,7 +260,7 @@
       </p15:sldGuideLst>
     </p:ext>
     <p:ext uri="http://customooxmlschemas.google.com/">
-      <go:slidesCustomData xmlns="" xmlns:mc="http://schemas.openxmlformats.org/markup-compatibility/2006" xmlns:mv="urn:schemas-microsoft-com:mac:vml" xmlns:c="http://schemas.openxmlformats.org/drawingml/2006/chart" xmlns:dgm="http://schemas.openxmlformats.org/drawingml/2006/diagram" xmlns:o="urn:schemas-microsoft-com:office:office" xmlns:v="urn:schemas-microsoft-com:vml" xmlns:pvml="urn:schemas-microsoft-com:office:powerpoint" xmlns:com="http://schemas.openxmlformats.org/drawingml/2006/compatibility" xmlns:p14="http://schemas.microsoft.com/office/powerpoint/2010/main" xmlns:p15="http://schemas.microsoft.com/office/powerpoint/2012/main" xmlns:go="http://customooxmlschemas.google.com/" r:id="rId40" roundtripDataSignature="AMtx7mj1fSzoC7FWVNe57SNeYfoiXO60bQ=="/>
+      <go:slidesCustomData xmlns:go="http://customooxmlschemas.google.com/" xmlns:p15="http://schemas.microsoft.com/office/powerpoint/2012/main" xmlns:p14="http://schemas.microsoft.com/office/powerpoint/2010/main" xmlns:com="http://schemas.openxmlformats.org/drawingml/2006/compatibility" xmlns:pvml="urn:schemas-microsoft-com:office:powerpoint" xmlns:v="urn:schemas-microsoft-com:vml" xmlns:o="urn:schemas-microsoft-com:office:office" xmlns:dgm="http://schemas.openxmlformats.org/drawingml/2006/diagram" xmlns:c="http://schemas.openxmlformats.org/drawingml/2006/chart" xmlns:mv="urn:schemas-microsoft-com:mac:vml" xmlns:mc="http://schemas.openxmlformats.org/markup-compatibility/2006" xmlns="" r:id="rId40" roundtripDataSignature="AMtx7mj1fSzoC7FWVNe57SNeYfoiXO60bQ=="/>
     </p:ext>
   </p:extLst>
 </p:presentation>
@@ -2329,201 +2329,6 @@
       </p:grpSpPr>
       <p:sp>
         <p:nvSpPr>
-          <p:cNvPr id="15" name="正方形/長方形 14"/>
-          <p:cNvSpPr/>
-          <p:nvPr/>
-        </p:nvSpPr>
-        <p:spPr>
-          <a:xfrm>
-            <a:off x="266699" y="4275631"/>
-            <a:ext cx="11690838" cy="1451737"/>
-          </a:xfrm>
-          <a:prstGeom prst="rect">
-            <a:avLst/>
-          </a:prstGeom>
-          <a:solidFill>
-            <a:schemeClr val="accent4">
-              <a:lumMod val="20000"/>
-              <a:lumOff val="80000"/>
-            </a:schemeClr>
-          </a:solidFill>
-          <a:ln w="38100">
-            <a:solidFill>
-              <a:schemeClr val="accent4">
-                <a:lumMod val="50000"/>
-              </a:schemeClr>
-            </a:solidFill>
-          </a:ln>
-        </p:spPr>
-        <p:style>
-          <a:lnRef idx="2">
-            <a:schemeClr val="accent1">
-              <a:shade val="50000"/>
-            </a:schemeClr>
-          </a:lnRef>
-          <a:fillRef idx="1">
-            <a:schemeClr val="accent1"/>
-          </a:fillRef>
-          <a:effectRef idx="0">
-            <a:schemeClr val="accent1"/>
-          </a:effectRef>
-          <a:fontRef idx="minor">
-            <a:schemeClr val="lt1"/>
-          </a:fontRef>
-        </p:style>
-        <p:txBody>
-          <a:bodyPr rtlCol="0" anchor="ctr"/>
-          <a:lstStyle/>
-          <a:p>
-            <a:pPr algn="ctr"/>
-            <a:endParaRPr kumimoji="1" lang="ja-JP" altLang="en-US"/>
-          </a:p>
-        </p:txBody>
-      </p:sp>
-      <p:sp>
-        <p:nvSpPr>
-          <p:cNvPr id="8" name="正方形/長方形 7"/>
-          <p:cNvSpPr/>
-          <p:nvPr/>
-        </p:nvSpPr>
-        <p:spPr>
-          <a:xfrm>
-            <a:off x="266699" y="2060282"/>
-            <a:ext cx="11690838" cy="1414823"/>
-          </a:xfrm>
-          <a:prstGeom prst="rect">
-            <a:avLst/>
-          </a:prstGeom>
-          <a:solidFill>
-            <a:schemeClr val="accent6">
-              <a:lumMod val="20000"/>
-              <a:lumOff val="80000"/>
-            </a:schemeClr>
-          </a:solidFill>
-          <a:ln w="38100">
-            <a:solidFill>
-              <a:schemeClr val="accent6">
-                <a:lumMod val="50000"/>
-              </a:schemeClr>
-            </a:solidFill>
-          </a:ln>
-        </p:spPr>
-        <p:style>
-          <a:lnRef idx="2">
-            <a:schemeClr val="accent1">
-              <a:shade val="50000"/>
-            </a:schemeClr>
-          </a:lnRef>
-          <a:fillRef idx="1">
-            <a:schemeClr val="accent1"/>
-          </a:fillRef>
-          <a:effectRef idx="0">
-            <a:schemeClr val="accent1"/>
-          </a:effectRef>
-          <a:fontRef idx="minor">
-            <a:schemeClr val="lt1"/>
-          </a:fontRef>
-        </p:style>
-        <p:txBody>
-          <a:bodyPr rtlCol="0" anchor="ctr"/>
-          <a:lstStyle/>
-          <a:p>
-            <a:pPr algn="ctr"/>
-            <a:endParaRPr kumimoji="1" lang="ja-JP" altLang="en-US"/>
-          </a:p>
-        </p:txBody>
-      </p:sp>
-      <p:sp>
-        <p:nvSpPr>
-          <p:cNvPr id="12" name="テキスト ボックス 11"/>
-          <p:cNvSpPr txBox="1"/>
-          <p:nvPr/>
-        </p:nvSpPr>
-        <p:spPr>
-          <a:xfrm>
-            <a:off x="-1" y="2376540"/>
-            <a:ext cx="12192001" cy="1200329"/>
-          </a:xfrm>
-          <a:prstGeom prst="rect">
-            <a:avLst/>
-          </a:prstGeom>
-          <a:noFill/>
-        </p:spPr>
-        <p:txBody>
-          <a:bodyPr wrap="square" rtlCol="0">
-            <a:spAutoFit/>
-          </a:bodyPr>
-          <a:lstStyle/>
-          <a:p>
-            <a:pPr algn="ctr"/>
-            <a:r>
-              <a:rPr kumimoji="1" lang="en-US" altLang="ja-JP" sz="3600" dirty="0" smtClean="0">
-                <a:latin typeface="+mn-ea"/>
-                <a:ea typeface="+mn-ea"/>
-              </a:rPr>
-              <a:t>LRF</a:t>
-            </a:r>
-            <a:r>
-              <a:rPr kumimoji="1" lang="ja-JP" altLang="en-US" sz="3600" dirty="0">
-                <a:latin typeface="+mn-ea"/>
-                <a:ea typeface="+mn-ea"/>
-              </a:rPr>
-              <a:t>で</a:t>
-            </a:r>
-            <a:r>
-              <a:rPr kumimoji="1" lang="ja-JP" altLang="en-US" sz="3600" dirty="0" smtClean="0">
-                <a:latin typeface="+mn-ea"/>
-                <a:ea typeface="+mn-ea"/>
-              </a:rPr>
-              <a:t>複</a:t>
-            </a:r>
-            <a:r>
-              <a:rPr kumimoji="1" lang="ja-JP" altLang="en-US" sz="3600" dirty="0">
-                <a:latin typeface="+mn-ea"/>
-                <a:ea typeface="+mn-ea"/>
-              </a:rPr>
-              <a:t>数人の</a:t>
-            </a:r>
-            <a:r>
-              <a:rPr kumimoji="1" lang="ja-JP" altLang="en-US" sz="3600" dirty="0" smtClean="0">
-                <a:latin typeface="+mn-ea"/>
-                <a:ea typeface="+mn-ea"/>
-              </a:rPr>
-              <a:t>軌跡の測定を</a:t>
-            </a:r>
-            <a:endParaRPr kumimoji="1" lang="en-US" altLang="ja-JP" sz="3600" dirty="0" smtClean="0">
-              <a:latin typeface="+mn-ea"/>
-              <a:ea typeface="+mn-ea"/>
-            </a:endParaRPr>
-          </a:p>
-          <a:p>
-            <a:pPr algn="ctr"/>
-            <a:r>
-              <a:rPr kumimoji="1" lang="ja-JP" altLang="en-US" sz="3600" dirty="0" smtClean="0">
-                <a:solidFill>
-                  <a:srgbClr val="FF0000"/>
-                </a:solidFill>
-                <a:latin typeface="+mn-ea"/>
-                <a:ea typeface="+mn-ea"/>
-              </a:rPr>
-              <a:t>ガウス過程回帰</a:t>
-            </a:r>
-            <a:r>
-              <a:rPr kumimoji="1" lang="ja-JP" altLang="en-US" sz="3600" dirty="0" smtClean="0">
-                <a:latin typeface="+mn-ea"/>
-                <a:ea typeface="+mn-ea"/>
-              </a:rPr>
-              <a:t>を用いることで正確に軌跡の測定する</a:t>
-            </a:r>
-            <a:endParaRPr kumimoji="1" lang="en-US" altLang="ja-JP" sz="3600" dirty="0" smtClean="0">
-              <a:latin typeface="+mn-ea"/>
-              <a:ea typeface="+mn-ea"/>
-            </a:endParaRPr>
-          </a:p>
-        </p:txBody>
-      </p:sp>
-      <p:sp>
-        <p:nvSpPr>
           <p:cNvPr id="2" name="正方形/長方形 1"/>
           <p:cNvSpPr/>
           <p:nvPr/>
@@ -2785,31 +2590,207 @@
           </a:p>
         </p:txBody>
       </p:sp>
-      <p:sp>
-        <p:nvSpPr>
-          <p:cNvPr id="9" name="テキスト ボックス 8"/>
-          <p:cNvSpPr txBox="1"/>
+      <p:grpSp>
+        <p:nvGrpSpPr>
+          <p:cNvPr id="7" name="グループ化 6"/>
+          <p:cNvGrpSpPr/>
           <p:nvPr/>
-        </p:nvSpPr>
-        <p:spPr>
+        </p:nvGrpSpPr>
+        <p:grpSpPr>
           <a:xfrm>
-            <a:off x="266699" y="2128400"/>
-            <a:ext cx="902811" cy="523220"/>
+            <a:off x="149684" y="2115943"/>
+            <a:ext cx="3850857" cy="2300482"/>
+            <a:chOff x="247610" y="2123405"/>
+            <a:chExt cx="3850857" cy="2300482"/>
           </a:xfrm>
-          <a:prstGeom prst="rect">
-            <a:avLst/>
-          </a:prstGeom>
-          <a:noFill/>
-        </p:spPr>
-        <p:txBody>
-          <a:bodyPr wrap="none" rtlCol="0">
-            <a:spAutoFit/>
-          </a:bodyPr>
-          <a:lstStyle/>
-          <a:p>
-            <a:pPr algn="r"/>
-            <a:r>
-              <a:rPr lang="ja-JP" altLang="en-US" sz="2800" dirty="0">
+        </p:grpSpPr>
+        <p:sp>
+          <p:nvSpPr>
+            <p:cNvPr id="8" name="正方形/長方形 7"/>
+            <p:cNvSpPr/>
+            <p:nvPr/>
+          </p:nvSpPr>
+          <p:spPr>
+            <a:xfrm>
+              <a:off x="266698" y="2123405"/>
+              <a:ext cx="3770597" cy="2300482"/>
+            </a:xfrm>
+            <a:prstGeom prst="rect">
+              <a:avLst/>
+            </a:prstGeom>
+            <a:solidFill>
+              <a:schemeClr val="accent6">
+                <a:lumMod val="20000"/>
+                <a:lumOff val="80000"/>
+              </a:schemeClr>
+            </a:solidFill>
+            <a:ln w="38100">
+              <a:solidFill>
+                <a:schemeClr val="accent6">
+                  <a:lumMod val="50000"/>
+                </a:schemeClr>
+              </a:solidFill>
+            </a:ln>
+          </p:spPr>
+          <p:style>
+            <a:lnRef idx="2">
+              <a:schemeClr val="accent1">
+                <a:shade val="50000"/>
+              </a:schemeClr>
+            </a:lnRef>
+            <a:fillRef idx="1">
+              <a:schemeClr val="accent1"/>
+            </a:fillRef>
+            <a:effectRef idx="0">
+              <a:schemeClr val="accent1"/>
+            </a:effectRef>
+            <a:fontRef idx="minor">
+              <a:schemeClr val="lt1"/>
+            </a:fontRef>
+          </p:style>
+          <p:txBody>
+            <a:bodyPr rtlCol="0" anchor="ctr"/>
+            <a:lstStyle/>
+            <a:p>
+              <a:pPr algn="ctr"/>
+              <a:endParaRPr kumimoji="1" lang="ja-JP" altLang="en-US"/>
+            </a:p>
+          </p:txBody>
+        </p:sp>
+        <p:sp>
+          <p:nvSpPr>
+            <p:cNvPr id="12" name="テキスト ボックス 11"/>
+            <p:cNvSpPr txBox="1"/>
+            <p:nvPr/>
+          </p:nvSpPr>
+          <p:spPr>
+            <a:xfrm>
+              <a:off x="308699" y="2608004"/>
+              <a:ext cx="3789768" cy="1815882"/>
+            </a:xfrm>
+            <a:prstGeom prst="rect">
+              <a:avLst/>
+            </a:prstGeom>
+            <a:noFill/>
+          </p:spPr>
+          <p:txBody>
+            <a:bodyPr wrap="square" rtlCol="0">
+              <a:spAutoFit/>
+            </a:bodyPr>
+            <a:lstStyle/>
+            <a:p>
+              <a:r>
+                <a:rPr kumimoji="1" lang="en-US" altLang="ja-JP" sz="2800" dirty="0" smtClean="0">
+                  <a:latin typeface="+mn-ea"/>
+                  <a:ea typeface="+mn-ea"/>
+                </a:rPr>
+                <a:t>LRF</a:t>
+              </a:r>
+              <a:r>
+                <a:rPr kumimoji="1" lang="ja-JP" altLang="en-US" sz="2800" dirty="0">
+                  <a:latin typeface="+mn-ea"/>
+                  <a:ea typeface="+mn-ea"/>
+                </a:rPr>
+                <a:t>で</a:t>
+              </a:r>
+              <a:r>
+                <a:rPr kumimoji="1" lang="ja-JP" altLang="en-US" sz="2800" dirty="0" smtClean="0">
+                  <a:latin typeface="+mn-ea"/>
+                  <a:ea typeface="+mn-ea"/>
+                </a:rPr>
+                <a:t>複</a:t>
+              </a:r>
+              <a:r>
+                <a:rPr kumimoji="1" lang="ja-JP" altLang="en-US" sz="2800" dirty="0">
+                  <a:latin typeface="+mn-ea"/>
+                  <a:ea typeface="+mn-ea"/>
+                </a:rPr>
+                <a:t>数人の</a:t>
+              </a:r>
+              <a:r>
+                <a:rPr kumimoji="1" lang="ja-JP" altLang="en-US" sz="2800" dirty="0" smtClean="0">
+                  <a:latin typeface="+mn-ea"/>
+                  <a:ea typeface="+mn-ea"/>
+                </a:rPr>
+                <a:t>軌跡の測定</a:t>
+              </a:r>
+              <a:r>
+                <a:rPr kumimoji="1" lang="ja-JP" altLang="en-US" sz="2800" dirty="0" smtClean="0">
+                  <a:latin typeface="+mn-ea"/>
+                  <a:ea typeface="+mn-ea"/>
+                </a:rPr>
+                <a:t>を</a:t>
+              </a:r>
+              <a:r>
+                <a:rPr kumimoji="1" lang="ja-JP" altLang="en-US" sz="2800" dirty="0" smtClean="0">
+                  <a:solidFill>
+                    <a:srgbClr val="FF0000"/>
+                  </a:solidFill>
+                  <a:latin typeface="+mn-ea"/>
+                  <a:ea typeface="+mn-ea"/>
+                </a:rPr>
+                <a:t>ガウス</a:t>
+              </a:r>
+              <a:r>
+                <a:rPr kumimoji="1" lang="ja-JP" altLang="en-US" sz="2800" dirty="0" smtClean="0">
+                  <a:solidFill>
+                    <a:srgbClr val="FF0000"/>
+                  </a:solidFill>
+                  <a:latin typeface="+mn-ea"/>
+                  <a:ea typeface="+mn-ea"/>
+                </a:rPr>
+                <a:t>過程回帰</a:t>
+              </a:r>
+              <a:r>
+                <a:rPr kumimoji="1" lang="ja-JP" altLang="en-US" sz="2800" dirty="0" smtClean="0">
+                  <a:latin typeface="+mn-ea"/>
+                  <a:ea typeface="+mn-ea"/>
+                </a:rPr>
+                <a:t>を用いることで正確に軌跡の測定する</a:t>
+              </a:r>
+              <a:endParaRPr kumimoji="1" lang="en-US" altLang="ja-JP" sz="2800" dirty="0" smtClean="0">
+                <a:latin typeface="+mn-ea"/>
+                <a:ea typeface="+mn-ea"/>
+              </a:endParaRPr>
+            </a:p>
+          </p:txBody>
+        </p:sp>
+        <p:sp>
+          <p:nvSpPr>
+            <p:cNvPr id="9" name="テキスト ボックス 8"/>
+            <p:cNvSpPr txBox="1"/>
+            <p:nvPr/>
+          </p:nvSpPr>
+          <p:spPr>
+            <a:xfrm>
+              <a:off x="247610" y="2205499"/>
+              <a:ext cx="902811" cy="523220"/>
+            </a:xfrm>
+            <a:prstGeom prst="rect">
+              <a:avLst/>
+            </a:prstGeom>
+            <a:noFill/>
+          </p:spPr>
+          <p:txBody>
+            <a:bodyPr wrap="none" rtlCol="0">
+              <a:spAutoFit/>
+            </a:bodyPr>
+            <a:lstStyle/>
+            <a:p>
+              <a:pPr algn="r"/>
+              <a:r>
+                <a:rPr lang="ja-JP" altLang="en-US" sz="2800" dirty="0">
+                  <a:solidFill>
+                    <a:schemeClr val="accent6">
+                      <a:lumMod val="50000"/>
+                    </a:schemeClr>
+                  </a:solidFill>
+                  <a:latin typeface="+mn-ea"/>
+                  <a:ea typeface="+mn-ea"/>
+                </a:rPr>
+                <a:t>目的</a:t>
+              </a:r>
+              <a:endParaRPr lang="en-US" altLang="ja-JP" sz="2800" dirty="0" smtClean="0">
                 <a:solidFill>
                   <a:schemeClr val="accent6">
                     <a:lumMod val="50000"/>
@@ -2817,21 +2798,11 @@
                 </a:solidFill>
                 <a:latin typeface="+mn-ea"/>
                 <a:ea typeface="+mn-ea"/>
-              </a:rPr>
-              <a:t>目的</a:t>
-            </a:r>
-            <a:endParaRPr lang="en-US" altLang="ja-JP" sz="2800" dirty="0" smtClean="0">
-              <a:solidFill>
-                <a:schemeClr val="accent6">
-                  <a:lumMod val="50000"/>
-                </a:schemeClr>
-              </a:solidFill>
-              <a:latin typeface="+mn-ea"/>
-              <a:ea typeface="+mn-ea"/>
-            </a:endParaRPr>
-          </a:p>
-        </p:txBody>
-      </p:sp>
+              </a:endParaRPr>
+            </a:p>
+          </p:txBody>
+        </p:sp>
+      </p:grpSp>
       <p:sp>
         <p:nvSpPr>
           <p:cNvPr id="5" name="正方形/長方形 4"/>
@@ -2878,31 +2849,109 @@
           </a:p>
         </p:txBody>
       </p:sp>
-      <p:sp>
-        <p:nvSpPr>
-          <p:cNvPr id="13" name="テキスト ボックス 12"/>
-          <p:cNvSpPr txBox="1"/>
+      <p:grpSp>
+        <p:nvGrpSpPr>
+          <p:cNvPr id="10" name="グループ化 9"/>
+          <p:cNvGrpSpPr/>
           <p:nvPr/>
-        </p:nvSpPr>
-        <p:spPr>
+        </p:nvGrpSpPr>
+        <p:grpSpPr>
           <a:xfrm>
-            <a:off x="266699" y="4325979"/>
-            <a:ext cx="902811" cy="523220"/>
+            <a:off x="223327" y="4738630"/>
+            <a:ext cx="11745345" cy="1451738"/>
+            <a:chOff x="266699" y="4275631"/>
+            <a:chExt cx="11745345" cy="1451738"/>
           </a:xfrm>
-          <a:prstGeom prst="rect">
-            <a:avLst/>
-          </a:prstGeom>
-          <a:noFill/>
-        </p:spPr>
-        <p:txBody>
-          <a:bodyPr wrap="none" rtlCol="0">
-            <a:spAutoFit/>
-          </a:bodyPr>
-          <a:lstStyle/>
-          <a:p>
-            <a:pPr algn="r"/>
-            <a:r>
-              <a:rPr lang="ja-JP" altLang="en-US" sz="2800" dirty="0">
+        </p:grpSpPr>
+        <p:sp>
+          <p:nvSpPr>
+            <p:cNvPr id="15" name="正方形/長方形 14"/>
+            <p:cNvSpPr/>
+            <p:nvPr/>
+          </p:nvSpPr>
+          <p:spPr>
+            <a:xfrm>
+              <a:off x="266699" y="4275631"/>
+              <a:ext cx="11690838" cy="1451737"/>
+            </a:xfrm>
+            <a:prstGeom prst="rect">
+              <a:avLst/>
+            </a:prstGeom>
+            <a:solidFill>
+              <a:schemeClr val="accent4">
+                <a:lumMod val="20000"/>
+                <a:lumOff val="80000"/>
+              </a:schemeClr>
+            </a:solidFill>
+            <a:ln w="38100">
+              <a:solidFill>
+                <a:schemeClr val="accent4">
+                  <a:lumMod val="50000"/>
+                </a:schemeClr>
+              </a:solidFill>
+            </a:ln>
+          </p:spPr>
+          <p:style>
+            <a:lnRef idx="2">
+              <a:schemeClr val="accent1">
+                <a:shade val="50000"/>
+              </a:schemeClr>
+            </a:lnRef>
+            <a:fillRef idx="1">
+              <a:schemeClr val="accent1"/>
+            </a:fillRef>
+            <a:effectRef idx="0">
+              <a:schemeClr val="accent1"/>
+            </a:effectRef>
+            <a:fontRef idx="minor">
+              <a:schemeClr val="lt1"/>
+            </a:fontRef>
+          </p:style>
+          <p:txBody>
+            <a:bodyPr rtlCol="0" anchor="ctr"/>
+            <a:lstStyle/>
+            <a:p>
+              <a:pPr algn="ctr"/>
+              <a:endParaRPr kumimoji="1" lang="ja-JP" altLang="en-US"/>
+            </a:p>
+          </p:txBody>
+        </p:sp>
+        <p:sp>
+          <p:nvSpPr>
+            <p:cNvPr id="13" name="テキスト ボックス 12"/>
+            <p:cNvSpPr txBox="1"/>
+            <p:nvPr/>
+          </p:nvSpPr>
+          <p:spPr>
+            <a:xfrm>
+              <a:off x="266699" y="4325979"/>
+              <a:ext cx="902811" cy="523220"/>
+            </a:xfrm>
+            <a:prstGeom prst="rect">
+              <a:avLst/>
+            </a:prstGeom>
+            <a:noFill/>
+          </p:spPr>
+          <p:txBody>
+            <a:bodyPr wrap="none" rtlCol="0">
+              <a:spAutoFit/>
+            </a:bodyPr>
+            <a:lstStyle/>
+            <a:p>
+              <a:pPr algn="r"/>
+              <a:r>
+                <a:rPr lang="ja-JP" altLang="en-US" sz="2800" dirty="0">
+                  <a:solidFill>
+                    <a:schemeClr val="accent4">
+                      <a:lumMod val="50000"/>
+                    </a:schemeClr>
+                  </a:solidFill>
+                  <a:latin typeface="+mn-ea"/>
+                  <a:ea typeface="+mn-ea"/>
+                </a:rPr>
+                <a:t>特徴</a:t>
+              </a:r>
+              <a:endParaRPr lang="en-US" altLang="ja-JP" sz="2800" dirty="0" smtClean="0">
                 <a:solidFill>
                   <a:schemeClr val="accent4">
                     <a:lumMod val="50000"/>
@@ -2910,129 +2959,105 @@
                 </a:solidFill>
                 <a:latin typeface="+mn-ea"/>
                 <a:ea typeface="+mn-ea"/>
-              </a:rPr>
-              <a:t>特徴</a:t>
-            </a:r>
-            <a:endParaRPr lang="en-US" altLang="ja-JP" sz="2800" dirty="0" smtClean="0">
-              <a:solidFill>
-                <a:schemeClr val="accent4">
-                  <a:lumMod val="50000"/>
-                </a:schemeClr>
-              </a:solidFill>
-              <a:latin typeface="+mn-ea"/>
-              <a:ea typeface="+mn-ea"/>
-            </a:endParaRPr>
-          </a:p>
-        </p:txBody>
-      </p:sp>
-      <p:sp>
-        <p:nvSpPr>
-          <p:cNvPr id="14" name="テキスト ボックス 13"/>
-          <p:cNvSpPr txBox="1"/>
-          <p:nvPr/>
-        </p:nvSpPr>
-        <p:spPr>
-          <a:xfrm>
-            <a:off x="266699" y="4773262"/>
-            <a:ext cx="11745345" cy="954107"/>
-          </a:xfrm>
-          <a:prstGeom prst="rect">
-            <a:avLst/>
-          </a:prstGeom>
-          <a:noFill/>
-        </p:spPr>
-        <p:txBody>
-          <a:bodyPr wrap="square" rtlCol="0">
-            <a:spAutoFit/>
-          </a:bodyPr>
-          <a:lstStyle/>
-          <a:p>
-            <a:pPr marL="457200" indent="-457200">
-              <a:buFont typeface="Arial" panose="020B0604020202020204" pitchFamily="34" charset="0"/>
-              <a:buChar char="•"/>
-            </a:pPr>
-            <a:r>
-              <a:rPr kumimoji="1" lang="ja-JP" altLang="en-US" sz="2800" dirty="0">
-                <a:solidFill>
-                  <a:srgbClr val="C00000"/>
-                </a:solidFill>
+              </a:endParaRPr>
+            </a:p>
+          </p:txBody>
+        </p:sp>
+        <p:sp>
+          <p:nvSpPr>
+            <p:cNvPr id="14" name="テキスト ボックス 13"/>
+            <p:cNvSpPr txBox="1"/>
+            <p:nvPr/>
+          </p:nvSpPr>
+          <p:spPr>
+            <a:xfrm>
+              <a:off x="266699" y="4773262"/>
+              <a:ext cx="11745345" cy="954107"/>
+            </a:xfrm>
+            <a:prstGeom prst="rect">
+              <a:avLst/>
+            </a:prstGeom>
+            <a:noFill/>
+          </p:spPr>
+          <p:txBody>
+            <a:bodyPr wrap="square" rtlCol="0">
+              <a:spAutoFit/>
+            </a:bodyPr>
+            <a:lstStyle/>
+            <a:p>
+              <a:pPr marL="457200" indent="-457200">
+                <a:buFont typeface="Arial" panose="020B0604020202020204" pitchFamily="34" charset="0"/>
+                <a:buChar char="•"/>
+              </a:pPr>
+              <a:r>
+                <a:rPr kumimoji="1" lang="ja-JP" altLang="en-US" sz="2800" dirty="0">
+                  <a:solidFill>
+                    <a:srgbClr val="C00000"/>
+                  </a:solidFill>
+                  <a:latin typeface="+mn-ea"/>
+                  <a:ea typeface="+mn-ea"/>
+                </a:rPr>
+                <a:t>複</a:t>
+              </a:r>
+              <a:r>
+                <a:rPr kumimoji="1" lang="ja-JP" altLang="en-US" sz="2800" dirty="0" smtClean="0">
+                  <a:solidFill>
+                    <a:srgbClr val="C00000"/>
+                  </a:solidFill>
+                  <a:latin typeface="+mn-ea"/>
+                  <a:ea typeface="+mn-ea"/>
+                </a:rPr>
+                <a:t>数人</a:t>
+              </a:r>
+              <a:r>
+                <a:rPr kumimoji="1" lang="ja-JP" altLang="en-US" sz="2800" dirty="0" smtClean="0">
+                  <a:latin typeface="+mn-ea"/>
+                  <a:ea typeface="+mn-ea"/>
+                </a:rPr>
+                <a:t>の軌跡の補正を行う</a:t>
+              </a:r>
+              <a:endParaRPr kumimoji="1" lang="en-US" altLang="ja-JP" sz="2800" dirty="0" smtClean="0">
                 <a:latin typeface="+mn-ea"/>
                 <a:ea typeface="+mn-ea"/>
-              </a:rPr>
-              <a:t>複</a:t>
-            </a:r>
-            <a:r>
-              <a:rPr kumimoji="1" lang="ja-JP" altLang="en-US" sz="2800" dirty="0" smtClean="0">
-                <a:solidFill>
-                  <a:srgbClr val="C00000"/>
-                </a:solidFill>
+              </a:endParaRPr>
+            </a:p>
+            <a:p>
+              <a:pPr marL="457200" indent="-457200">
+                <a:buFont typeface="Arial" panose="020B0604020202020204" pitchFamily="34" charset="0"/>
+                <a:buChar char="•"/>
+              </a:pPr>
+              <a:r>
+                <a:rPr kumimoji="1" lang="ja-JP" altLang="en-US" sz="2800" dirty="0" smtClean="0">
+                  <a:latin typeface="+mn-ea"/>
+                  <a:ea typeface="+mn-ea"/>
+                </a:rPr>
+                <a:t>人の座標と人数を入力するだけで</a:t>
+              </a:r>
+              <a:r>
+                <a:rPr kumimoji="1" lang="ja-JP" altLang="en-US" sz="2800" dirty="0" smtClean="0">
+                  <a:solidFill>
+                    <a:srgbClr val="C00000"/>
+                  </a:solidFill>
+                  <a:latin typeface="+mn-ea"/>
+                  <a:ea typeface="+mn-ea"/>
+                </a:rPr>
+                <a:t>容易にトラッキング精度が向上</a:t>
+              </a:r>
+              <a:r>
+                <a:rPr kumimoji="1" lang="ja-JP" altLang="en-US" sz="2800" dirty="0" smtClean="0">
+                  <a:latin typeface="+mn-ea"/>
+                  <a:ea typeface="+mn-ea"/>
+                </a:rPr>
+                <a:t>する</a:t>
+              </a:r>
+              <a:endParaRPr kumimoji="1" lang="en-US" altLang="ja-JP" sz="2800" dirty="0" smtClean="0">
                 <a:latin typeface="+mn-ea"/>
                 <a:ea typeface="+mn-ea"/>
-              </a:rPr>
-              <a:t>数人</a:t>
-            </a:r>
-            <a:r>
-              <a:rPr kumimoji="1" lang="ja-JP" altLang="en-US" sz="2800" dirty="0" smtClean="0">
-                <a:latin typeface="+mn-ea"/>
-                <a:ea typeface="+mn-ea"/>
-              </a:rPr>
-              <a:t>の軌跡の補正を行う</a:t>
-            </a:r>
-            <a:endParaRPr kumimoji="1" lang="en-US" altLang="ja-JP" sz="2800" dirty="0" smtClean="0">
-              <a:latin typeface="+mn-ea"/>
-              <a:ea typeface="+mn-ea"/>
-            </a:endParaRPr>
-          </a:p>
-          <a:p>
-            <a:pPr marL="457200" indent="-457200">
-              <a:buFont typeface="Arial" panose="020B0604020202020204" pitchFamily="34" charset="0"/>
-              <a:buChar char="•"/>
-            </a:pPr>
-            <a:r>
-              <a:rPr kumimoji="1" lang="ja-JP" altLang="en-US" sz="2800" dirty="0" smtClean="0">
-                <a:latin typeface="+mn-ea"/>
-                <a:ea typeface="+mn-ea"/>
-              </a:rPr>
-              <a:t>人の</a:t>
-            </a:r>
-            <a:r>
-              <a:rPr kumimoji="1" lang="ja-JP" altLang="en-US" sz="2800" dirty="0" smtClean="0">
-                <a:latin typeface="+mn-ea"/>
-                <a:ea typeface="+mn-ea"/>
-              </a:rPr>
-              <a:t>座標と人数を</a:t>
-            </a:r>
-            <a:r>
-              <a:rPr kumimoji="1" lang="ja-JP" altLang="en-US" sz="2800" dirty="0" smtClean="0">
-                <a:latin typeface="+mn-ea"/>
-                <a:ea typeface="+mn-ea"/>
-              </a:rPr>
-              <a:t>入力するだけで</a:t>
-            </a:r>
-            <a:r>
-              <a:rPr kumimoji="1" lang="ja-JP" altLang="en-US" sz="2800" dirty="0" smtClean="0">
-                <a:solidFill>
-                  <a:srgbClr val="C00000"/>
-                </a:solidFill>
-                <a:latin typeface="+mn-ea"/>
-                <a:ea typeface="+mn-ea"/>
-              </a:rPr>
-              <a:t>容易にトラッキング精度が向上</a:t>
-            </a:r>
-            <a:r>
-              <a:rPr kumimoji="1" lang="ja-JP" altLang="en-US" sz="2800" dirty="0" smtClean="0">
-                <a:latin typeface="+mn-ea"/>
-                <a:ea typeface="+mn-ea"/>
-              </a:rPr>
-              <a:t>する</a:t>
-            </a:r>
-            <a:endParaRPr kumimoji="1" lang="en-US" altLang="ja-JP" sz="2800" dirty="0" smtClean="0">
-              <a:latin typeface="+mn-ea"/>
-              <a:ea typeface="+mn-ea"/>
-            </a:endParaRPr>
-          </a:p>
-        </p:txBody>
-      </p:sp>
+              </a:endParaRPr>
+            </a:p>
+          </p:txBody>
+        </p:sp>
+      </p:grpSp>
       <p:sp>
         <p:nvSpPr>
           <p:cNvPr id="16" name="スライド番号プレースホルダー 1"/>
@@ -3062,6 +3087,743 @@
           </a:p>
         </p:txBody>
       </p:sp>
+      <p:grpSp>
+        <p:nvGrpSpPr>
+          <p:cNvPr id="17" name="グループ化 16"/>
+          <p:cNvGrpSpPr/>
+          <p:nvPr/>
+        </p:nvGrpSpPr>
+        <p:grpSpPr>
+          <a:xfrm>
+            <a:off x="4066767" y="870767"/>
+            <a:ext cx="8056275" cy="3757656"/>
+            <a:chOff x="196110" y="496405"/>
+            <a:chExt cx="11718690" cy="5465901"/>
+          </a:xfrm>
+        </p:grpSpPr>
+        <p:grpSp>
+          <p:nvGrpSpPr>
+            <p:cNvPr id="18" name="グループ化 17"/>
+            <p:cNvGrpSpPr/>
+            <p:nvPr/>
+          </p:nvGrpSpPr>
+          <p:grpSpPr>
+            <a:xfrm>
+              <a:off x="196110" y="496405"/>
+              <a:ext cx="4986627" cy="4986627"/>
+              <a:chOff x="417091" y="-689814"/>
+              <a:chExt cx="6609351" cy="6609351"/>
+            </a:xfrm>
+          </p:grpSpPr>
+          <p:sp>
+            <p:nvSpPr>
+              <p:cNvPr id="29" name="パイ 28"/>
+              <p:cNvSpPr/>
+              <p:nvPr/>
+            </p:nvSpPr>
+            <p:spPr>
+              <a:xfrm>
+                <a:off x="417091" y="-689814"/>
+                <a:ext cx="6609351" cy="6609351"/>
+              </a:xfrm>
+              <a:prstGeom prst="pie">
+                <a:avLst>
+                  <a:gd name="adj1" fmla="val 20195100"/>
+                  <a:gd name="adj2" fmla="val 12211607"/>
+                </a:avLst>
+              </a:prstGeom>
+              <a:solidFill>
+                <a:srgbClr val="F6FAF4"/>
+              </a:solidFill>
+              <a:ln>
+                <a:solidFill>
+                  <a:schemeClr val="accent1">
+                    <a:lumMod val="50000"/>
+                  </a:schemeClr>
+                </a:solidFill>
+              </a:ln>
+            </p:spPr>
+            <p:style>
+              <a:lnRef idx="2">
+                <a:schemeClr val="accent1">
+                  <a:shade val="50000"/>
+                </a:schemeClr>
+              </a:lnRef>
+              <a:fillRef idx="1">
+                <a:schemeClr val="accent1"/>
+              </a:fillRef>
+              <a:effectRef idx="0">
+                <a:schemeClr val="accent1"/>
+              </a:effectRef>
+              <a:fontRef idx="minor">
+                <a:schemeClr val="lt1"/>
+              </a:fontRef>
+            </p:style>
+            <p:txBody>
+              <a:bodyPr rtlCol="0" anchor="ctr"/>
+              <a:lstStyle/>
+              <a:p>
+                <a:pPr algn="ctr"/>
+                <a:endParaRPr kumimoji="1" lang="ja-JP" altLang="en-US">
+                  <a:solidFill>
+                    <a:schemeClr val="tx1"/>
+                  </a:solidFill>
+                </a:endParaRPr>
+              </a:p>
+            </p:txBody>
+          </p:sp>
+          <p:pic>
+            <p:nvPicPr>
+              <p:cNvPr id="30" name="図 29"/>
+              <p:cNvPicPr>
+                <a:picLocks noChangeAspect="1"/>
+              </p:cNvPicPr>
+              <p:nvPr/>
+            </p:nvPicPr>
+            <p:blipFill rotWithShape="1">
+              <a:blip r:embed="rId3"/>
+              <a:srcRect r="58107"/>
+              <a:stretch/>
+            </p:blipFill>
+            <p:spPr>
+              <a:xfrm>
+                <a:off x="845630" y="3807594"/>
+                <a:ext cx="1938513" cy="1731414"/>
+              </a:xfrm>
+              <a:prstGeom prst="rect">
+                <a:avLst/>
+              </a:prstGeom>
+            </p:spPr>
+          </p:pic>
+          <p:pic>
+            <p:nvPicPr>
+              <p:cNvPr id="31" name="図 30"/>
+              <p:cNvPicPr>
+                <a:picLocks noChangeAspect="1"/>
+              </p:cNvPicPr>
+              <p:nvPr/>
+            </p:nvPicPr>
+            <p:blipFill rotWithShape="1">
+              <a:blip r:embed="rId3"/>
+              <a:srcRect l="68684" r="-243"/>
+              <a:stretch/>
+            </p:blipFill>
+            <p:spPr>
+              <a:xfrm>
+                <a:off x="4026087" y="3796218"/>
+                <a:ext cx="1460310" cy="1731414"/>
+              </a:xfrm>
+              <a:prstGeom prst="rect">
+                <a:avLst/>
+              </a:prstGeom>
+            </p:spPr>
+          </p:pic>
+          <p:sp>
+            <p:nvSpPr>
+              <p:cNvPr id="32" name="フリーフォーム 31"/>
+              <p:cNvSpPr/>
+              <p:nvPr/>
+            </p:nvSpPr>
+            <p:spPr>
+              <a:xfrm>
+                <a:off x="493592" y="2375733"/>
+                <a:ext cx="6509982" cy="1147992"/>
+              </a:xfrm>
+              <a:custGeom>
+                <a:avLst/>
+                <a:gdLst>
+                  <a:gd name="connsiteX0" fmla="*/ 0 w 6509982"/>
+                  <a:gd name="connsiteY0" fmla="*/ 970242 h 1147992"/>
+                  <a:gd name="connsiteX1" fmla="*/ 1651380 w 6509982"/>
+                  <a:gd name="connsiteY1" fmla="*/ 1251 h 1147992"/>
+                  <a:gd name="connsiteX2" fmla="*/ 3234520 w 6509982"/>
+                  <a:gd name="connsiteY2" fmla="*/ 1147663 h 1147992"/>
+                  <a:gd name="connsiteX3" fmla="*/ 6509982 w 6509982"/>
+                  <a:gd name="connsiteY3" fmla="*/ 110433 h 1147992"/>
+                </a:gdLst>
+                <a:ahLst/>
+                <a:cxnLst>
+                  <a:cxn ang="0">
+                    <a:pos x="connsiteX0" y="connsiteY0"/>
+                  </a:cxn>
+                  <a:cxn ang="0">
+                    <a:pos x="connsiteX1" y="connsiteY1"/>
+                  </a:cxn>
+                  <a:cxn ang="0">
+                    <a:pos x="connsiteX2" y="connsiteY2"/>
+                  </a:cxn>
+                  <a:cxn ang="0">
+                    <a:pos x="connsiteX3" y="connsiteY3"/>
+                  </a:cxn>
+                </a:cxnLst>
+                <a:rect l="l" t="t" r="r" b="b"/>
+                <a:pathLst>
+                  <a:path w="6509982" h="1147992">
+                    <a:moveTo>
+                      <a:pt x="0" y="970242"/>
+                    </a:moveTo>
+                    <a:cubicBezTo>
+                      <a:pt x="556146" y="470961"/>
+                      <a:pt x="1112293" y="-28319"/>
+                      <a:pt x="1651380" y="1251"/>
+                    </a:cubicBezTo>
+                    <a:cubicBezTo>
+                      <a:pt x="2190467" y="30821"/>
+                      <a:pt x="2424753" y="1129466"/>
+                      <a:pt x="3234520" y="1147663"/>
+                    </a:cubicBezTo>
+                    <a:cubicBezTo>
+                      <a:pt x="4044287" y="1165860"/>
+                      <a:pt x="5873087" y="426606"/>
+                      <a:pt x="6509982" y="110433"/>
+                    </a:cubicBezTo>
+                  </a:path>
+                </a:pathLst>
+              </a:custGeom>
+              <a:ln w="57150">
+                <a:prstDash val="dash"/>
+              </a:ln>
+            </p:spPr>
+            <p:style>
+              <a:lnRef idx="1">
+                <a:schemeClr val="accent2"/>
+              </a:lnRef>
+              <a:fillRef idx="0">
+                <a:schemeClr val="accent2"/>
+              </a:fillRef>
+              <a:effectRef idx="0">
+                <a:schemeClr val="accent2"/>
+              </a:effectRef>
+              <a:fontRef idx="minor">
+                <a:schemeClr val="tx1"/>
+              </a:fontRef>
+            </p:style>
+            <p:txBody>
+              <a:bodyPr rtlCol="0" anchor="ctr"/>
+              <a:lstStyle/>
+              <a:p>
+                <a:pPr algn="ctr"/>
+                <a:endParaRPr kumimoji="1" lang="ja-JP" altLang="en-US"/>
+              </a:p>
+            </p:txBody>
+          </p:sp>
+          <p:cxnSp>
+            <p:nvCxnSpPr>
+              <p:cNvPr id="33" name="直線コネクタ 32"/>
+              <p:cNvCxnSpPr/>
+              <p:nvPr/>
+            </p:nvCxnSpPr>
+            <p:spPr>
+              <a:xfrm>
+                <a:off x="675441" y="3714462"/>
+                <a:ext cx="6028885" cy="134558"/>
+              </a:xfrm>
+              <a:prstGeom prst="line">
+                <a:avLst/>
+              </a:prstGeom>
+              <a:ln w="57150">
+                <a:prstDash val="dashDot"/>
+              </a:ln>
+            </p:spPr>
+            <p:style>
+              <a:lnRef idx="1">
+                <a:schemeClr val="accent1"/>
+              </a:lnRef>
+              <a:fillRef idx="0">
+                <a:schemeClr val="accent1"/>
+              </a:fillRef>
+              <a:effectRef idx="0">
+                <a:schemeClr val="accent1"/>
+              </a:effectRef>
+              <a:fontRef idx="minor">
+                <a:schemeClr val="tx1"/>
+              </a:fontRef>
+            </p:style>
+          </p:cxnSp>
+          <p:pic>
+            <p:nvPicPr>
+              <p:cNvPr id="34" name="図 33"/>
+              <p:cNvPicPr>
+                <a:picLocks noChangeAspect="1"/>
+              </p:cNvPicPr>
+              <p:nvPr/>
+            </p:nvPicPr>
+            <p:blipFill rotWithShape="1">
+              <a:blip r:embed="rId4">
+                <a:extLst>
+                  <a:ext uri="{28A0092B-C50C-407E-A947-70E740481C1C}">
+                    <a14:useLocalDpi xmlns:a14="http://schemas.microsoft.com/office/drawing/2010/main" val="0"/>
+                  </a:ext>
+                </a:extLst>
+              </a:blip>
+              <a:srcRect t="29310" b="1359"/>
+              <a:stretch/>
+            </p:blipFill>
+            <p:spPr>
+              <a:xfrm>
+                <a:off x="3083697" y="1618719"/>
+                <a:ext cx="1276138" cy="1571352"/>
+              </a:xfrm>
+              <a:prstGeom prst="rect">
+                <a:avLst/>
+              </a:prstGeom>
+            </p:spPr>
+          </p:pic>
+        </p:grpSp>
+        <p:pic>
+          <p:nvPicPr>
+            <p:cNvPr id="19" name="図 18"/>
+            <p:cNvPicPr>
+              <a:picLocks noChangeAspect="1"/>
+            </p:cNvPicPr>
+            <p:nvPr/>
+          </p:nvPicPr>
+          <p:blipFill>
+            <a:blip r:embed="rId5">
+              <a:extLst>
+                <a:ext uri="{28A0092B-C50C-407E-A947-70E740481C1C}">
+                  <a14:useLocalDpi xmlns:a14="http://schemas.microsoft.com/office/drawing/2010/main" val="0"/>
+                </a:ext>
+              </a:extLst>
+            </a:blip>
+            <a:stretch>
+              <a:fillRect/>
+            </a:stretch>
+          </p:blipFill>
+          <p:spPr>
+            <a:xfrm>
+              <a:off x="4683483" y="1890435"/>
+              <a:ext cx="1398806" cy="1549918"/>
+            </a:xfrm>
+            <a:prstGeom prst="rect">
+              <a:avLst/>
+            </a:prstGeom>
+          </p:spPr>
+        </p:pic>
+        <p:pic>
+          <p:nvPicPr>
+            <p:cNvPr id="20" name="図 19"/>
+            <p:cNvPicPr>
+              <a:picLocks noChangeAspect="1"/>
+            </p:cNvPicPr>
+            <p:nvPr/>
+          </p:nvPicPr>
+          <p:blipFill>
+            <a:blip r:embed="rId5">
+              <a:extLst>
+                <a:ext uri="{28A0092B-C50C-407E-A947-70E740481C1C}">
+                  <a14:useLocalDpi xmlns:a14="http://schemas.microsoft.com/office/drawing/2010/main" val="0"/>
+                </a:ext>
+              </a:extLst>
+            </a:blip>
+            <a:stretch>
+              <a:fillRect/>
+            </a:stretch>
+          </p:blipFill>
+          <p:spPr>
+            <a:xfrm>
+              <a:off x="4376934" y="3128897"/>
+              <a:ext cx="1398806" cy="1549918"/>
+            </a:xfrm>
+            <a:prstGeom prst="rect">
+              <a:avLst/>
+            </a:prstGeom>
+          </p:spPr>
+        </p:pic>
+        <p:pic>
+          <p:nvPicPr>
+            <p:cNvPr id="21" name="図 20"/>
+            <p:cNvPicPr>
+              <a:picLocks noChangeAspect="1"/>
+            </p:cNvPicPr>
+            <p:nvPr/>
+          </p:nvPicPr>
+          <p:blipFill>
+            <a:blip r:embed="rId5">
+              <a:extLst>
+                <a:ext uri="{28A0092B-C50C-407E-A947-70E740481C1C}">
+                  <a14:useLocalDpi xmlns:a14="http://schemas.microsoft.com/office/drawing/2010/main" val="0"/>
+                </a:ext>
+              </a:extLst>
+            </a:blip>
+            <a:stretch>
+              <a:fillRect/>
+            </a:stretch>
+          </p:blipFill>
+          <p:spPr>
+            <a:xfrm>
+              <a:off x="3469915" y="4412388"/>
+              <a:ext cx="1398806" cy="1549918"/>
+            </a:xfrm>
+            <a:prstGeom prst="rect">
+              <a:avLst/>
+            </a:prstGeom>
+          </p:spPr>
+        </p:pic>
+        <p:grpSp>
+          <p:nvGrpSpPr>
+            <p:cNvPr id="22" name="グループ化 21"/>
+            <p:cNvGrpSpPr/>
+            <p:nvPr/>
+          </p:nvGrpSpPr>
+          <p:grpSpPr>
+            <a:xfrm>
+              <a:off x="6928173" y="635583"/>
+              <a:ext cx="4986627" cy="4986627"/>
+              <a:chOff x="7284792" y="-571870"/>
+              <a:chExt cx="6609351" cy="6609351"/>
+            </a:xfrm>
+          </p:grpSpPr>
+          <p:sp>
+            <p:nvSpPr>
+              <p:cNvPr id="24" name="パイ 23"/>
+              <p:cNvSpPr/>
+              <p:nvPr/>
+            </p:nvSpPr>
+            <p:spPr>
+              <a:xfrm>
+                <a:off x="7284792" y="-571870"/>
+                <a:ext cx="6609351" cy="6609351"/>
+              </a:xfrm>
+              <a:prstGeom prst="pie">
+                <a:avLst>
+                  <a:gd name="adj1" fmla="val 20195100"/>
+                  <a:gd name="adj2" fmla="val 12211607"/>
+                </a:avLst>
+              </a:prstGeom>
+              <a:solidFill>
+                <a:srgbClr val="F6FAF4"/>
+              </a:solidFill>
+              <a:ln>
+                <a:solidFill>
+                  <a:schemeClr val="accent1">
+                    <a:lumMod val="50000"/>
+                  </a:schemeClr>
+                </a:solidFill>
+              </a:ln>
+            </p:spPr>
+            <p:style>
+              <a:lnRef idx="2">
+                <a:schemeClr val="accent1">
+                  <a:shade val="50000"/>
+                </a:schemeClr>
+              </a:lnRef>
+              <a:fillRef idx="1">
+                <a:schemeClr val="accent1"/>
+              </a:fillRef>
+              <a:effectRef idx="0">
+                <a:schemeClr val="accent1"/>
+              </a:effectRef>
+              <a:fontRef idx="minor">
+                <a:schemeClr val="lt1"/>
+              </a:fontRef>
+            </p:style>
+            <p:txBody>
+              <a:bodyPr rtlCol="0" anchor="ctr"/>
+              <a:lstStyle/>
+              <a:p>
+                <a:pPr algn="ctr"/>
+                <a:endParaRPr kumimoji="1" lang="ja-JP" altLang="en-US">
+                  <a:solidFill>
+                    <a:schemeClr val="tx1"/>
+                  </a:solidFill>
+                </a:endParaRPr>
+              </a:p>
+            </p:txBody>
+          </p:sp>
+          <p:pic>
+            <p:nvPicPr>
+              <p:cNvPr id="25" name="図 24"/>
+              <p:cNvPicPr>
+                <a:picLocks noChangeAspect="1"/>
+              </p:cNvPicPr>
+              <p:nvPr/>
+            </p:nvPicPr>
+            <p:blipFill rotWithShape="1">
+              <a:blip r:embed="rId4">
+                <a:extLst>
+                  <a:ext uri="{28A0092B-C50C-407E-A947-70E740481C1C}">
+                    <a14:useLocalDpi xmlns:a14="http://schemas.microsoft.com/office/drawing/2010/main" val="0"/>
+                  </a:ext>
+                </a:extLst>
+              </a:blip>
+              <a:srcRect t="29310" b="1359"/>
+              <a:stretch/>
+            </p:blipFill>
+            <p:spPr>
+              <a:xfrm>
+                <a:off x="9951398" y="1736663"/>
+                <a:ext cx="1276138" cy="1571352"/>
+              </a:xfrm>
+              <a:prstGeom prst="rect">
+                <a:avLst/>
+              </a:prstGeom>
+            </p:spPr>
+          </p:pic>
+          <p:cxnSp>
+            <p:nvCxnSpPr>
+              <p:cNvPr id="26" name="直線コネクタ 25"/>
+              <p:cNvCxnSpPr/>
+              <p:nvPr/>
+            </p:nvCxnSpPr>
+            <p:spPr>
+              <a:xfrm>
+                <a:off x="7527222" y="3814389"/>
+                <a:ext cx="6028885" cy="134558"/>
+              </a:xfrm>
+              <a:prstGeom prst="line">
+                <a:avLst/>
+              </a:prstGeom>
+              <a:ln w="57150"/>
+            </p:spPr>
+            <p:style>
+              <a:lnRef idx="1">
+                <a:schemeClr val="accent1"/>
+              </a:lnRef>
+              <a:fillRef idx="0">
+                <a:schemeClr val="accent1"/>
+              </a:fillRef>
+              <a:effectRef idx="0">
+                <a:schemeClr val="accent1"/>
+              </a:effectRef>
+              <a:fontRef idx="minor">
+                <a:schemeClr val="tx1"/>
+              </a:fontRef>
+            </p:style>
+          </p:cxnSp>
+          <p:sp>
+            <p:nvSpPr>
+              <p:cNvPr id="27" name="フリーフォーム 26"/>
+              <p:cNvSpPr/>
+              <p:nvPr/>
+            </p:nvSpPr>
+            <p:spPr>
+              <a:xfrm>
+                <a:off x="7359020" y="2423165"/>
+                <a:ext cx="6509982" cy="1147992"/>
+              </a:xfrm>
+              <a:custGeom>
+                <a:avLst/>
+                <a:gdLst>
+                  <a:gd name="connsiteX0" fmla="*/ 0 w 6509982"/>
+                  <a:gd name="connsiteY0" fmla="*/ 970242 h 1147992"/>
+                  <a:gd name="connsiteX1" fmla="*/ 1651380 w 6509982"/>
+                  <a:gd name="connsiteY1" fmla="*/ 1251 h 1147992"/>
+                  <a:gd name="connsiteX2" fmla="*/ 3234520 w 6509982"/>
+                  <a:gd name="connsiteY2" fmla="*/ 1147663 h 1147992"/>
+                  <a:gd name="connsiteX3" fmla="*/ 6509982 w 6509982"/>
+                  <a:gd name="connsiteY3" fmla="*/ 110433 h 1147992"/>
+                </a:gdLst>
+                <a:ahLst/>
+                <a:cxnLst>
+                  <a:cxn ang="0">
+                    <a:pos x="connsiteX0" y="connsiteY0"/>
+                  </a:cxn>
+                  <a:cxn ang="0">
+                    <a:pos x="connsiteX1" y="connsiteY1"/>
+                  </a:cxn>
+                  <a:cxn ang="0">
+                    <a:pos x="connsiteX2" y="connsiteY2"/>
+                  </a:cxn>
+                  <a:cxn ang="0">
+                    <a:pos x="connsiteX3" y="connsiteY3"/>
+                  </a:cxn>
+                </a:cxnLst>
+                <a:rect l="l" t="t" r="r" b="b"/>
+                <a:pathLst>
+                  <a:path w="6509982" h="1147992">
+                    <a:moveTo>
+                      <a:pt x="0" y="970242"/>
+                    </a:moveTo>
+                    <a:cubicBezTo>
+                      <a:pt x="556146" y="470961"/>
+                      <a:pt x="1112293" y="-28319"/>
+                      <a:pt x="1651380" y="1251"/>
+                    </a:cubicBezTo>
+                    <a:cubicBezTo>
+                      <a:pt x="2190467" y="30821"/>
+                      <a:pt x="2424753" y="1129466"/>
+                      <a:pt x="3234520" y="1147663"/>
+                    </a:cubicBezTo>
+                    <a:cubicBezTo>
+                      <a:pt x="4044287" y="1165860"/>
+                      <a:pt x="5873087" y="426606"/>
+                      <a:pt x="6509982" y="110433"/>
+                    </a:cubicBezTo>
+                  </a:path>
+                </a:pathLst>
+              </a:custGeom>
+              <a:ln w="57150"/>
+            </p:spPr>
+            <p:style>
+              <a:lnRef idx="1">
+                <a:schemeClr val="accent2"/>
+              </a:lnRef>
+              <a:fillRef idx="0">
+                <a:schemeClr val="accent2"/>
+              </a:fillRef>
+              <a:effectRef idx="0">
+                <a:schemeClr val="accent2"/>
+              </a:effectRef>
+              <a:fontRef idx="minor">
+                <a:schemeClr val="tx1"/>
+              </a:fontRef>
+            </p:style>
+            <p:txBody>
+              <a:bodyPr rtlCol="0" anchor="ctr"/>
+              <a:lstStyle/>
+              <a:p>
+                <a:pPr algn="ctr"/>
+                <a:endParaRPr kumimoji="1" lang="ja-JP" altLang="en-US"/>
+              </a:p>
+            </p:txBody>
+          </p:sp>
+          <p:sp>
+            <p:nvSpPr>
+              <p:cNvPr id="28" name="フリーフォーム 27"/>
+              <p:cNvSpPr/>
+              <p:nvPr/>
+            </p:nvSpPr>
+            <p:spPr>
+              <a:xfrm>
+                <a:off x="7727510" y="4026971"/>
+                <a:ext cx="4585648" cy="1673713"/>
+              </a:xfrm>
+              <a:custGeom>
+                <a:avLst/>
+                <a:gdLst>
+                  <a:gd name="connsiteX0" fmla="*/ 0 w 4585648"/>
+                  <a:gd name="connsiteY0" fmla="*/ 335427 h 1673713"/>
+                  <a:gd name="connsiteX1" fmla="*/ 1433015 w 4585648"/>
+                  <a:gd name="connsiteY1" fmla="*/ 89767 h 1673713"/>
+                  <a:gd name="connsiteX2" fmla="*/ 2524836 w 4585648"/>
+                  <a:gd name="connsiteY2" fmla="*/ 1672907 h 1673713"/>
+                  <a:gd name="connsiteX3" fmla="*/ 3725839 w 4585648"/>
+                  <a:gd name="connsiteY3" fmla="*/ 321779 h 1673713"/>
+                  <a:gd name="connsiteX4" fmla="*/ 4585648 w 4585648"/>
+                  <a:gd name="connsiteY4" fmla="*/ 1522782 h 1673713"/>
+                </a:gdLst>
+                <a:ahLst/>
+                <a:cxnLst>
+                  <a:cxn ang="0">
+                    <a:pos x="connsiteX0" y="connsiteY0"/>
+                  </a:cxn>
+                  <a:cxn ang="0">
+                    <a:pos x="connsiteX1" y="connsiteY1"/>
+                  </a:cxn>
+                  <a:cxn ang="0">
+                    <a:pos x="connsiteX2" y="connsiteY2"/>
+                  </a:cxn>
+                  <a:cxn ang="0">
+                    <a:pos x="connsiteX3" y="connsiteY3"/>
+                  </a:cxn>
+                  <a:cxn ang="0">
+                    <a:pos x="connsiteX4" y="connsiteY4"/>
+                  </a:cxn>
+                </a:cxnLst>
+                <a:rect l="l" t="t" r="r" b="b"/>
+                <a:pathLst>
+                  <a:path w="4585648" h="1673713">
+                    <a:moveTo>
+                      <a:pt x="0" y="335427"/>
+                    </a:moveTo>
+                    <a:cubicBezTo>
+                      <a:pt x="506104" y="101140"/>
+                      <a:pt x="1012209" y="-133146"/>
+                      <a:pt x="1433015" y="89767"/>
+                    </a:cubicBezTo>
+                    <a:cubicBezTo>
+                      <a:pt x="1853821" y="312680"/>
+                      <a:pt x="2142699" y="1634238"/>
+                      <a:pt x="2524836" y="1672907"/>
+                    </a:cubicBezTo>
+                    <a:cubicBezTo>
+                      <a:pt x="2906973" y="1711576"/>
+                      <a:pt x="3382370" y="346800"/>
+                      <a:pt x="3725839" y="321779"/>
+                    </a:cubicBezTo>
+                    <a:cubicBezTo>
+                      <a:pt x="4069308" y="296758"/>
+                      <a:pt x="4435523" y="1315791"/>
+                      <a:pt x="4585648" y="1522782"/>
+                    </a:cubicBezTo>
+                  </a:path>
+                </a:pathLst>
+              </a:custGeom>
+              <a:noFill/>
+              <a:ln w="57150">
+                <a:solidFill>
+                  <a:srgbClr val="7030A0"/>
+                </a:solidFill>
+              </a:ln>
+            </p:spPr>
+            <p:style>
+              <a:lnRef idx="2">
+                <a:schemeClr val="accent1">
+                  <a:shade val="50000"/>
+                </a:schemeClr>
+              </a:lnRef>
+              <a:fillRef idx="1">
+                <a:schemeClr val="accent1"/>
+              </a:fillRef>
+              <a:effectRef idx="0">
+                <a:schemeClr val="accent1"/>
+              </a:effectRef>
+              <a:fontRef idx="minor">
+                <a:schemeClr val="lt1"/>
+              </a:fontRef>
+            </p:style>
+            <p:txBody>
+              <a:bodyPr rtlCol="0" anchor="ctr"/>
+              <a:lstStyle/>
+              <a:p>
+                <a:pPr algn="ctr"/>
+                <a:endParaRPr kumimoji="1" lang="ja-JP" altLang="en-US"/>
+              </a:p>
+            </p:txBody>
+          </p:sp>
+        </p:grpSp>
+        <p:sp>
+          <p:nvSpPr>
+            <p:cNvPr id="23" name="右矢印 22"/>
+            <p:cNvSpPr/>
+            <p:nvPr/>
+          </p:nvSpPr>
+          <p:spPr>
+            <a:xfrm>
+              <a:off x="5884575" y="3149317"/>
+              <a:ext cx="761245" cy="1052244"/>
+            </a:xfrm>
+            <a:prstGeom prst="rightArrow">
+              <a:avLst/>
+            </a:prstGeom>
+          </p:spPr>
+          <p:style>
+            <a:lnRef idx="2">
+              <a:schemeClr val="accent1">
+                <a:shade val="50000"/>
+              </a:schemeClr>
+            </a:lnRef>
+            <a:fillRef idx="1">
+              <a:schemeClr val="accent1"/>
+            </a:fillRef>
+            <a:effectRef idx="0">
+              <a:schemeClr val="accent1"/>
+            </a:effectRef>
+            <a:fontRef idx="minor">
+              <a:schemeClr val="lt1"/>
+            </a:fontRef>
+          </p:style>
+          <p:txBody>
+            <a:bodyPr rtlCol="0" anchor="ctr"/>
+            <a:lstStyle/>
+            <a:p>
+              <a:pPr algn="ctr"/>
+              <a:endParaRPr kumimoji="1" lang="ja-JP" altLang="en-US"/>
+            </a:p>
+          </p:txBody>
+        </p:sp>
+      </p:grpSp>
     </p:spTree>
     <p:extLst>
       <p:ext uri="{BB962C8B-B14F-4D97-AF65-F5344CB8AC3E}">
@@ -3123,9 +3885,1756 @@
           <a:lstStyle/>
           <a:p>
             <a:fld id="{D12D64A1-0071-4E40-82A8-786C5ED7312F}" type="slidenum">
+              <a:rPr lang="ja-JP" altLang="en-US" smtClean="0"/>
+              <a:pPr/>
+              <a:t>2</a:t>
+            </a:fld>
+            <a:endParaRPr lang="ja-JP" altLang="en-US" dirty="0"/>
+          </a:p>
+        </p:txBody>
+      </p:sp>
+      <p:pic>
+        <p:nvPicPr>
+          <p:cNvPr id="3" name="図 2"/>
+          <p:cNvPicPr>
+            <a:picLocks noChangeAspect="1"/>
+          </p:cNvPicPr>
+          <p:nvPr/>
+        </p:nvPicPr>
+        <p:blipFill rotWithShape="1">
+          <a:blip r:embed="rId2"/>
+          <a:srcRect l="22217" t="16473" r="14277" b="21445"/>
+          <a:stretch/>
+        </p:blipFill>
+        <p:spPr>
+          <a:xfrm>
+            <a:off x="1266107" y="1224943"/>
+            <a:ext cx="9659786" cy="5018774"/>
+          </a:xfrm>
+          <a:prstGeom prst="rect">
+            <a:avLst/>
+          </a:prstGeom>
+        </p:spPr>
+      </p:pic>
+      <p:sp>
+        <p:nvSpPr>
+          <p:cNvPr id="10" name="テキスト ボックス 9"/>
+          <p:cNvSpPr txBox="1"/>
+          <p:nvPr/>
+        </p:nvSpPr>
+        <p:spPr>
+          <a:xfrm>
+            <a:off x="4208304" y="299169"/>
+            <a:ext cx="3775393" cy="707886"/>
+          </a:xfrm>
+          <a:prstGeom prst="rect">
+            <a:avLst/>
+          </a:prstGeom>
+          <a:noFill/>
+        </p:spPr>
+        <p:txBody>
+          <a:bodyPr wrap="none" rtlCol="0">
+            <a:spAutoFit/>
+          </a:bodyPr>
+          <a:lstStyle/>
+          <a:p>
+            <a:pPr algn="r"/>
+            <a:r>
+              <a:rPr lang="ja-JP" altLang="en-US" sz="4000" dirty="0" smtClean="0">
+                <a:latin typeface="+mn-ea"/>
+                <a:ea typeface="+mn-ea"/>
+              </a:rPr>
+              <a:t>システム構成</a:t>
+            </a:r>
+            <a:r>
+              <a:rPr lang="ja-JP" altLang="en-US" sz="4000" dirty="0">
+                <a:latin typeface="+mn-ea"/>
+                <a:ea typeface="+mn-ea"/>
+              </a:rPr>
+              <a:t>図</a:t>
+            </a:r>
+            <a:endParaRPr lang="en-US" altLang="ja-JP" sz="4000" dirty="0" smtClean="0">
+              <a:latin typeface="+mn-ea"/>
+              <a:ea typeface="+mn-ea"/>
+            </a:endParaRPr>
+          </a:p>
+        </p:txBody>
+      </p:sp>
+      <p:grpSp>
+        <p:nvGrpSpPr>
+          <p:cNvPr id="18" name="グループ化 17"/>
+          <p:cNvGrpSpPr/>
+          <p:nvPr/>
+        </p:nvGrpSpPr>
+        <p:grpSpPr>
+          <a:xfrm>
+            <a:off x="7356958" y="2800430"/>
+            <a:ext cx="2339102" cy="612648"/>
+            <a:chOff x="3756898" y="1122176"/>
+            <a:chExt cx="2339102" cy="612648"/>
+          </a:xfrm>
+        </p:grpSpPr>
+        <p:sp>
+          <p:nvSpPr>
+            <p:cNvPr id="11" name="角丸四角形吹き出し 10"/>
+            <p:cNvSpPr/>
+            <p:nvPr/>
+          </p:nvSpPr>
+          <p:spPr>
+            <a:xfrm>
+              <a:off x="3756898" y="1122176"/>
+              <a:ext cx="2322883" cy="612648"/>
+            </a:xfrm>
+            <a:prstGeom prst="wedgeRoundRectCallout">
+              <a:avLst>
+                <a:gd name="adj1" fmla="val -62466"/>
+                <a:gd name="adj2" fmla="val -51111"/>
+                <a:gd name="adj3" fmla="val 16667"/>
+              </a:avLst>
+            </a:prstGeom>
+            <a:solidFill>
+              <a:schemeClr val="accent6"/>
+            </a:solidFill>
+            <a:ln w="28575">
+              <a:solidFill>
+                <a:srgbClr val="287713"/>
+              </a:solidFill>
+            </a:ln>
+          </p:spPr>
+          <p:style>
+            <a:lnRef idx="2">
+              <a:schemeClr val="accent1">
+                <a:shade val="50000"/>
+              </a:schemeClr>
+            </a:lnRef>
+            <a:fillRef idx="1">
+              <a:schemeClr val="accent1"/>
+            </a:fillRef>
+            <a:effectRef idx="0">
+              <a:schemeClr val="accent1"/>
+            </a:effectRef>
+            <a:fontRef idx="minor">
+              <a:schemeClr val="lt1"/>
+            </a:fontRef>
+          </p:style>
+          <p:txBody>
+            <a:bodyPr rtlCol="0" anchor="ctr"/>
+            <a:lstStyle/>
+            <a:p>
+              <a:pPr algn="ctr"/>
+              <a:endParaRPr kumimoji="1" lang="ja-JP" altLang="en-US"/>
+            </a:p>
+          </p:txBody>
+        </p:sp>
+        <p:sp>
+          <p:nvSpPr>
+            <p:cNvPr id="6" name="テキスト ボックス 5"/>
+            <p:cNvSpPr txBox="1"/>
+            <p:nvPr/>
+          </p:nvSpPr>
+          <p:spPr>
+            <a:xfrm>
+              <a:off x="3756898" y="1211604"/>
+              <a:ext cx="2339102" cy="523220"/>
+            </a:xfrm>
+            <a:prstGeom prst="rect">
+              <a:avLst/>
+            </a:prstGeom>
+            <a:noFill/>
+          </p:spPr>
+          <p:txBody>
+            <a:bodyPr wrap="none" rtlCol="0">
+              <a:spAutoFit/>
+            </a:bodyPr>
+            <a:lstStyle/>
+            <a:p>
+              <a:pPr algn="r"/>
+              <a:r>
+                <a:rPr lang="ja-JP" altLang="en-US" sz="2800" dirty="0" smtClean="0">
+                  <a:solidFill>
+                    <a:schemeClr val="bg1"/>
+                  </a:solidFill>
+                  <a:latin typeface="+mn-ea"/>
+                  <a:ea typeface="+mn-ea"/>
+                </a:rPr>
+                <a:t>コマンド生成</a:t>
+              </a:r>
+              <a:endParaRPr lang="en-US" altLang="ja-JP" sz="2800" dirty="0" smtClean="0">
+                <a:solidFill>
+                  <a:schemeClr val="bg1"/>
+                </a:solidFill>
+                <a:latin typeface="+mn-ea"/>
+                <a:ea typeface="+mn-ea"/>
+              </a:endParaRPr>
+            </a:p>
+          </p:txBody>
+        </p:sp>
+      </p:grpSp>
+      <p:grpSp>
+        <p:nvGrpSpPr>
+          <p:cNvPr id="20" name="グループ化 19"/>
+          <p:cNvGrpSpPr/>
+          <p:nvPr/>
+        </p:nvGrpSpPr>
+        <p:grpSpPr>
+          <a:xfrm>
+            <a:off x="303081" y="3689616"/>
+            <a:ext cx="1261884" cy="612648"/>
+            <a:chOff x="303081" y="3689616"/>
+            <a:chExt cx="1261884" cy="612648"/>
+          </a:xfrm>
+        </p:grpSpPr>
+        <p:sp>
+          <p:nvSpPr>
+            <p:cNvPr id="13" name="角丸四角形吹き出し 12"/>
+            <p:cNvSpPr/>
+            <p:nvPr/>
+          </p:nvSpPr>
+          <p:spPr>
+            <a:xfrm>
+              <a:off x="303081" y="3689616"/>
+              <a:ext cx="1261884" cy="612648"/>
+            </a:xfrm>
+            <a:prstGeom prst="wedgeRoundRectCallout">
+              <a:avLst>
+                <a:gd name="adj1" fmla="val 60434"/>
+                <a:gd name="adj2" fmla="val -137989"/>
+                <a:gd name="adj3" fmla="val 16667"/>
+              </a:avLst>
+            </a:prstGeom>
+            <a:solidFill>
+              <a:schemeClr val="accent6"/>
+            </a:solidFill>
+            <a:ln w="28575">
+              <a:solidFill>
+                <a:srgbClr val="287713"/>
+              </a:solidFill>
+            </a:ln>
+          </p:spPr>
+          <p:style>
+            <a:lnRef idx="2">
+              <a:schemeClr val="accent1">
+                <a:shade val="50000"/>
+              </a:schemeClr>
+            </a:lnRef>
+            <a:fillRef idx="1">
+              <a:schemeClr val="accent1"/>
+            </a:fillRef>
+            <a:effectRef idx="0">
+              <a:schemeClr val="accent1"/>
+            </a:effectRef>
+            <a:fontRef idx="minor">
+              <a:schemeClr val="lt1"/>
+            </a:fontRef>
+          </p:style>
+          <p:txBody>
+            <a:bodyPr rtlCol="0" anchor="ctr"/>
+            <a:lstStyle/>
+            <a:p>
+              <a:pPr algn="ctr"/>
+              <a:endParaRPr kumimoji="1" lang="ja-JP" altLang="en-US"/>
+            </a:p>
+          </p:txBody>
+        </p:sp>
+        <p:sp>
+          <p:nvSpPr>
+            <p:cNvPr id="4" name="テキスト ボックス 3"/>
+            <p:cNvSpPr txBox="1"/>
+            <p:nvPr/>
+          </p:nvSpPr>
+          <p:spPr>
+            <a:xfrm>
+              <a:off x="303081" y="3775274"/>
+              <a:ext cx="1261884" cy="523220"/>
+            </a:xfrm>
+            <a:prstGeom prst="rect">
+              <a:avLst/>
+            </a:prstGeom>
+            <a:noFill/>
+          </p:spPr>
+          <p:txBody>
+            <a:bodyPr wrap="none" rtlCol="0">
+              <a:spAutoFit/>
+            </a:bodyPr>
+            <a:lstStyle/>
+            <a:p>
+              <a:pPr algn="r"/>
+              <a:r>
+                <a:rPr lang="ja-JP" altLang="en-US" sz="2800" dirty="0" smtClean="0">
+                  <a:solidFill>
+                    <a:schemeClr val="bg1"/>
+                  </a:solidFill>
+                  <a:latin typeface="+mn-ea"/>
+                  <a:ea typeface="+mn-ea"/>
+                </a:rPr>
+                <a:t>センサ</a:t>
+              </a:r>
+              <a:endParaRPr lang="en-US" altLang="ja-JP" sz="2800" dirty="0" smtClean="0">
+                <a:solidFill>
+                  <a:schemeClr val="bg1"/>
+                </a:solidFill>
+                <a:latin typeface="+mn-ea"/>
+                <a:ea typeface="+mn-ea"/>
+              </a:endParaRPr>
+            </a:p>
+          </p:txBody>
+        </p:sp>
+      </p:grpSp>
+      <p:grpSp>
+        <p:nvGrpSpPr>
+          <p:cNvPr id="19" name="グループ化 18"/>
+          <p:cNvGrpSpPr/>
+          <p:nvPr/>
+        </p:nvGrpSpPr>
+        <p:grpSpPr>
+          <a:xfrm>
+            <a:off x="2986529" y="2169415"/>
+            <a:ext cx="1261884" cy="612648"/>
+            <a:chOff x="2986529" y="2169415"/>
+            <a:chExt cx="1261884" cy="612648"/>
+          </a:xfrm>
+        </p:grpSpPr>
+        <p:sp>
+          <p:nvSpPr>
+            <p:cNvPr id="14" name="角丸四角形吹き出し 13"/>
+            <p:cNvSpPr/>
+            <p:nvPr/>
+          </p:nvSpPr>
+          <p:spPr>
+            <a:xfrm>
+              <a:off x="2986529" y="2169415"/>
+              <a:ext cx="1261884" cy="612648"/>
+            </a:xfrm>
+            <a:prstGeom prst="wedgeRoundRectCallout">
+              <a:avLst>
+                <a:gd name="adj1" fmla="val 4513"/>
+                <a:gd name="adj2" fmla="val 111509"/>
+                <a:gd name="adj3" fmla="val 16667"/>
+              </a:avLst>
+            </a:prstGeom>
+            <a:solidFill>
+              <a:schemeClr val="accent6"/>
+            </a:solidFill>
+            <a:ln w="28575">
+              <a:solidFill>
+                <a:srgbClr val="287713"/>
+              </a:solidFill>
+            </a:ln>
+          </p:spPr>
+          <p:style>
+            <a:lnRef idx="2">
+              <a:schemeClr val="accent1">
+                <a:shade val="50000"/>
+              </a:schemeClr>
+            </a:lnRef>
+            <a:fillRef idx="1">
+              <a:schemeClr val="accent1"/>
+            </a:fillRef>
+            <a:effectRef idx="0">
+              <a:schemeClr val="accent1"/>
+            </a:effectRef>
+            <a:fontRef idx="minor">
+              <a:schemeClr val="lt1"/>
+            </a:fontRef>
+          </p:style>
+          <p:txBody>
+            <a:bodyPr rtlCol="0" anchor="ctr"/>
+            <a:lstStyle/>
+            <a:p>
+              <a:pPr algn="ctr"/>
+              <a:endParaRPr kumimoji="1" lang="ja-JP" altLang="en-US"/>
+            </a:p>
+          </p:txBody>
+        </p:sp>
+        <p:sp>
+          <p:nvSpPr>
+            <p:cNvPr id="5" name="テキスト ボックス 4"/>
+            <p:cNvSpPr txBox="1"/>
+            <p:nvPr/>
+          </p:nvSpPr>
+          <p:spPr>
+            <a:xfrm>
+              <a:off x="2986529" y="2258843"/>
+              <a:ext cx="1261884" cy="523220"/>
+            </a:xfrm>
+            <a:prstGeom prst="rect">
+              <a:avLst/>
+            </a:prstGeom>
+            <a:noFill/>
+          </p:spPr>
+          <p:txBody>
+            <a:bodyPr wrap="none" rtlCol="0">
+              <a:spAutoFit/>
+            </a:bodyPr>
+            <a:lstStyle/>
+            <a:p>
+              <a:pPr algn="r"/>
+              <a:r>
+                <a:rPr lang="ja-JP" altLang="en-US" sz="2800" dirty="0" smtClean="0">
+                  <a:solidFill>
+                    <a:schemeClr val="bg1"/>
+                  </a:solidFill>
+                  <a:latin typeface="+mn-ea"/>
+                  <a:ea typeface="+mn-ea"/>
+                </a:rPr>
+                <a:t>人</a:t>
+              </a:r>
+              <a:r>
+                <a:rPr lang="ja-JP" altLang="en-US" sz="2800" dirty="0">
+                  <a:solidFill>
+                    <a:schemeClr val="bg1"/>
+                  </a:solidFill>
+                  <a:latin typeface="+mn-ea"/>
+                  <a:ea typeface="+mn-ea"/>
+                </a:rPr>
+                <a:t>検出</a:t>
+              </a:r>
+              <a:endParaRPr lang="en-US" altLang="ja-JP" sz="2800" dirty="0" smtClean="0">
+                <a:solidFill>
+                  <a:schemeClr val="bg1"/>
+                </a:solidFill>
+                <a:latin typeface="+mn-ea"/>
+                <a:ea typeface="+mn-ea"/>
+              </a:endParaRPr>
+            </a:p>
+          </p:txBody>
+        </p:sp>
+      </p:grpSp>
+      <p:grpSp>
+        <p:nvGrpSpPr>
+          <p:cNvPr id="17" name="グループ化 16"/>
+          <p:cNvGrpSpPr/>
+          <p:nvPr/>
+        </p:nvGrpSpPr>
+        <p:grpSpPr>
+          <a:xfrm>
+            <a:off x="9590742" y="3899843"/>
+            <a:ext cx="1620957" cy="625987"/>
+            <a:chOff x="9590742" y="3899843"/>
+            <a:chExt cx="1620957" cy="625987"/>
+          </a:xfrm>
+        </p:grpSpPr>
+        <p:sp>
+          <p:nvSpPr>
+            <p:cNvPr id="15" name="角丸四角形吹き出し 14"/>
+            <p:cNvSpPr/>
+            <p:nvPr/>
+          </p:nvSpPr>
+          <p:spPr>
+            <a:xfrm>
+              <a:off x="9590742" y="3899843"/>
+              <a:ext cx="1620957" cy="612648"/>
+            </a:xfrm>
+            <a:prstGeom prst="wedgeRoundRectCallout">
+              <a:avLst>
+                <a:gd name="adj1" fmla="val -70692"/>
+                <a:gd name="adj2" fmla="val -42200"/>
+                <a:gd name="adj3" fmla="val 16667"/>
+              </a:avLst>
+            </a:prstGeom>
+            <a:solidFill>
+              <a:schemeClr val="accent6"/>
+            </a:solidFill>
+            <a:ln w="28575">
+              <a:solidFill>
+                <a:srgbClr val="287713"/>
+              </a:solidFill>
+            </a:ln>
+          </p:spPr>
+          <p:style>
+            <a:lnRef idx="2">
+              <a:schemeClr val="accent1">
+                <a:shade val="50000"/>
+              </a:schemeClr>
+            </a:lnRef>
+            <a:fillRef idx="1">
+              <a:schemeClr val="accent1"/>
+            </a:fillRef>
+            <a:effectRef idx="0">
+              <a:schemeClr val="accent1"/>
+            </a:effectRef>
+            <a:fontRef idx="minor">
+              <a:schemeClr val="lt1"/>
+            </a:fontRef>
+          </p:style>
+          <p:txBody>
+            <a:bodyPr rtlCol="0" anchor="ctr"/>
+            <a:lstStyle/>
+            <a:p>
+              <a:pPr algn="ctr"/>
+              <a:endParaRPr kumimoji="1" lang="ja-JP" altLang="en-US"/>
+            </a:p>
+          </p:txBody>
+        </p:sp>
+        <p:sp>
+          <p:nvSpPr>
+            <p:cNvPr id="8" name="テキスト ボックス 7"/>
+            <p:cNvSpPr txBox="1"/>
+            <p:nvPr/>
+          </p:nvSpPr>
+          <p:spPr>
+            <a:xfrm>
+              <a:off x="9590742" y="4002610"/>
+              <a:ext cx="1620957" cy="523220"/>
+            </a:xfrm>
+            <a:prstGeom prst="rect">
+              <a:avLst/>
+            </a:prstGeom>
+            <a:noFill/>
+          </p:spPr>
+          <p:txBody>
+            <a:bodyPr wrap="none" rtlCol="0">
+              <a:spAutoFit/>
+            </a:bodyPr>
+            <a:lstStyle/>
+            <a:p>
+              <a:pPr algn="r"/>
+              <a:r>
+                <a:rPr lang="ja-JP" altLang="en-US" sz="2800" dirty="0" smtClean="0">
+                  <a:solidFill>
+                    <a:schemeClr val="bg1"/>
+                  </a:solidFill>
+                  <a:latin typeface="+mn-ea"/>
+                  <a:ea typeface="+mn-ea"/>
+                </a:rPr>
+                <a:t>座標</a:t>
+              </a:r>
+              <a:r>
+                <a:rPr lang="ja-JP" altLang="en-US" sz="2800" dirty="0">
+                  <a:solidFill>
+                    <a:schemeClr val="bg1"/>
+                  </a:solidFill>
+                  <a:latin typeface="+mn-ea"/>
+                  <a:ea typeface="+mn-ea"/>
+                </a:rPr>
+                <a:t>記録</a:t>
+              </a:r>
+              <a:endParaRPr lang="en-US" altLang="ja-JP" sz="2800" dirty="0" smtClean="0">
+                <a:solidFill>
+                  <a:schemeClr val="bg1"/>
+                </a:solidFill>
+                <a:latin typeface="+mn-ea"/>
+                <a:ea typeface="+mn-ea"/>
+              </a:endParaRPr>
+            </a:p>
+          </p:txBody>
+        </p:sp>
+      </p:grpSp>
+      <p:grpSp>
+        <p:nvGrpSpPr>
+          <p:cNvPr id="16" name="グループ化 15"/>
+          <p:cNvGrpSpPr/>
+          <p:nvPr/>
+        </p:nvGrpSpPr>
+        <p:grpSpPr>
+          <a:xfrm>
+            <a:off x="10144856" y="1211604"/>
+            <a:ext cx="1620957" cy="625987"/>
+            <a:chOff x="10144856" y="1211604"/>
+            <a:chExt cx="1620957" cy="625987"/>
+          </a:xfrm>
+        </p:grpSpPr>
+        <p:sp>
+          <p:nvSpPr>
+            <p:cNvPr id="12" name="角丸四角形吹き出し 11"/>
+            <p:cNvSpPr/>
+            <p:nvPr/>
+          </p:nvSpPr>
+          <p:spPr>
+            <a:xfrm>
+              <a:off x="10144856" y="1211604"/>
+              <a:ext cx="1620957" cy="612648"/>
+            </a:xfrm>
+            <a:prstGeom prst="wedgeRoundRectCallout">
+              <a:avLst>
+                <a:gd name="adj1" fmla="val -50674"/>
+                <a:gd name="adj2" fmla="val 82549"/>
+                <a:gd name="adj3" fmla="val 16667"/>
+              </a:avLst>
+            </a:prstGeom>
+            <a:solidFill>
+              <a:schemeClr val="accent6"/>
+            </a:solidFill>
+            <a:ln w="28575">
+              <a:solidFill>
+                <a:srgbClr val="287713"/>
+              </a:solidFill>
+            </a:ln>
+          </p:spPr>
+          <p:style>
+            <a:lnRef idx="2">
+              <a:schemeClr val="accent1">
+                <a:shade val="50000"/>
+              </a:schemeClr>
+            </a:lnRef>
+            <a:fillRef idx="1">
+              <a:schemeClr val="accent1"/>
+            </a:fillRef>
+            <a:effectRef idx="0">
+              <a:schemeClr val="accent1"/>
+            </a:effectRef>
+            <a:fontRef idx="minor">
+              <a:schemeClr val="lt1"/>
+            </a:fontRef>
+          </p:style>
+          <p:txBody>
+            <a:bodyPr rtlCol="0" anchor="ctr"/>
+            <a:lstStyle/>
+            <a:p>
+              <a:pPr algn="ctr"/>
+              <a:endParaRPr kumimoji="1" lang="ja-JP" altLang="en-US"/>
+            </a:p>
+          </p:txBody>
+        </p:sp>
+        <p:sp>
+          <p:nvSpPr>
+            <p:cNvPr id="9" name="テキスト ボックス 8"/>
+            <p:cNvSpPr txBox="1"/>
+            <p:nvPr/>
+          </p:nvSpPr>
+          <p:spPr>
+            <a:xfrm>
+              <a:off x="10144856" y="1314371"/>
+              <a:ext cx="1620957" cy="523220"/>
+            </a:xfrm>
+            <a:prstGeom prst="rect">
+              <a:avLst/>
+            </a:prstGeom>
+            <a:noFill/>
+          </p:spPr>
+          <p:txBody>
+            <a:bodyPr wrap="none" rtlCol="0">
+              <a:spAutoFit/>
+            </a:bodyPr>
+            <a:lstStyle/>
+            <a:p>
+              <a:pPr algn="r"/>
+              <a:r>
+                <a:rPr lang="ja-JP" altLang="en-US" sz="2800" dirty="0" smtClean="0">
+                  <a:solidFill>
+                    <a:schemeClr val="bg1"/>
+                  </a:solidFill>
+                  <a:latin typeface="+mn-ea"/>
+                  <a:ea typeface="+mn-ea"/>
+                </a:rPr>
+                <a:t>軌跡予測</a:t>
+              </a:r>
+              <a:endParaRPr lang="en-US" altLang="ja-JP" sz="2800" dirty="0" smtClean="0">
+                <a:solidFill>
+                  <a:schemeClr val="bg1"/>
+                </a:solidFill>
+                <a:latin typeface="+mn-ea"/>
+                <a:ea typeface="+mn-ea"/>
+              </a:endParaRPr>
+            </a:p>
+          </p:txBody>
+        </p:sp>
+      </p:grpSp>
+    </p:spTree>
+    <p:extLst>
+      <p:ext uri="{BB962C8B-B14F-4D97-AF65-F5344CB8AC3E}">
+        <p14:creationId xmlns:p14="http://schemas.microsoft.com/office/powerpoint/2010/main" val="3636839521"/>
+      </p:ext>
+    </p:extLst>
+  </p:cSld>
+  <p:clrMapOvr>
+    <a:masterClrMapping/>
+  </p:clrMapOvr>
+  <p:timing>
+    <p:tnLst>
+      <p:par>
+        <p:cTn id="1" dur="indefinite" restart="never" nodeType="tmRoot"/>
+      </p:par>
+    </p:tnLst>
+  </p:timing>
+</p:sld>
+</file>
+
+<file path=ppt/slides/slide3.xml><?xml version="1.0" encoding="utf-8"?>
+<p:sld xmlns:a="http://schemas.openxmlformats.org/drawingml/2006/main" xmlns:r="http://schemas.openxmlformats.org/officeDocument/2006/relationships" xmlns:p="http://schemas.openxmlformats.org/presentationml/2006/main">
+  <p:cSld>
+    <p:spTree>
+      <p:nvGrpSpPr>
+        <p:cNvPr id="1" name=""/>
+        <p:cNvGrpSpPr/>
+        <p:nvPr/>
+      </p:nvGrpSpPr>
+      <p:grpSpPr>
+        <a:xfrm>
+          <a:off x="0" y="0"/>
+          <a:ext cx="0" cy="0"/>
+          <a:chOff x="0" y="0"/>
+          <a:chExt cx="0" cy="0"/>
+        </a:xfrm>
+      </p:grpSpPr>
+      <p:sp>
+        <p:nvSpPr>
+          <p:cNvPr id="2" name="スライド番号プレースホルダー 1"/>
+          <p:cNvSpPr>
+            <a:spLocks noGrp="1"/>
+          </p:cNvSpPr>
+          <p:nvPr>
+            <p:ph type="sldNum" sz="quarter" idx="4"/>
+          </p:nvPr>
+        </p:nvSpPr>
+        <p:spPr/>
+        <p:txBody>
+          <a:bodyPr/>
+          <a:lstStyle/>
+          <a:p>
+            <a:fld id="{D12D64A1-0071-4E40-82A8-786C5ED7312F}" type="slidenum">
               <a:rPr kumimoji="1" lang="ja-JP" altLang="en-US" smtClean="0"/>
               <a:pPr/>
-              <a:t>2</a:t>
+              <a:t>3</a:t>
+            </a:fld>
+            <a:endParaRPr kumimoji="1" lang="ja-JP" altLang="en-US" dirty="0"/>
+          </a:p>
+        </p:txBody>
+      </p:sp>
+      <p:sp>
+        <p:nvSpPr>
+          <p:cNvPr id="3" name="テキスト ボックス 2"/>
+          <p:cNvSpPr txBox="1"/>
+          <p:nvPr/>
+        </p:nvSpPr>
+        <p:spPr>
+          <a:xfrm>
+            <a:off x="4208304" y="299169"/>
+            <a:ext cx="3775393" cy="707886"/>
+          </a:xfrm>
+          <a:prstGeom prst="rect">
+            <a:avLst/>
+          </a:prstGeom>
+          <a:noFill/>
+        </p:spPr>
+        <p:txBody>
+          <a:bodyPr wrap="none" rtlCol="0">
+            <a:spAutoFit/>
+          </a:bodyPr>
+          <a:lstStyle/>
+          <a:p>
+            <a:pPr algn="r"/>
+            <a:r>
+              <a:rPr lang="ja-JP" altLang="en-US" sz="4000" dirty="0" smtClean="0">
+                <a:latin typeface="+mn-ea"/>
+                <a:ea typeface="+mn-ea"/>
+              </a:rPr>
+              <a:t>システム利用例</a:t>
+            </a:r>
+            <a:endParaRPr lang="en-US" altLang="ja-JP" sz="4000" dirty="0" smtClean="0">
+              <a:latin typeface="+mn-ea"/>
+              <a:ea typeface="+mn-ea"/>
+            </a:endParaRPr>
+          </a:p>
+        </p:txBody>
+      </p:sp>
+      <p:pic>
+        <p:nvPicPr>
+          <p:cNvPr id="4" name="図 3"/>
+          <p:cNvPicPr>
+            <a:picLocks noChangeAspect="1"/>
+          </p:cNvPicPr>
+          <p:nvPr/>
+        </p:nvPicPr>
+        <p:blipFill>
+          <a:blip r:embed="rId2"/>
+          <a:stretch>
+            <a:fillRect/>
+          </a:stretch>
+        </p:blipFill>
+        <p:spPr>
+          <a:xfrm>
+            <a:off x="7839166" y="5171569"/>
+            <a:ext cx="856193" cy="1164984"/>
+          </a:xfrm>
+          <a:prstGeom prst="rect">
+            <a:avLst/>
+          </a:prstGeom>
+        </p:spPr>
+      </p:pic>
+      <p:sp>
+        <p:nvSpPr>
+          <p:cNvPr id="5" name="テキスト ボックス 4"/>
+          <p:cNvSpPr txBox="1"/>
+          <p:nvPr/>
+        </p:nvSpPr>
+        <p:spPr>
+          <a:xfrm>
+            <a:off x="5302371" y="1293506"/>
+            <a:ext cx="1620957" cy="523220"/>
+          </a:xfrm>
+          <a:prstGeom prst="rect">
+            <a:avLst/>
+          </a:prstGeom>
+          <a:noFill/>
+        </p:spPr>
+        <p:txBody>
+          <a:bodyPr wrap="none" rtlCol="0">
+            <a:spAutoFit/>
+          </a:bodyPr>
+          <a:lstStyle/>
+          <a:p>
+            <a:pPr algn="r"/>
+            <a:r>
+              <a:rPr lang="ja-JP" altLang="en-US" sz="2800" dirty="0" smtClean="0">
+                <a:latin typeface="+mn-ea"/>
+                <a:ea typeface="+mn-ea"/>
+              </a:rPr>
+              <a:t>混雑</a:t>
+            </a:r>
+            <a:r>
+              <a:rPr lang="ja-JP" altLang="en-US" sz="2800" dirty="0">
+                <a:latin typeface="+mn-ea"/>
+                <a:ea typeface="+mn-ea"/>
+              </a:rPr>
+              <a:t>回避</a:t>
+            </a:r>
+            <a:endParaRPr lang="en-US" altLang="ja-JP" sz="2800" dirty="0" smtClean="0">
+              <a:latin typeface="+mn-ea"/>
+              <a:ea typeface="+mn-ea"/>
+            </a:endParaRPr>
+          </a:p>
+        </p:txBody>
+      </p:sp>
+      <p:sp>
+        <p:nvSpPr>
+          <p:cNvPr id="6" name="テキスト ボックス 5"/>
+          <p:cNvSpPr txBox="1"/>
+          <p:nvPr/>
+        </p:nvSpPr>
+        <p:spPr>
+          <a:xfrm>
+            <a:off x="10165123" y="1288237"/>
+            <a:ext cx="1261884" cy="523220"/>
+          </a:xfrm>
+          <a:prstGeom prst="rect">
+            <a:avLst/>
+          </a:prstGeom>
+          <a:noFill/>
+        </p:spPr>
+        <p:txBody>
+          <a:bodyPr wrap="none" rtlCol="0">
+            <a:spAutoFit/>
+          </a:bodyPr>
+          <a:lstStyle/>
+          <a:p>
+            <a:pPr algn="r"/>
+            <a:r>
+              <a:rPr lang="ja-JP" altLang="en-US" sz="2800" dirty="0" smtClean="0">
+                <a:latin typeface="+mn-ea"/>
+                <a:ea typeface="+mn-ea"/>
+              </a:rPr>
+              <a:t>見守り</a:t>
+            </a:r>
+            <a:endParaRPr lang="en-US" altLang="ja-JP" sz="2800" dirty="0" smtClean="0">
+              <a:latin typeface="+mn-ea"/>
+              <a:ea typeface="+mn-ea"/>
+            </a:endParaRPr>
+          </a:p>
+        </p:txBody>
+      </p:sp>
+      <p:sp>
+        <p:nvSpPr>
+          <p:cNvPr id="7" name="テキスト ボックス 6"/>
+          <p:cNvSpPr txBox="1"/>
+          <p:nvPr/>
+        </p:nvSpPr>
+        <p:spPr>
+          <a:xfrm>
+            <a:off x="136229" y="1252487"/>
+            <a:ext cx="4801314" cy="646331"/>
+          </a:xfrm>
+          <a:prstGeom prst="rect">
+            <a:avLst/>
+          </a:prstGeom>
+          <a:noFill/>
+        </p:spPr>
+        <p:txBody>
+          <a:bodyPr wrap="none" rtlCol="0">
+            <a:spAutoFit/>
+          </a:bodyPr>
+          <a:lstStyle/>
+          <a:p>
+            <a:pPr algn="r"/>
+            <a:r>
+              <a:rPr lang="ja-JP" altLang="en-US" sz="3600" dirty="0" smtClean="0">
+                <a:latin typeface="+mn-ea"/>
+                <a:ea typeface="+mn-ea"/>
+              </a:rPr>
+              <a:t>人の移動の傾向を把握</a:t>
+            </a:r>
+            <a:endParaRPr lang="en-US" altLang="ja-JP" sz="3600" dirty="0" smtClean="0">
+              <a:latin typeface="+mn-ea"/>
+              <a:ea typeface="+mn-ea"/>
+            </a:endParaRPr>
+          </a:p>
+        </p:txBody>
+      </p:sp>
+      <p:pic>
+        <p:nvPicPr>
+          <p:cNvPr id="1026" name="Picture 2" descr="https://1.bp.blogspot.com/-qa9ngXg7UdQ/XSGF3foojOI/AAAAAAABTko/WytbdqPBN9QHqb5MA6P0ndCUfsbnM70BwCLcBGAs/s800/shopping_mall_ekinaka.png"/>
+          <p:cNvPicPr>
+            <a:picLocks noChangeAspect="1" noChangeArrowheads="1"/>
+          </p:cNvPicPr>
+          <p:nvPr/>
+        </p:nvPicPr>
+        <p:blipFill>
+          <a:blip r:embed="rId3">
+            <a:extLst>
+              <a:ext uri="{28A0092B-C50C-407E-A947-70E740481C1C}">
+                <a14:useLocalDpi xmlns:a14="http://schemas.microsoft.com/office/drawing/2010/main" val="0"/>
+              </a:ext>
+            </a:extLst>
+          </a:blip>
+          <a:srcRect/>
+          <a:stretch>
+            <a:fillRect/>
+          </a:stretch>
+        </p:blipFill>
+        <p:spPr bwMode="auto">
+          <a:xfrm>
+            <a:off x="445268" y="1805127"/>
+            <a:ext cx="4310235" cy="3782233"/>
+          </a:xfrm>
+          <a:prstGeom prst="rect">
+            <a:avLst/>
+          </a:prstGeom>
+          <a:noFill/>
+          <a:extLst>
+            <a:ext uri="{909E8E84-426E-40DD-AFC4-6F175D3DCCD1}">
+              <a14:hiddenFill xmlns:a14="http://schemas.microsoft.com/office/drawing/2010/main">
+                <a:solidFill>
+                  <a:srgbClr val="FFFFFF"/>
+                </a:solidFill>
+              </a14:hiddenFill>
+            </a:ext>
+          </a:extLst>
+        </p:spPr>
+      </p:pic>
+      <p:sp>
+        <p:nvSpPr>
+          <p:cNvPr id="14" name="テキスト ボックス 13"/>
+          <p:cNvSpPr txBox="1"/>
+          <p:nvPr/>
+        </p:nvSpPr>
+        <p:spPr>
+          <a:xfrm>
+            <a:off x="8606236" y="6004608"/>
+            <a:ext cx="1210589" cy="400110"/>
+          </a:xfrm>
+          <a:prstGeom prst="rect">
+            <a:avLst/>
+          </a:prstGeom>
+          <a:noFill/>
+        </p:spPr>
+        <p:txBody>
+          <a:bodyPr wrap="none" rtlCol="0">
+            <a:spAutoFit/>
+          </a:bodyPr>
+          <a:lstStyle/>
+          <a:p>
+            <a:pPr algn="ctr"/>
+            <a:r>
+              <a:rPr lang="ja-JP" altLang="en-US" sz="2000" dirty="0">
+                <a:latin typeface="+mn-ea"/>
+                <a:ea typeface="+mn-ea"/>
+              </a:rPr>
+              <a:t>ロボット</a:t>
+            </a:r>
+            <a:endParaRPr lang="en-US" altLang="ja-JP" sz="2000" dirty="0" smtClean="0">
+              <a:latin typeface="+mn-ea"/>
+              <a:ea typeface="+mn-ea"/>
+            </a:endParaRPr>
+          </a:p>
+        </p:txBody>
+      </p:sp>
+      <p:grpSp>
+        <p:nvGrpSpPr>
+          <p:cNvPr id="22" name="グループ化 21"/>
+          <p:cNvGrpSpPr/>
+          <p:nvPr/>
+        </p:nvGrpSpPr>
+        <p:grpSpPr>
+          <a:xfrm>
+            <a:off x="9545996" y="4088675"/>
+            <a:ext cx="2532012" cy="1340459"/>
+            <a:chOff x="7571180" y="3549070"/>
+            <a:chExt cx="2646878" cy="1340459"/>
+          </a:xfrm>
+        </p:grpSpPr>
+        <p:sp>
+          <p:nvSpPr>
+            <p:cNvPr id="19" name="角丸四角形吹き出し 18"/>
+            <p:cNvSpPr/>
+            <p:nvPr/>
+          </p:nvSpPr>
+          <p:spPr>
+            <a:xfrm>
+              <a:off x="7571180" y="3549070"/>
+              <a:ext cx="2646878" cy="1340459"/>
+            </a:xfrm>
+            <a:prstGeom prst="wedgeRoundRectCallout">
+              <a:avLst>
+                <a:gd name="adj1" fmla="val -73804"/>
+                <a:gd name="adj2" fmla="val 74783"/>
+                <a:gd name="adj3" fmla="val 16667"/>
+              </a:avLst>
+            </a:prstGeom>
+            <a:ln w="38100"/>
+          </p:spPr>
+          <p:style>
+            <a:lnRef idx="2">
+              <a:schemeClr val="accent5"/>
+            </a:lnRef>
+            <a:fillRef idx="1">
+              <a:schemeClr val="lt1"/>
+            </a:fillRef>
+            <a:effectRef idx="0">
+              <a:schemeClr val="accent5"/>
+            </a:effectRef>
+            <a:fontRef idx="minor">
+              <a:schemeClr val="dk1"/>
+            </a:fontRef>
+          </p:style>
+          <p:txBody>
+            <a:bodyPr rtlCol="0" anchor="ctr"/>
+            <a:lstStyle/>
+            <a:p>
+              <a:pPr algn="ctr"/>
+              <a:endParaRPr kumimoji="1" lang="ja-JP" altLang="en-US"/>
+            </a:p>
+          </p:txBody>
+        </p:sp>
+        <p:sp>
+          <p:nvSpPr>
+            <p:cNvPr id="15" name="テキスト ボックス 14"/>
+            <p:cNvSpPr txBox="1"/>
+            <p:nvPr/>
+          </p:nvSpPr>
+          <p:spPr>
+            <a:xfrm>
+              <a:off x="7571180" y="3635202"/>
+              <a:ext cx="2646878" cy="1200329"/>
+            </a:xfrm>
+            <a:prstGeom prst="rect">
+              <a:avLst/>
+            </a:prstGeom>
+            <a:noFill/>
+          </p:spPr>
+          <p:txBody>
+            <a:bodyPr wrap="none" rtlCol="0">
+              <a:spAutoFit/>
+            </a:bodyPr>
+            <a:lstStyle/>
+            <a:p>
+              <a:pPr algn="ctr"/>
+              <a:r>
+                <a:rPr lang="ja-JP" altLang="en-US" sz="2400" dirty="0" smtClean="0">
+                  <a:latin typeface="+mn-ea"/>
+                  <a:ea typeface="+mn-ea"/>
+                </a:rPr>
+                <a:t>進入禁止区域に</a:t>
+              </a:r>
+              <a:endParaRPr lang="en-US" altLang="ja-JP" sz="2400" dirty="0" smtClean="0">
+                <a:latin typeface="+mn-ea"/>
+                <a:ea typeface="+mn-ea"/>
+              </a:endParaRPr>
+            </a:p>
+            <a:p>
+              <a:pPr algn="ctr"/>
+              <a:r>
+                <a:rPr lang="ja-JP" altLang="en-US" sz="2400" dirty="0" smtClean="0">
+                  <a:latin typeface="+mn-ea"/>
+                  <a:ea typeface="+mn-ea"/>
+                </a:rPr>
+                <a:t>人が入りました</a:t>
+              </a:r>
+              <a:endParaRPr lang="en-US" altLang="ja-JP" sz="2400" dirty="0" smtClean="0">
+                <a:latin typeface="+mn-ea"/>
+                <a:ea typeface="+mn-ea"/>
+              </a:endParaRPr>
+            </a:p>
+            <a:p>
+              <a:pPr algn="ctr"/>
+              <a:r>
+                <a:rPr lang="ja-JP" altLang="en-US" sz="2400" dirty="0" smtClean="0">
+                  <a:latin typeface="+mn-ea"/>
+                  <a:ea typeface="+mn-ea"/>
+                </a:rPr>
+                <a:t>注意してください</a:t>
+              </a:r>
+              <a:endParaRPr lang="en-US" altLang="ja-JP" sz="2400" dirty="0" smtClean="0">
+                <a:latin typeface="+mn-ea"/>
+                <a:ea typeface="+mn-ea"/>
+              </a:endParaRPr>
+            </a:p>
+          </p:txBody>
+        </p:sp>
+      </p:grpSp>
+      <p:grpSp>
+        <p:nvGrpSpPr>
+          <p:cNvPr id="21" name="グループ化 20"/>
+          <p:cNvGrpSpPr/>
+          <p:nvPr/>
+        </p:nvGrpSpPr>
+        <p:grpSpPr>
+          <a:xfrm>
+            <a:off x="5026156" y="4294337"/>
+            <a:ext cx="2048599" cy="929136"/>
+            <a:chOff x="6641007" y="5323795"/>
+            <a:chExt cx="2155124" cy="929136"/>
+          </a:xfrm>
+        </p:grpSpPr>
+        <p:sp>
+          <p:nvSpPr>
+            <p:cNvPr id="11" name="角丸四角形吹き出し 10"/>
+            <p:cNvSpPr/>
+            <p:nvPr/>
+          </p:nvSpPr>
+          <p:spPr>
+            <a:xfrm>
+              <a:off x="6641007" y="5323795"/>
+              <a:ext cx="2155124" cy="877232"/>
+            </a:xfrm>
+            <a:prstGeom prst="wedgeRoundRectCallout">
+              <a:avLst>
+                <a:gd name="adj1" fmla="val 76048"/>
+                <a:gd name="adj2" fmla="val 93291"/>
+                <a:gd name="adj3" fmla="val 16667"/>
+              </a:avLst>
+            </a:prstGeom>
+            <a:ln w="38100"/>
+          </p:spPr>
+          <p:style>
+            <a:lnRef idx="2">
+              <a:schemeClr val="accent5"/>
+            </a:lnRef>
+            <a:fillRef idx="1">
+              <a:schemeClr val="lt1"/>
+            </a:fillRef>
+            <a:effectRef idx="0">
+              <a:schemeClr val="accent5"/>
+            </a:effectRef>
+            <a:fontRef idx="minor">
+              <a:schemeClr val="dk1"/>
+            </a:fontRef>
+          </p:style>
+          <p:txBody>
+            <a:bodyPr rtlCol="0" anchor="ctr"/>
+            <a:lstStyle/>
+            <a:p>
+              <a:pPr algn="ctr"/>
+              <a:endParaRPr kumimoji="1" lang="ja-JP" altLang="en-US"/>
+            </a:p>
+          </p:txBody>
+        </p:sp>
+        <p:sp>
+          <p:nvSpPr>
+            <p:cNvPr id="13" name="テキスト ボックス 12"/>
+            <p:cNvSpPr txBox="1"/>
+            <p:nvPr/>
+          </p:nvSpPr>
+          <p:spPr>
+            <a:xfrm>
+              <a:off x="6665972" y="5421934"/>
+              <a:ext cx="2130159" cy="830997"/>
+            </a:xfrm>
+            <a:prstGeom prst="rect">
+              <a:avLst/>
+            </a:prstGeom>
+            <a:noFill/>
+          </p:spPr>
+          <p:txBody>
+            <a:bodyPr wrap="square" rtlCol="0">
+              <a:spAutoFit/>
+            </a:bodyPr>
+            <a:lstStyle/>
+            <a:p>
+              <a:pPr algn="ctr"/>
+              <a:r>
+                <a:rPr lang="ja-JP" altLang="en-US" sz="2400" dirty="0" smtClean="0">
+                  <a:latin typeface="+mn-ea"/>
+                  <a:ea typeface="+mn-ea"/>
+                </a:rPr>
+                <a:t>○○は</a:t>
+              </a:r>
+              <a:endParaRPr lang="en-US" altLang="ja-JP" sz="2400" dirty="0" smtClean="0">
+                <a:latin typeface="+mn-ea"/>
+                <a:ea typeface="+mn-ea"/>
+              </a:endParaRPr>
+            </a:p>
+            <a:p>
+              <a:pPr algn="ctr"/>
+              <a:r>
+                <a:rPr lang="ja-JP" altLang="en-US" sz="2400" dirty="0" smtClean="0">
+                  <a:latin typeface="+mn-ea"/>
+                  <a:ea typeface="+mn-ea"/>
+                </a:rPr>
+                <a:t>混んでいます</a:t>
+              </a:r>
+              <a:endParaRPr lang="en-US" altLang="ja-JP" sz="2400" dirty="0" smtClean="0">
+                <a:latin typeface="+mn-ea"/>
+                <a:ea typeface="+mn-ea"/>
+              </a:endParaRPr>
+            </a:p>
+          </p:txBody>
+        </p:sp>
+      </p:grpSp>
+      <p:sp>
+        <p:nvSpPr>
+          <p:cNvPr id="17" name="テキスト ボックス 16"/>
+          <p:cNvSpPr txBox="1"/>
+          <p:nvPr/>
+        </p:nvSpPr>
+        <p:spPr>
+          <a:xfrm>
+            <a:off x="-88900" y="5588200"/>
+            <a:ext cx="5416868" cy="461665"/>
+          </a:xfrm>
+          <a:prstGeom prst="rect">
+            <a:avLst/>
+          </a:prstGeom>
+          <a:noFill/>
+        </p:spPr>
+        <p:txBody>
+          <a:bodyPr wrap="none" rtlCol="0">
+            <a:spAutoFit/>
+          </a:bodyPr>
+          <a:lstStyle/>
+          <a:p>
+            <a:pPr algn="r"/>
+            <a:r>
+              <a:rPr lang="ja-JP" altLang="en-US" sz="2400" dirty="0" smtClean="0">
+                <a:latin typeface="+mn-ea"/>
+                <a:ea typeface="+mn-ea"/>
+              </a:rPr>
+              <a:t>ショッピングモールやイベント会場等</a:t>
+            </a:r>
+            <a:endParaRPr lang="en-US" altLang="ja-JP" sz="2400" dirty="0" smtClean="0">
+              <a:latin typeface="+mn-ea"/>
+              <a:ea typeface="+mn-ea"/>
+            </a:endParaRPr>
+          </a:p>
+        </p:txBody>
+      </p:sp>
+      <p:sp>
+        <p:nvSpPr>
+          <p:cNvPr id="20" name="テキスト ボックス 19"/>
+          <p:cNvSpPr txBox="1"/>
+          <p:nvPr/>
+        </p:nvSpPr>
+        <p:spPr>
+          <a:xfrm>
+            <a:off x="7905556" y="1293506"/>
+            <a:ext cx="902811" cy="523220"/>
+          </a:xfrm>
+          <a:prstGeom prst="rect">
+            <a:avLst/>
+          </a:prstGeom>
+          <a:noFill/>
+        </p:spPr>
+        <p:txBody>
+          <a:bodyPr wrap="none" rtlCol="0">
+            <a:spAutoFit/>
+          </a:bodyPr>
+          <a:lstStyle/>
+          <a:p>
+            <a:pPr algn="r"/>
+            <a:r>
+              <a:rPr lang="ja-JP" altLang="en-US" sz="2800" dirty="0">
+                <a:latin typeface="+mn-ea"/>
+                <a:ea typeface="+mn-ea"/>
+              </a:rPr>
+              <a:t>案内</a:t>
+            </a:r>
+            <a:endParaRPr lang="en-US" altLang="ja-JP" sz="2800" dirty="0" smtClean="0">
+              <a:latin typeface="+mn-ea"/>
+              <a:ea typeface="+mn-ea"/>
+            </a:endParaRPr>
+          </a:p>
+        </p:txBody>
+      </p:sp>
+      <p:grpSp>
+        <p:nvGrpSpPr>
+          <p:cNvPr id="18" name="グループ化 17"/>
+          <p:cNvGrpSpPr/>
+          <p:nvPr/>
+        </p:nvGrpSpPr>
+        <p:grpSpPr>
+          <a:xfrm>
+            <a:off x="4379593" y="1266993"/>
+            <a:ext cx="3491912" cy="3491912"/>
+            <a:chOff x="4651387" y="1225634"/>
+            <a:chExt cx="3491912" cy="3491912"/>
+          </a:xfrm>
+        </p:grpSpPr>
+        <p:pic>
+          <p:nvPicPr>
+            <p:cNvPr id="1030" name="Picture 6" descr="https://1.bp.blogspot.com/-KPWUqtbCos8/XovubrbqwrI/AAAAAAABYM8/-UP-2uuaVzIXFY1fQm8lyuCusClFi2uawCNcBGAsYHQ/s1600/medical_sanmitsu2_missyuu.png"/>
+            <p:cNvPicPr>
+              <a:picLocks noChangeAspect="1" noChangeArrowheads="1"/>
+            </p:cNvPicPr>
+            <p:nvPr/>
+          </p:nvPicPr>
+          <p:blipFill>
+            <a:blip r:embed="rId4">
+              <a:extLst>
+                <a:ext uri="{28A0092B-C50C-407E-A947-70E740481C1C}">
+                  <a14:useLocalDpi xmlns:a14="http://schemas.microsoft.com/office/drawing/2010/main" val="0"/>
+                </a:ext>
+              </a:extLst>
+            </a:blip>
+            <a:srcRect/>
+            <a:stretch>
+              <a:fillRect/>
+            </a:stretch>
+          </p:blipFill>
+          <p:spPr bwMode="auto">
+            <a:xfrm>
+              <a:off x="5145130" y="1723882"/>
+              <a:ext cx="2495416" cy="2495417"/>
+            </a:xfrm>
+            <a:prstGeom prst="rect">
+              <a:avLst/>
+            </a:prstGeom>
+            <a:noFill/>
+            <a:extLst>
+              <a:ext uri="{909E8E84-426E-40DD-AFC4-6F175D3DCCD1}">
+                <a14:hiddenFill xmlns:a14="http://schemas.microsoft.com/office/drawing/2010/main">
+                  <a:solidFill>
+                    <a:srgbClr val="FFFFFF"/>
+                  </a:solidFill>
+                </a14:hiddenFill>
+              </a:ext>
+            </a:extLst>
+          </p:spPr>
+        </p:pic>
+        <p:sp>
+          <p:nvSpPr>
+            <p:cNvPr id="16" name="乗算記号 15"/>
+            <p:cNvSpPr/>
+            <p:nvPr/>
+          </p:nvSpPr>
+          <p:spPr>
+            <a:xfrm>
+              <a:off x="4651387" y="1225634"/>
+              <a:ext cx="3491912" cy="3491912"/>
+            </a:xfrm>
+            <a:prstGeom prst="mathMultiply">
+              <a:avLst>
+                <a:gd name="adj1" fmla="val 3880"/>
+              </a:avLst>
+            </a:prstGeom>
+            <a:solidFill>
+              <a:srgbClr val="FF0000"/>
+            </a:solidFill>
+            <a:ln>
+              <a:solidFill>
+                <a:srgbClr val="FF0000"/>
+              </a:solidFill>
+            </a:ln>
+          </p:spPr>
+          <p:style>
+            <a:lnRef idx="2">
+              <a:schemeClr val="accent1">
+                <a:shade val="50000"/>
+              </a:schemeClr>
+            </a:lnRef>
+            <a:fillRef idx="1">
+              <a:schemeClr val="accent1"/>
+            </a:fillRef>
+            <a:effectRef idx="0">
+              <a:schemeClr val="accent1"/>
+            </a:effectRef>
+            <a:fontRef idx="minor">
+              <a:schemeClr val="lt1"/>
+            </a:fontRef>
+          </p:style>
+          <p:txBody>
+            <a:bodyPr rtlCol="0" anchor="ctr"/>
+            <a:lstStyle/>
+            <a:p>
+              <a:pPr algn="ctr"/>
+              <a:endParaRPr kumimoji="1" lang="ja-JP" altLang="en-US"/>
+            </a:p>
+          </p:txBody>
+        </p:sp>
+      </p:grpSp>
+      <p:grpSp>
+        <p:nvGrpSpPr>
+          <p:cNvPr id="26" name="グループ化 25"/>
+          <p:cNvGrpSpPr/>
+          <p:nvPr/>
+        </p:nvGrpSpPr>
+        <p:grpSpPr>
+          <a:xfrm>
+            <a:off x="7315644" y="4152862"/>
+            <a:ext cx="2038430" cy="929136"/>
+            <a:chOff x="6641007" y="5323795"/>
+            <a:chExt cx="2155124" cy="929136"/>
+          </a:xfrm>
+        </p:grpSpPr>
+        <p:sp>
+          <p:nvSpPr>
+            <p:cNvPr id="27" name="角丸四角形吹き出し 26"/>
+            <p:cNvSpPr/>
+            <p:nvPr/>
+          </p:nvSpPr>
+          <p:spPr>
+            <a:xfrm>
+              <a:off x="6641007" y="5323795"/>
+              <a:ext cx="2155124" cy="877232"/>
+            </a:xfrm>
+            <a:prstGeom prst="wedgeRoundRectCallout">
+              <a:avLst>
+                <a:gd name="adj1" fmla="val 9469"/>
+                <a:gd name="adj2" fmla="val 87499"/>
+                <a:gd name="adj3" fmla="val 16667"/>
+              </a:avLst>
+            </a:prstGeom>
+            <a:ln w="38100"/>
+          </p:spPr>
+          <p:style>
+            <a:lnRef idx="2">
+              <a:schemeClr val="accent5"/>
+            </a:lnRef>
+            <a:fillRef idx="1">
+              <a:schemeClr val="lt1"/>
+            </a:fillRef>
+            <a:effectRef idx="0">
+              <a:schemeClr val="accent5"/>
+            </a:effectRef>
+            <a:fontRef idx="minor">
+              <a:schemeClr val="dk1"/>
+            </a:fontRef>
+          </p:style>
+          <p:txBody>
+            <a:bodyPr rtlCol="0" anchor="ctr"/>
+            <a:lstStyle/>
+            <a:p>
+              <a:pPr algn="ctr"/>
+              <a:endParaRPr kumimoji="1" lang="ja-JP" altLang="en-US"/>
+            </a:p>
+          </p:txBody>
+        </p:sp>
+        <p:sp>
+          <p:nvSpPr>
+            <p:cNvPr id="28" name="テキスト ボックス 27"/>
+            <p:cNvSpPr txBox="1"/>
+            <p:nvPr/>
+          </p:nvSpPr>
+          <p:spPr>
+            <a:xfrm>
+              <a:off x="6665972" y="5421934"/>
+              <a:ext cx="2130159" cy="830997"/>
+            </a:xfrm>
+            <a:prstGeom prst="rect">
+              <a:avLst/>
+            </a:prstGeom>
+            <a:noFill/>
+          </p:spPr>
+          <p:txBody>
+            <a:bodyPr wrap="square" rtlCol="0">
+              <a:spAutoFit/>
+            </a:bodyPr>
+            <a:lstStyle/>
+            <a:p>
+              <a:pPr algn="ctr"/>
+              <a:r>
+                <a:rPr lang="ja-JP" altLang="en-US" sz="2400" dirty="0" smtClean="0">
+                  <a:latin typeface="+mn-ea"/>
+                  <a:ea typeface="+mn-ea"/>
+                </a:rPr>
+                <a:t>○○が</a:t>
+              </a:r>
+              <a:endParaRPr lang="en-US" altLang="ja-JP" sz="2400" dirty="0" smtClean="0">
+                <a:latin typeface="+mn-ea"/>
+                <a:ea typeface="+mn-ea"/>
+              </a:endParaRPr>
+            </a:p>
+            <a:p>
+              <a:pPr algn="ctr"/>
+              <a:r>
+                <a:rPr lang="ja-JP" altLang="en-US" sz="2400" dirty="0" smtClean="0">
+                  <a:latin typeface="+mn-ea"/>
+                  <a:ea typeface="+mn-ea"/>
+                </a:rPr>
+                <a:t>おすすめです</a:t>
+              </a:r>
+              <a:endParaRPr lang="en-US" altLang="ja-JP" sz="2400" dirty="0" smtClean="0">
+                <a:latin typeface="+mn-ea"/>
+                <a:ea typeface="+mn-ea"/>
+              </a:endParaRPr>
+            </a:p>
+          </p:txBody>
+        </p:sp>
+      </p:grpSp>
+      <p:pic>
+        <p:nvPicPr>
+          <p:cNvPr id="1032" name="Picture 8" descr="https://4.bp.blogspot.com/-Pt-5IT3WJpY/UvTd84MsuRI/AAAAAAAAdhI/Yo8JJ8uf0Xk/s800/job_youfuku_hanbai.png"/>
+          <p:cNvPicPr>
+            <a:picLocks noChangeAspect="1" noChangeArrowheads="1"/>
+          </p:cNvPicPr>
+          <p:nvPr/>
+        </p:nvPicPr>
+        <p:blipFill>
+          <a:blip r:embed="rId5">
+            <a:extLst>
+              <a:ext uri="{28A0092B-C50C-407E-A947-70E740481C1C}">
+                <a14:useLocalDpi xmlns:a14="http://schemas.microsoft.com/office/drawing/2010/main" val="0"/>
+              </a:ext>
+            </a:extLst>
+          </a:blip>
+          <a:srcRect/>
+          <a:stretch>
+            <a:fillRect/>
+          </a:stretch>
+        </p:blipFill>
+        <p:spPr bwMode="auto">
+          <a:xfrm>
+            <a:off x="7935537" y="1803853"/>
+            <a:ext cx="760013" cy="1238310"/>
+          </a:xfrm>
+          <a:prstGeom prst="rect">
+            <a:avLst/>
+          </a:prstGeom>
+          <a:noFill/>
+          <a:extLst>
+            <a:ext uri="{909E8E84-426E-40DD-AFC4-6F175D3DCCD1}">
+              <a14:hiddenFill xmlns:a14="http://schemas.microsoft.com/office/drawing/2010/main">
+                <a:solidFill>
+                  <a:srgbClr val="FFFFFF"/>
+                </a:solidFill>
+              </a14:hiddenFill>
+            </a:ext>
+          </a:extLst>
+        </p:spPr>
+      </p:pic>
+      <p:pic>
+        <p:nvPicPr>
+          <p:cNvPr id="1034" name="Picture 10" descr="https://2.bp.blogspot.com/-JNoU2xAMSkc/UzKmpgxrWjI/AAAAAAAAemk/HhG_Tc39vBs/s800/job_houseki.png"/>
+          <p:cNvPicPr>
+            <a:picLocks noChangeAspect="1" noChangeArrowheads="1"/>
+          </p:cNvPicPr>
+          <p:nvPr/>
+        </p:nvPicPr>
+        <p:blipFill>
+          <a:blip r:embed="rId6">
+            <a:extLst>
+              <a:ext uri="{28A0092B-C50C-407E-A947-70E740481C1C}">
+                <a14:useLocalDpi xmlns:a14="http://schemas.microsoft.com/office/drawing/2010/main" val="0"/>
+              </a:ext>
+            </a:extLst>
+          </a:blip>
+          <a:srcRect/>
+          <a:stretch>
+            <a:fillRect/>
+          </a:stretch>
+        </p:blipFill>
+        <p:spPr bwMode="auto">
+          <a:xfrm>
+            <a:off x="7413210" y="2811317"/>
+            <a:ext cx="785374" cy="1070356"/>
+          </a:xfrm>
+          <a:prstGeom prst="rect">
+            <a:avLst/>
+          </a:prstGeom>
+          <a:noFill/>
+          <a:extLst>
+            <a:ext uri="{909E8E84-426E-40DD-AFC4-6F175D3DCCD1}">
+              <a14:hiddenFill xmlns:a14="http://schemas.microsoft.com/office/drawing/2010/main">
+                <a:solidFill>
+                  <a:srgbClr val="FFFFFF"/>
+                </a:solidFill>
+              </a14:hiddenFill>
+            </a:ext>
+          </a:extLst>
+        </p:spPr>
+      </p:pic>
+      <p:pic>
+        <p:nvPicPr>
+          <p:cNvPr id="1036" name="Picture 12" descr="https://4.bp.blogspot.com/-CoY8qDNK9QE/VCOJvYSvJnI/AAAAAAAAm2A/gOVclF_bWyI/s800/job_kutsuya.png"/>
+          <p:cNvPicPr>
+            <a:picLocks noChangeAspect="1" noChangeArrowheads="1"/>
+          </p:cNvPicPr>
+          <p:nvPr/>
+        </p:nvPicPr>
+        <p:blipFill>
+          <a:blip r:embed="rId7">
+            <a:extLst>
+              <a:ext uri="{28A0092B-C50C-407E-A947-70E740481C1C}">
+                <a14:useLocalDpi xmlns:a14="http://schemas.microsoft.com/office/drawing/2010/main" val="0"/>
+              </a:ext>
+            </a:extLst>
+          </a:blip>
+          <a:srcRect/>
+          <a:stretch>
+            <a:fillRect/>
+          </a:stretch>
+        </p:blipFill>
+        <p:spPr bwMode="auto">
+          <a:xfrm>
+            <a:off x="8606236" y="2739336"/>
+            <a:ext cx="829457" cy="1118998"/>
+          </a:xfrm>
+          <a:prstGeom prst="rect">
+            <a:avLst/>
+          </a:prstGeom>
+          <a:noFill/>
+          <a:extLst>
+            <a:ext uri="{909E8E84-426E-40DD-AFC4-6F175D3DCCD1}">
+              <a14:hiddenFill xmlns:a14="http://schemas.microsoft.com/office/drawing/2010/main">
+                <a:solidFill>
+                  <a:srgbClr val="FFFFFF"/>
+                </a:solidFill>
+              </a14:hiddenFill>
+            </a:ext>
+          </a:extLst>
+        </p:spPr>
+      </p:pic>
+      <p:sp>
+        <p:nvSpPr>
+          <p:cNvPr id="23" name="円/楕円 22"/>
+          <p:cNvSpPr/>
+          <p:nvPr/>
+        </p:nvSpPr>
+        <p:spPr>
+          <a:xfrm>
+            <a:off x="7858343" y="1751949"/>
+            <a:ext cx="914400" cy="1401380"/>
+          </a:xfrm>
+          <a:prstGeom prst="ellipse">
+            <a:avLst/>
+          </a:prstGeom>
+          <a:noFill/>
+          <a:ln w="38100">
+            <a:solidFill>
+              <a:srgbClr val="FF0000"/>
+            </a:solidFill>
+          </a:ln>
+        </p:spPr>
+        <p:style>
+          <a:lnRef idx="2">
+            <a:schemeClr val="accent1">
+              <a:shade val="50000"/>
+            </a:schemeClr>
+          </a:lnRef>
+          <a:fillRef idx="1">
+            <a:schemeClr val="accent1"/>
+          </a:fillRef>
+          <a:effectRef idx="0">
+            <a:schemeClr val="accent1"/>
+          </a:effectRef>
+          <a:fontRef idx="minor">
+            <a:schemeClr val="lt1"/>
+          </a:fontRef>
+        </p:style>
+        <p:txBody>
+          <a:bodyPr rtlCol="0" anchor="ctr"/>
+          <a:lstStyle/>
+          <a:p>
+            <a:pPr algn="ctr"/>
+            <a:endParaRPr kumimoji="1" lang="ja-JP" altLang="en-US"/>
+          </a:p>
+        </p:txBody>
+      </p:sp>
+      <p:pic>
+        <p:nvPicPr>
+          <p:cNvPr id="1040" name="Picture 16" descr="https://1.bp.blogspot.com/-qWBn0i40nNQ/WlGpVU7Mt5I/AAAAAAABJmY/4dZqzf6oKisunYB4E5OiL_pf72DEY3EsgCLcBGAs/s800/ihan_saku_norikoeru.png"/>
+          <p:cNvPicPr>
+            <a:picLocks noChangeAspect="1" noChangeArrowheads="1"/>
+          </p:cNvPicPr>
+          <p:nvPr/>
+        </p:nvPicPr>
+        <p:blipFill>
+          <a:blip r:embed="rId8">
+            <a:extLst>
+              <a:ext uri="{28A0092B-C50C-407E-A947-70E740481C1C}">
+                <a14:useLocalDpi xmlns:a14="http://schemas.microsoft.com/office/drawing/2010/main" val="0"/>
+              </a:ext>
+            </a:extLst>
+          </a:blip>
+          <a:srcRect/>
+          <a:stretch>
+            <a:fillRect/>
+          </a:stretch>
+        </p:blipFill>
+        <p:spPr bwMode="auto">
+          <a:xfrm>
+            <a:off x="9981759" y="1928183"/>
+            <a:ext cx="1824071" cy="1953490"/>
+          </a:xfrm>
+          <a:prstGeom prst="rect">
+            <a:avLst/>
+          </a:prstGeom>
+          <a:noFill/>
+          <a:extLst>
+            <a:ext uri="{909E8E84-426E-40DD-AFC4-6F175D3DCCD1}">
+              <a14:hiddenFill xmlns:a14="http://schemas.microsoft.com/office/drawing/2010/main">
+                <a:solidFill>
+                  <a:srgbClr val="FFFFFF"/>
+                </a:solidFill>
+              </a14:hiddenFill>
+            </a:ext>
+          </a:extLst>
+        </p:spPr>
+      </p:pic>
+    </p:spTree>
+    <p:extLst>
+      <p:ext uri="{BB962C8B-B14F-4D97-AF65-F5344CB8AC3E}">
+        <p14:creationId xmlns:p14="http://schemas.microsoft.com/office/powerpoint/2010/main" val="890304028"/>
+      </p:ext>
+    </p:extLst>
+  </p:cSld>
+  <p:clrMapOvr>
+    <a:masterClrMapping/>
+  </p:clrMapOvr>
+  <p:timing>
+    <p:tnLst>
+      <p:par>
+        <p:cTn id="1" dur="indefinite" restart="never" nodeType="tmRoot"/>
+      </p:par>
+    </p:tnLst>
+  </p:timing>
+</p:sld>
+</file>
+
+<file path=ppt/slides/slide4.xml><?xml version="1.0" encoding="utf-8"?>
+<p:sld xmlns:a="http://schemas.openxmlformats.org/drawingml/2006/main" xmlns:r="http://schemas.openxmlformats.org/officeDocument/2006/relationships" xmlns:p="http://schemas.openxmlformats.org/presentationml/2006/main" show="0">
+  <p:cSld>
+    <p:spTree>
+      <p:nvGrpSpPr>
+        <p:cNvPr id="1" name=""/>
+        <p:cNvGrpSpPr/>
+        <p:nvPr/>
+      </p:nvGrpSpPr>
+      <p:grpSpPr>
+        <a:xfrm>
+          <a:off x="0" y="0"/>
+          <a:ext cx="0" cy="0"/>
+          <a:chOff x="0" y="0"/>
+          <a:chExt cx="0" cy="0"/>
+        </a:xfrm>
+      </p:grpSpPr>
+      <p:sp>
+        <p:nvSpPr>
+          <p:cNvPr id="2" name="スライド番号プレースホルダー 1"/>
+          <p:cNvSpPr>
+            <a:spLocks noGrp="1"/>
+          </p:cNvSpPr>
+          <p:nvPr>
+            <p:ph type="sldNum" sz="quarter" idx="4"/>
+          </p:nvPr>
+        </p:nvSpPr>
+        <p:spPr/>
+        <p:txBody>
+          <a:bodyPr/>
+          <a:lstStyle/>
+          <a:p>
+            <a:fld id="{D12D64A1-0071-4E40-82A8-786C5ED7312F}" type="slidenum">
+              <a:rPr kumimoji="1" lang="ja-JP" altLang="en-US" smtClean="0"/>
+              <a:pPr/>
+              <a:t>4</a:t>
             </a:fld>
             <a:endParaRPr kumimoji="1" lang="ja-JP" altLang="en-US" dirty="0"/>
           </a:p>
@@ -4769,11 +7278,11 @@
   <p:clrMapOvr>
     <a:masterClrMapping/>
   </p:clrMapOvr>
-  <mc:AlternateContent xmlns:mc="http://schemas.openxmlformats.org/markup-compatibility/2006" xmlns:p14="http://schemas.microsoft.com/office/powerpoint/2010/main">
-    <mc:Choice Requires="p14">
+  <mc:AlternateContent xmlns:mc="http://schemas.openxmlformats.org/markup-compatibility/2006">
+    <mc:Choice xmlns:p14="http://schemas.microsoft.com/office/powerpoint/2010/main" Requires="p14">
       <p:transition spd="slow" p14:dur="2000" advTm="11934"/>
     </mc:Choice>
-    <mc:Fallback xmlns="">
+    <mc:Fallback>
       <p:transition spd="slow" advTm="11934"/>
     </mc:Fallback>
   </mc:AlternateContent>
@@ -5776,1753 +8285,6 @@
 </p:sld>
 </file>
 
-<file path=ppt/slides/slide3.xml><?xml version="1.0" encoding="utf-8"?>
-<p:sld xmlns:a="http://schemas.openxmlformats.org/drawingml/2006/main" xmlns:r="http://schemas.openxmlformats.org/officeDocument/2006/relationships" xmlns:p="http://schemas.openxmlformats.org/presentationml/2006/main">
-  <p:cSld>
-    <p:spTree>
-      <p:nvGrpSpPr>
-        <p:cNvPr id="1" name=""/>
-        <p:cNvGrpSpPr/>
-        <p:nvPr/>
-      </p:nvGrpSpPr>
-      <p:grpSpPr>
-        <a:xfrm>
-          <a:off x="0" y="0"/>
-          <a:ext cx="0" cy="0"/>
-          <a:chOff x="0" y="0"/>
-          <a:chExt cx="0" cy="0"/>
-        </a:xfrm>
-      </p:grpSpPr>
-      <p:sp>
-        <p:nvSpPr>
-          <p:cNvPr id="2" name="スライド番号プレースホルダー 1"/>
-          <p:cNvSpPr>
-            <a:spLocks noGrp="1"/>
-          </p:cNvSpPr>
-          <p:nvPr>
-            <p:ph type="sldNum" sz="quarter" idx="4"/>
-          </p:nvPr>
-        </p:nvSpPr>
-        <p:spPr/>
-        <p:txBody>
-          <a:bodyPr/>
-          <a:lstStyle/>
-          <a:p>
-            <a:fld id="{D12D64A1-0071-4E40-82A8-786C5ED7312F}" type="slidenum">
-              <a:rPr lang="ja-JP" altLang="en-US" smtClean="0"/>
-              <a:pPr/>
-              <a:t>3</a:t>
-            </a:fld>
-            <a:endParaRPr lang="ja-JP" altLang="en-US" dirty="0"/>
-          </a:p>
-        </p:txBody>
-      </p:sp>
-      <p:pic>
-        <p:nvPicPr>
-          <p:cNvPr id="3" name="図 2"/>
-          <p:cNvPicPr>
-            <a:picLocks noChangeAspect="1"/>
-          </p:cNvPicPr>
-          <p:nvPr/>
-        </p:nvPicPr>
-        <p:blipFill rotWithShape="1">
-          <a:blip r:embed="rId2"/>
-          <a:srcRect l="22217" t="16473" r="14277" b="21445"/>
-          <a:stretch/>
-        </p:blipFill>
-        <p:spPr>
-          <a:xfrm>
-            <a:off x="1266107" y="1224943"/>
-            <a:ext cx="9659786" cy="5018774"/>
-          </a:xfrm>
-          <a:prstGeom prst="rect">
-            <a:avLst/>
-          </a:prstGeom>
-        </p:spPr>
-      </p:pic>
-      <p:sp>
-        <p:nvSpPr>
-          <p:cNvPr id="10" name="テキスト ボックス 9"/>
-          <p:cNvSpPr txBox="1"/>
-          <p:nvPr/>
-        </p:nvSpPr>
-        <p:spPr>
-          <a:xfrm>
-            <a:off x="4208304" y="299169"/>
-            <a:ext cx="3775393" cy="707886"/>
-          </a:xfrm>
-          <a:prstGeom prst="rect">
-            <a:avLst/>
-          </a:prstGeom>
-          <a:noFill/>
-        </p:spPr>
-        <p:txBody>
-          <a:bodyPr wrap="none" rtlCol="0">
-            <a:spAutoFit/>
-          </a:bodyPr>
-          <a:lstStyle/>
-          <a:p>
-            <a:pPr algn="r"/>
-            <a:r>
-              <a:rPr lang="ja-JP" altLang="en-US" sz="4000" dirty="0" smtClean="0">
-                <a:latin typeface="+mn-ea"/>
-                <a:ea typeface="+mn-ea"/>
-              </a:rPr>
-              <a:t>システム構成</a:t>
-            </a:r>
-            <a:r>
-              <a:rPr lang="ja-JP" altLang="en-US" sz="4000" dirty="0">
-                <a:latin typeface="+mn-ea"/>
-                <a:ea typeface="+mn-ea"/>
-              </a:rPr>
-              <a:t>図</a:t>
-            </a:r>
-            <a:endParaRPr lang="en-US" altLang="ja-JP" sz="4000" dirty="0" smtClean="0">
-              <a:latin typeface="+mn-ea"/>
-              <a:ea typeface="+mn-ea"/>
-            </a:endParaRPr>
-          </a:p>
-        </p:txBody>
-      </p:sp>
-      <p:grpSp>
-        <p:nvGrpSpPr>
-          <p:cNvPr id="18" name="グループ化 17"/>
-          <p:cNvGrpSpPr/>
-          <p:nvPr/>
-        </p:nvGrpSpPr>
-        <p:grpSpPr>
-          <a:xfrm>
-            <a:off x="7356958" y="2800430"/>
-            <a:ext cx="2339102" cy="612648"/>
-            <a:chOff x="3756898" y="1122176"/>
-            <a:chExt cx="2339102" cy="612648"/>
-          </a:xfrm>
-        </p:grpSpPr>
-        <p:sp>
-          <p:nvSpPr>
-            <p:cNvPr id="11" name="角丸四角形吹き出し 10"/>
-            <p:cNvSpPr/>
-            <p:nvPr/>
-          </p:nvSpPr>
-          <p:spPr>
-            <a:xfrm>
-              <a:off x="3756898" y="1122176"/>
-              <a:ext cx="2322883" cy="612648"/>
-            </a:xfrm>
-            <a:prstGeom prst="wedgeRoundRectCallout">
-              <a:avLst>
-                <a:gd name="adj1" fmla="val -62466"/>
-                <a:gd name="adj2" fmla="val -51111"/>
-                <a:gd name="adj3" fmla="val 16667"/>
-              </a:avLst>
-            </a:prstGeom>
-            <a:solidFill>
-              <a:schemeClr val="accent6"/>
-            </a:solidFill>
-            <a:ln w="28575">
-              <a:solidFill>
-                <a:srgbClr val="287713"/>
-              </a:solidFill>
-            </a:ln>
-          </p:spPr>
-          <p:style>
-            <a:lnRef idx="2">
-              <a:schemeClr val="accent1">
-                <a:shade val="50000"/>
-              </a:schemeClr>
-            </a:lnRef>
-            <a:fillRef idx="1">
-              <a:schemeClr val="accent1"/>
-            </a:fillRef>
-            <a:effectRef idx="0">
-              <a:schemeClr val="accent1"/>
-            </a:effectRef>
-            <a:fontRef idx="minor">
-              <a:schemeClr val="lt1"/>
-            </a:fontRef>
-          </p:style>
-          <p:txBody>
-            <a:bodyPr rtlCol="0" anchor="ctr"/>
-            <a:lstStyle/>
-            <a:p>
-              <a:pPr algn="ctr"/>
-              <a:endParaRPr kumimoji="1" lang="ja-JP" altLang="en-US"/>
-            </a:p>
-          </p:txBody>
-        </p:sp>
-        <p:sp>
-          <p:nvSpPr>
-            <p:cNvPr id="6" name="テキスト ボックス 5"/>
-            <p:cNvSpPr txBox="1"/>
-            <p:nvPr/>
-          </p:nvSpPr>
-          <p:spPr>
-            <a:xfrm>
-              <a:off x="3756898" y="1211604"/>
-              <a:ext cx="2339102" cy="523220"/>
-            </a:xfrm>
-            <a:prstGeom prst="rect">
-              <a:avLst/>
-            </a:prstGeom>
-            <a:noFill/>
-          </p:spPr>
-          <p:txBody>
-            <a:bodyPr wrap="none" rtlCol="0">
-              <a:spAutoFit/>
-            </a:bodyPr>
-            <a:lstStyle/>
-            <a:p>
-              <a:pPr algn="r"/>
-              <a:r>
-                <a:rPr lang="ja-JP" altLang="en-US" sz="2800" dirty="0" smtClean="0">
-                  <a:solidFill>
-                    <a:schemeClr val="bg1"/>
-                  </a:solidFill>
-                  <a:latin typeface="+mn-ea"/>
-                  <a:ea typeface="+mn-ea"/>
-                </a:rPr>
-                <a:t>コマンド生成</a:t>
-              </a:r>
-              <a:endParaRPr lang="en-US" altLang="ja-JP" sz="2800" dirty="0" smtClean="0">
-                <a:solidFill>
-                  <a:schemeClr val="bg1"/>
-                </a:solidFill>
-                <a:latin typeface="+mn-ea"/>
-                <a:ea typeface="+mn-ea"/>
-              </a:endParaRPr>
-            </a:p>
-          </p:txBody>
-        </p:sp>
-      </p:grpSp>
-      <p:grpSp>
-        <p:nvGrpSpPr>
-          <p:cNvPr id="20" name="グループ化 19"/>
-          <p:cNvGrpSpPr/>
-          <p:nvPr/>
-        </p:nvGrpSpPr>
-        <p:grpSpPr>
-          <a:xfrm>
-            <a:off x="303081" y="3689616"/>
-            <a:ext cx="1261884" cy="612648"/>
-            <a:chOff x="303081" y="3689616"/>
-            <a:chExt cx="1261884" cy="612648"/>
-          </a:xfrm>
-        </p:grpSpPr>
-        <p:sp>
-          <p:nvSpPr>
-            <p:cNvPr id="13" name="角丸四角形吹き出し 12"/>
-            <p:cNvSpPr/>
-            <p:nvPr/>
-          </p:nvSpPr>
-          <p:spPr>
-            <a:xfrm>
-              <a:off x="303081" y="3689616"/>
-              <a:ext cx="1261884" cy="612648"/>
-            </a:xfrm>
-            <a:prstGeom prst="wedgeRoundRectCallout">
-              <a:avLst>
-                <a:gd name="adj1" fmla="val 60434"/>
-                <a:gd name="adj2" fmla="val -137989"/>
-                <a:gd name="adj3" fmla="val 16667"/>
-              </a:avLst>
-            </a:prstGeom>
-            <a:solidFill>
-              <a:schemeClr val="accent6"/>
-            </a:solidFill>
-            <a:ln w="28575">
-              <a:solidFill>
-                <a:srgbClr val="287713"/>
-              </a:solidFill>
-            </a:ln>
-          </p:spPr>
-          <p:style>
-            <a:lnRef idx="2">
-              <a:schemeClr val="accent1">
-                <a:shade val="50000"/>
-              </a:schemeClr>
-            </a:lnRef>
-            <a:fillRef idx="1">
-              <a:schemeClr val="accent1"/>
-            </a:fillRef>
-            <a:effectRef idx="0">
-              <a:schemeClr val="accent1"/>
-            </a:effectRef>
-            <a:fontRef idx="minor">
-              <a:schemeClr val="lt1"/>
-            </a:fontRef>
-          </p:style>
-          <p:txBody>
-            <a:bodyPr rtlCol="0" anchor="ctr"/>
-            <a:lstStyle/>
-            <a:p>
-              <a:pPr algn="ctr"/>
-              <a:endParaRPr kumimoji="1" lang="ja-JP" altLang="en-US"/>
-            </a:p>
-          </p:txBody>
-        </p:sp>
-        <p:sp>
-          <p:nvSpPr>
-            <p:cNvPr id="4" name="テキスト ボックス 3"/>
-            <p:cNvSpPr txBox="1"/>
-            <p:nvPr/>
-          </p:nvSpPr>
-          <p:spPr>
-            <a:xfrm>
-              <a:off x="303081" y="3775274"/>
-              <a:ext cx="1261884" cy="523220"/>
-            </a:xfrm>
-            <a:prstGeom prst="rect">
-              <a:avLst/>
-            </a:prstGeom>
-            <a:noFill/>
-          </p:spPr>
-          <p:txBody>
-            <a:bodyPr wrap="none" rtlCol="0">
-              <a:spAutoFit/>
-            </a:bodyPr>
-            <a:lstStyle/>
-            <a:p>
-              <a:pPr algn="r"/>
-              <a:r>
-                <a:rPr lang="ja-JP" altLang="en-US" sz="2800" dirty="0" smtClean="0">
-                  <a:solidFill>
-                    <a:schemeClr val="bg1"/>
-                  </a:solidFill>
-                  <a:latin typeface="+mn-ea"/>
-                  <a:ea typeface="+mn-ea"/>
-                </a:rPr>
-                <a:t>センサ</a:t>
-              </a:r>
-              <a:endParaRPr lang="en-US" altLang="ja-JP" sz="2800" dirty="0" smtClean="0">
-                <a:solidFill>
-                  <a:schemeClr val="bg1"/>
-                </a:solidFill>
-                <a:latin typeface="+mn-ea"/>
-                <a:ea typeface="+mn-ea"/>
-              </a:endParaRPr>
-            </a:p>
-          </p:txBody>
-        </p:sp>
-      </p:grpSp>
-      <p:grpSp>
-        <p:nvGrpSpPr>
-          <p:cNvPr id="19" name="グループ化 18"/>
-          <p:cNvGrpSpPr/>
-          <p:nvPr/>
-        </p:nvGrpSpPr>
-        <p:grpSpPr>
-          <a:xfrm>
-            <a:off x="2986529" y="2169415"/>
-            <a:ext cx="1261884" cy="612648"/>
-            <a:chOff x="2986529" y="2169415"/>
-            <a:chExt cx="1261884" cy="612648"/>
-          </a:xfrm>
-        </p:grpSpPr>
-        <p:sp>
-          <p:nvSpPr>
-            <p:cNvPr id="14" name="角丸四角形吹き出し 13"/>
-            <p:cNvSpPr/>
-            <p:nvPr/>
-          </p:nvSpPr>
-          <p:spPr>
-            <a:xfrm>
-              <a:off x="2986529" y="2169415"/>
-              <a:ext cx="1261884" cy="612648"/>
-            </a:xfrm>
-            <a:prstGeom prst="wedgeRoundRectCallout">
-              <a:avLst>
-                <a:gd name="adj1" fmla="val 4513"/>
-                <a:gd name="adj2" fmla="val 111509"/>
-                <a:gd name="adj3" fmla="val 16667"/>
-              </a:avLst>
-            </a:prstGeom>
-            <a:solidFill>
-              <a:schemeClr val="accent6"/>
-            </a:solidFill>
-            <a:ln w="28575">
-              <a:solidFill>
-                <a:srgbClr val="287713"/>
-              </a:solidFill>
-            </a:ln>
-          </p:spPr>
-          <p:style>
-            <a:lnRef idx="2">
-              <a:schemeClr val="accent1">
-                <a:shade val="50000"/>
-              </a:schemeClr>
-            </a:lnRef>
-            <a:fillRef idx="1">
-              <a:schemeClr val="accent1"/>
-            </a:fillRef>
-            <a:effectRef idx="0">
-              <a:schemeClr val="accent1"/>
-            </a:effectRef>
-            <a:fontRef idx="minor">
-              <a:schemeClr val="lt1"/>
-            </a:fontRef>
-          </p:style>
-          <p:txBody>
-            <a:bodyPr rtlCol="0" anchor="ctr"/>
-            <a:lstStyle/>
-            <a:p>
-              <a:pPr algn="ctr"/>
-              <a:endParaRPr kumimoji="1" lang="ja-JP" altLang="en-US"/>
-            </a:p>
-          </p:txBody>
-        </p:sp>
-        <p:sp>
-          <p:nvSpPr>
-            <p:cNvPr id="5" name="テキスト ボックス 4"/>
-            <p:cNvSpPr txBox="1"/>
-            <p:nvPr/>
-          </p:nvSpPr>
-          <p:spPr>
-            <a:xfrm>
-              <a:off x="2986529" y="2258843"/>
-              <a:ext cx="1261884" cy="523220"/>
-            </a:xfrm>
-            <a:prstGeom prst="rect">
-              <a:avLst/>
-            </a:prstGeom>
-            <a:noFill/>
-          </p:spPr>
-          <p:txBody>
-            <a:bodyPr wrap="none" rtlCol="0">
-              <a:spAutoFit/>
-            </a:bodyPr>
-            <a:lstStyle/>
-            <a:p>
-              <a:pPr algn="r"/>
-              <a:r>
-                <a:rPr lang="ja-JP" altLang="en-US" sz="2800" dirty="0" smtClean="0">
-                  <a:solidFill>
-                    <a:schemeClr val="bg1"/>
-                  </a:solidFill>
-                  <a:latin typeface="+mn-ea"/>
-                  <a:ea typeface="+mn-ea"/>
-                </a:rPr>
-                <a:t>人</a:t>
-              </a:r>
-              <a:r>
-                <a:rPr lang="ja-JP" altLang="en-US" sz="2800" dirty="0">
-                  <a:solidFill>
-                    <a:schemeClr val="bg1"/>
-                  </a:solidFill>
-                  <a:latin typeface="+mn-ea"/>
-                  <a:ea typeface="+mn-ea"/>
-                </a:rPr>
-                <a:t>検出</a:t>
-              </a:r>
-              <a:endParaRPr lang="en-US" altLang="ja-JP" sz="2800" dirty="0" smtClean="0">
-                <a:solidFill>
-                  <a:schemeClr val="bg1"/>
-                </a:solidFill>
-                <a:latin typeface="+mn-ea"/>
-                <a:ea typeface="+mn-ea"/>
-              </a:endParaRPr>
-            </a:p>
-          </p:txBody>
-        </p:sp>
-      </p:grpSp>
-      <p:grpSp>
-        <p:nvGrpSpPr>
-          <p:cNvPr id="17" name="グループ化 16"/>
-          <p:cNvGrpSpPr/>
-          <p:nvPr/>
-        </p:nvGrpSpPr>
-        <p:grpSpPr>
-          <a:xfrm>
-            <a:off x="9590742" y="3899843"/>
-            <a:ext cx="1620957" cy="625987"/>
-            <a:chOff x="9590742" y="3899843"/>
-            <a:chExt cx="1620957" cy="625987"/>
-          </a:xfrm>
-        </p:grpSpPr>
-        <p:sp>
-          <p:nvSpPr>
-            <p:cNvPr id="15" name="角丸四角形吹き出し 14"/>
-            <p:cNvSpPr/>
-            <p:nvPr/>
-          </p:nvSpPr>
-          <p:spPr>
-            <a:xfrm>
-              <a:off x="9590742" y="3899843"/>
-              <a:ext cx="1620957" cy="612648"/>
-            </a:xfrm>
-            <a:prstGeom prst="wedgeRoundRectCallout">
-              <a:avLst>
-                <a:gd name="adj1" fmla="val -70692"/>
-                <a:gd name="adj2" fmla="val -42200"/>
-                <a:gd name="adj3" fmla="val 16667"/>
-              </a:avLst>
-            </a:prstGeom>
-            <a:solidFill>
-              <a:schemeClr val="accent6"/>
-            </a:solidFill>
-            <a:ln w="28575">
-              <a:solidFill>
-                <a:srgbClr val="287713"/>
-              </a:solidFill>
-            </a:ln>
-          </p:spPr>
-          <p:style>
-            <a:lnRef idx="2">
-              <a:schemeClr val="accent1">
-                <a:shade val="50000"/>
-              </a:schemeClr>
-            </a:lnRef>
-            <a:fillRef idx="1">
-              <a:schemeClr val="accent1"/>
-            </a:fillRef>
-            <a:effectRef idx="0">
-              <a:schemeClr val="accent1"/>
-            </a:effectRef>
-            <a:fontRef idx="minor">
-              <a:schemeClr val="lt1"/>
-            </a:fontRef>
-          </p:style>
-          <p:txBody>
-            <a:bodyPr rtlCol="0" anchor="ctr"/>
-            <a:lstStyle/>
-            <a:p>
-              <a:pPr algn="ctr"/>
-              <a:endParaRPr kumimoji="1" lang="ja-JP" altLang="en-US"/>
-            </a:p>
-          </p:txBody>
-        </p:sp>
-        <p:sp>
-          <p:nvSpPr>
-            <p:cNvPr id="8" name="テキスト ボックス 7"/>
-            <p:cNvSpPr txBox="1"/>
-            <p:nvPr/>
-          </p:nvSpPr>
-          <p:spPr>
-            <a:xfrm>
-              <a:off x="9590742" y="4002610"/>
-              <a:ext cx="1620957" cy="523220"/>
-            </a:xfrm>
-            <a:prstGeom prst="rect">
-              <a:avLst/>
-            </a:prstGeom>
-            <a:noFill/>
-          </p:spPr>
-          <p:txBody>
-            <a:bodyPr wrap="none" rtlCol="0">
-              <a:spAutoFit/>
-            </a:bodyPr>
-            <a:lstStyle/>
-            <a:p>
-              <a:pPr algn="r"/>
-              <a:r>
-                <a:rPr lang="ja-JP" altLang="en-US" sz="2800" dirty="0" smtClean="0">
-                  <a:solidFill>
-                    <a:schemeClr val="bg1"/>
-                  </a:solidFill>
-                  <a:latin typeface="+mn-ea"/>
-                  <a:ea typeface="+mn-ea"/>
-                </a:rPr>
-                <a:t>座標</a:t>
-              </a:r>
-              <a:r>
-                <a:rPr lang="ja-JP" altLang="en-US" sz="2800" dirty="0">
-                  <a:solidFill>
-                    <a:schemeClr val="bg1"/>
-                  </a:solidFill>
-                  <a:latin typeface="+mn-ea"/>
-                  <a:ea typeface="+mn-ea"/>
-                </a:rPr>
-                <a:t>記録</a:t>
-              </a:r>
-              <a:endParaRPr lang="en-US" altLang="ja-JP" sz="2800" dirty="0" smtClean="0">
-                <a:solidFill>
-                  <a:schemeClr val="bg1"/>
-                </a:solidFill>
-                <a:latin typeface="+mn-ea"/>
-                <a:ea typeface="+mn-ea"/>
-              </a:endParaRPr>
-            </a:p>
-          </p:txBody>
-        </p:sp>
-      </p:grpSp>
-      <p:grpSp>
-        <p:nvGrpSpPr>
-          <p:cNvPr id="16" name="グループ化 15"/>
-          <p:cNvGrpSpPr/>
-          <p:nvPr/>
-        </p:nvGrpSpPr>
-        <p:grpSpPr>
-          <a:xfrm>
-            <a:off x="10144856" y="1211604"/>
-            <a:ext cx="1620957" cy="625987"/>
-            <a:chOff x="10144856" y="1211604"/>
-            <a:chExt cx="1620957" cy="625987"/>
-          </a:xfrm>
-        </p:grpSpPr>
-        <p:sp>
-          <p:nvSpPr>
-            <p:cNvPr id="12" name="角丸四角形吹き出し 11"/>
-            <p:cNvSpPr/>
-            <p:nvPr/>
-          </p:nvSpPr>
-          <p:spPr>
-            <a:xfrm>
-              <a:off x="10144856" y="1211604"/>
-              <a:ext cx="1620957" cy="612648"/>
-            </a:xfrm>
-            <a:prstGeom prst="wedgeRoundRectCallout">
-              <a:avLst>
-                <a:gd name="adj1" fmla="val -50674"/>
-                <a:gd name="adj2" fmla="val 82549"/>
-                <a:gd name="adj3" fmla="val 16667"/>
-              </a:avLst>
-            </a:prstGeom>
-            <a:solidFill>
-              <a:schemeClr val="accent6"/>
-            </a:solidFill>
-            <a:ln w="28575">
-              <a:solidFill>
-                <a:srgbClr val="287713"/>
-              </a:solidFill>
-            </a:ln>
-          </p:spPr>
-          <p:style>
-            <a:lnRef idx="2">
-              <a:schemeClr val="accent1">
-                <a:shade val="50000"/>
-              </a:schemeClr>
-            </a:lnRef>
-            <a:fillRef idx="1">
-              <a:schemeClr val="accent1"/>
-            </a:fillRef>
-            <a:effectRef idx="0">
-              <a:schemeClr val="accent1"/>
-            </a:effectRef>
-            <a:fontRef idx="minor">
-              <a:schemeClr val="lt1"/>
-            </a:fontRef>
-          </p:style>
-          <p:txBody>
-            <a:bodyPr rtlCol="0" anchor="ctr"/>
-            <a:lstStyle/>
-            <a:p>
-              <a:pPr algn="ctr"/>
-              <a:endParaRPr kumimoji="1" lang="ja-JP" altLang="en-US"/>
-            </a:p>
-          </p:txBody>
-        </p:sp>
-        <p:sp>
-          <p:nvSpPr>
-            <p:cNvPr id="9" name="テキスト ボックス 8"/>
-            <p:cNvSpPr txBox="1"/>
-            <p:nvPr/>
-          </p:nvSpPr>
-          <p:spPr>
-            <a:xfrm>
-              <a:off x="10144856" y="1314371"/>
-              <a:ext cx="1620957" cy="523220"/>
-            </a:xfrm>
-            <a:prstGeom prst="rect">
-              <a:avLst/>
-            </a:prstGeom>
-            <a:noFill/>
-          </p:spPr>
-          <p:txBody>
-            <a:bodyPr wrap="none" rtlCol="0">
-              <a:spAutoFit/>
-            </a:bodyPr>
-            <a:lstStyle/>
-            <a:p>
-              <a:pPr algn="r"/>
-              <a:r>
-                <a:rPr lang="ja-JP" altLang="en-US" sz="2800" dirty="0" smtClean="0">
-                  <a:solidFill>
-                    <a:schemeClr val="bg1"/>
-                  </a:solidFill>
-                  <a:latin typeface="+mn-ea"/>
-                  <a:ea typeface="+mn-ea"/>
-                </a:rPr>
-                <a:t>軌跡予測</a:t>
-              </a:r>
-              <a:endParaRPr lang="en-US" altLang="ja-JP" sz="2800" dirty="0" smtClean="0">
-                <a:solidFill>
-                  <a:schemeClr val="bg1"/>
-                </a:solidFill>
-                <a:latin typeface="+mn-ea"/>
-                <a:ea typeface="+mn-ea"/>
-              </a:endParaRPr>
-            </a:p>
-          </p:txBody>
-        </p:sp>
-      </p:grpSp>
-    </p:spTree>
-    <p:extLst>
-      <p:ext uri="{BB962C8B-B14F-4D97-AF65-F5344CB8AC3E}">
-        <p14:creationId xmlns:p14="http://schemas.microsoft.com/office/powerpoint/2010/main" val="3636839521"/>
-      </p:ext>
-    </p:extLst>
-  </p:cSld>
-  <p:clrMapOvr>
-    <a:masterClrMapping/>
-  </p:clrMapOvr>
-  <p:timing>
-    <p:tnLst>
-      <p:par>
-        <p:cTn id="1" dur="indefinite" restart="never" nodeType="tmRoot"/>
-      </p:par>
-    </p:tnLst>
-  </p:timing>
-</p:sld>
-</file>
-
-<file path=ppt/slides/slide4.xml><?xml version="1.0" encoding="utf-8"?>
-<p:sld xmlns:a="http://schemas.openxmlformats.org/drawingml/2006/main" xmlns:r="http://schemas.openxmlformats.org/officeDocument/2006/relationships" xmlns:p="http://schemas.openxmlformats.org/presentationml/2006/main">
-  <p:cSld>
-    <p:spTree>
-      <p:nvGrpSpPr>
-        <p:cNvPr id="1" name=""/>
-        <p:cNvGrpSpPr/>
-        <p:nvPr/>
-      </p:nvGrpSpPr>
-      <p:grpSpPr>
-        <a:xfrm>
-          <a:off x="0" y="0"/>
-          <a:ext cx="0" cy="0"/>
-          <a:chOff x="0" y="0"/>
-          <a:chExt cx="0" cy="0"/>
-        </a:xfrm>
-      </p:grpSpPr>
-      <p:sp>
-        <p:nvSpPr>
-          <p:cNvPr id="2" name="スライド番号プレースホルダー 1"/>
-          <p:cNvSpPr>
-            <a:spLocks noGrp="1"/>
-          </p:cNvSpPr>
-          <p:nvPr>
-            <p:ph type="sldNum" sz="quarter" idx="4"/>
-          </p:nvPr>
-        </p:nvSpPr>
-        <p:spPr/>
-        <p:txBody>
-          <a:bodyPr/>
-          <a:lstStyle/>
-          <a:p>
-            <a:fld id="{D12D64A1-0071-4E40-82A8-786C5ED7312F}" type="slidenum">
-              <a:rPr kumimoji="1" lang="ja-JP" altLang="en-US" smtClean="0"/>
-              <a:pPr/>
-              <a:t>4</a:t>
-            </a:fld>
-            <a:endParaRPr kumimoji="1" lang="ja-JP" altLang="en-US" dirty="0"/>
-          </a:p>
-        </p:txBody>
-      </p:sp>
-      <p:sp>
-        <p:nvSpPr>
-          <p:cNvPr id="3" name="テキスト ボックス 2"/>
-          <p:cNvSpPr txBox="1"/>
-          <p:nvPr/>
-        </p:nvSpPr>
-        <p:spPr>
-          <a:xfrm>
-            <a:off x="4208304" y="299169"/>
-            <a:ext cx="3775393" cy="707886"/>
-          </a:xfrm>
-          <a:prstGeom prst="rect">
-            <a:avLst/>
-          </a:prstGeom>
-          <a:noFill/>
-        </p:spPr>
-        <p:txBody>
-          <a:bodyPr wrap="none" rtlCol="0">
-            <a:spAutoFit/>
-          </a:bodyPr>
-          <a:lstStyle/>
-          <a:p>
-            <a:pPr algn="r"/>
-            <a:r>
-              <a:rPr lang="ja-JP" altLang="en-US" sz="4000" dirty="0" smtClean="0">
-                <a:latin typeface="+mn-ea"/>
-                <a:ea typeface="+mn-ea"/>
-              </a:rPr>
-              <a:t>システム利用例</a:t>
-            </a:r>
-            <a:endParaRPr lang="en-US" altLang="ja-JP" sz="4000" dirty="0" smtClean="0">
-              <a:latin typeface="+mn-ea"/>
-              <a:ea typeface="+mn-ea"/>
-            </a:endParaRPr>
-          </a:p>
-        </p:txBody>
-      </p:sp>
-      <p:pic>
-        <p:nvPicPr>
-          <p:cNvPr id="4" name="図 3"/>
-          <p:cNvPicPr>
-            <a:picLocks noChangeAspect="1"/>
-          </p:cNvPicPr>
-          <p:nvPr/>
-        </p:nvPicPr>
-        <p:blipFill>
-          <a:blip r:embed="rId2"/>
-          <a:stretch>
-            <a:fillRect/>
-          </a:stretch>
-        </p:blipFill>
-        <p:spPr>
-          <a:xfrm>
-            <a:off x="7839166" y="5171569"/>
-            <a:ext cx="856193" cy="1164984"/>
-          </a:xfrm>
-          <a:prstGeom prst="rect">
-            <a:avLst/>
-          </a:prstGeom>
-        </p:spPr>
-      </p:pic>
-      <p:sp>
-        <p:nvSpPr>
-          <p:cNvPr id="5" name="テキスト ボックス 4"/>
-          <p:cNvSpPr txBox="1"/>
-          <p:nvPr/>
-        </p:nvSpPr>
-        <p:spPr>
-          <a:xfrm>
-            <a:off x="5302371" y="1293506"/>
-            <a:ext cx="1620957" cy="523220"/>
-          </a:xfrm>
-          <a:prstGeom prst="rect">
-            <a:avLst/>
-          </a:prstGeom>
-          <a:noFill/>
-        </p:spPr>
-        <p:txBody>
-          <a:bodyPr wrap="none" rtlCol="0">
-            <a:spAutoFit/>
-          </a:bodyPr>
-          <a:lstStyle/>
-          <a:p>
-            <a:pPr algn="r"/>
-            <a:r>
-              <a:rPr lang="ja-JP" altLang="en-US" sz="2800" dirty="0" smtClean="0">
-                <a:latin typeface="+mn-ea"/>
-                <a:ea typeface="+mn-ea"/>
-              </a:rPr>
-              <a:t>混雑</a:t>
-            </a:r>
-            <a:r>
-              <a:rPr lang="ja-JP" altLang="en-US" sz="2800" dirty="0">
-                <a:latin typeface="+mn-ea"/>
-                <a:ea typeface="+mn-ea"/>
-              </a:rPr>
-              <a:t>回避</a:t>
-            </a:r>
-            <a:endParaRPr lang="en-US" altLang="ja-JP" sz="2800" dirty="0" smtClean="0">
-              <a:latin typeface="+mn-ea"/>
-              <a:ea typeface="+mn-ea"/>
-            </a:endParaRPr>
-          </a:p>
-        </p:txBody>
-      </p:sp>
-      <p:sp>
-        <p:nvSpPr>
-          <p:cNvPr id="6" name="テキスト ボックス 5"/>
-          <p:cNvSpPr txBox="1"/>
-          <p:nvPr/>
-        </p:nvSpPr>
-        <p:spPr>
-          <a:xfrm>
-            <a:off x="10165123" y="1288237"/>
-            <a:ext cx="1261884" cy="523220"/>
-          </a:xfrm>
-          <a:prstGeom prst="rect">
-            <a:avLst/>
-          </a:prstGeom>
-          <a:noFill/>
-        </p:spPr>
-        <p:txBody>
-          <a:bodyPr wrap="none" rtlCol="0">
-            <a:spAutoFit/>
-          </a:bodyPr>
-          <a:lstStyle/>
-          <a:p>
-            <a:pPr algn="r"/>
-            <a:r>
-              <a:rPr lang="ja-JP" altLang="en-US" sz="2800" dirty="0" smtClean="0">
-                <a:latin typeface="+mn-ea"/>
-                <a:ea typeface="+mn-ea"/>
-              </a:rPr>
-              <a:t>見守り</a:t>
-            </a:r>
-            <a:endParaRPr lang="en-US" altLang="ja-JP" sz="2800" dirty="0" smtClean="0">
-              <a:latin typeface="+mn-ea"/>
-              <a:ea typeface="+mn-ea"/>
-            </a:endParaRPr>
-          </a:p>
-        </p:txBody>
-      </p:sp>
-      <p:sp>
-        <p:nvSpPr>
-          <p:cNvPr id="7" name="テキスト ボックス 6"/>
-          <p:cNvSpPr txBox="1"/>
-          <p:nvPr/>
-        </p:nvSpPr>
-        <p:spPr>
-          <a:xfrm>
-            <a:off x="136229" y="1252487"/>
-            <a:ext cx="4801314" cy="646331"/>
-          </a:xfrm>
-          <a:prstGeom prst="rect">
-            <a:avLst/>
-          </a:prstGeom>
-          <a:noFill/>
-        </p:spPr>
-        <p:txBody>
-          <a:bodyPr wrap="none" rtlCol="0">
-            <a:spAutoFit/>
-          </a:bodyPr>
-          <a:lstStyle/>
-          <a:p>
-            <a:pPr algn="r"/>
-            <a:r>
-              <a:rPr lang="ja-JP" altLang="en-US" sz="3600" dirty="0" smtClean="0">
-                <a:latin typeface="+mn-ea"/>
-                <a:ea typeface="+mn-ea"/>
-              </a:rPr>
-              <a:t>人の移動の傾向を把握</a:t>
-            </a:r>
-            <a:endParaRPr lang="en-US" altLang="ja-JP" sz="3600" dirty="0" smtClean="0">
-              <a:latin typeface="+mn-ea"/>
-              <a:ea typeface="+mn-ea"/>
-            </a:endParaRPr>
-          </a:p>
-        </p:txBody>
-      </p:sp>
-      <p:pic>
-        <p:nvPicPr>
-          <p:cNvPr id="1026" name="Picture 2" descr="https://1.bp.blogspot.com/-qa9ngXg7UdQ/XSGF3foojOI/AAAAAAABTko/WytbdqPBN9QHqb5MA6P0ndCUfsbnM70BwCLcBGAs/s800/shopping_mall_ekinaka.png"/>
-          <p:cNvPicPr>
-            <a:picLocks noChangeAspect="1" noChangeArrowheads="1"/>
-          </p:cNvPicPr>
-          <p:nvPr/>
-        </p:nvPicPr>
-        <p:blipFill>
-          <a:blip r:embed="rId3">
-            <a:extLst>
-              <a:ext uri="{28A0092B-C50C-407E-A947-70E740481C1C}">
-                <a14:useLocalDpi xmlns:a14="http://schemas.microsoft.com/office/drawing/2010/main" val="0"/>
-              </a:ext>
-            </a:extLst>
-          </a:blip>
-          <a:srcRect/>
-          <a:stretch>
-            <a:fillRect/>
-          </a:stretch>
-        </p:blipFill>
-        <p:spPr bwMode="auto">
-          <a:xfrm>
-            <a:off x="445268" y="1805127"/>
-            <a:ext cx="4310235" cy="3782233"/>
-          </a:xfrm>
-          <a:prstGeom prst="rect">
-            <a:avLst/>
-          </a:prstGeom>
-          <a:noFill/>
-          <a:extLst>
-            <a:ext uri="{909E8E84-426E-40DD-AFC4-6F175D3DCCD1}">
-              <a14:hiddenFill xmlns:a14="http://schemas.microsoft.com/office/drawing/2010/main">
-                <a:solidFill>
-                  <a:srgbClr val="FFFFFF"/>
-                </a:solidFill>
-              </a14:hiddenFill>
-            </a:ext>
-          </a:extLst>
-        </p:spPr>
-      </p:pic>
-      <p:sp>
-        <p:nvSpPr>
-          <p:cNvPr id="14" name="テキスト ボックス 13"/>
-          <p:cNvSpPr txBox="1"/>
-          <p:nvPr/>
-        </p:nvSpPr>
-        <p:spPr>
-          <a:xfrm>
-            <a:off x="8606236" y="6004608"/>
-            <a:ext cx="1210589" cy="400110"/>
-          </a:xfrm>
-          <a:prstGeom prst="rect">
-            <a:avLst/>
-          </a:prstGeom>
-          <a:noFill/>
-        </p:spPr>
-        <p:txBody>
-          <a:bodyPr wrap="none" rtlCol="0">
-            <a:spAutoFit/>
-          </a:bodyPr>
-          <a:lstStyle/>
-          <a:p>
-            <a:pPr algn="ctr"/>
-            <a:r>
-              <a:rPr lang="ja-JP" altLang="en-US" sz="2000" dirty="0">
-                <a:latin typeface="+mn-ea"/>
-                <a:ea typeface="+mn-ea"/>
-              </a:rPr>
-              <a:t>ロボット</a:t>
-            </a:r>
-            <a:endParaRPr lang="en-US" altLang="ja-JP" sz="2000" dirty="0" smtClean="0">
-              <a:latin typeface="+mn-ea"/>
-              <a:ea typeface="+mn-ea"/>
-            </a:endParaRPr>
-          </a:p>
-        </p:txBody>
-      </p:sp>
-      <p:grpSp>
-        <p:nvGrpSpPr>
-          <p:cNvPr id="22" name="グループ化 21"/>
-          <p:cNvGrpSpPr/>
-          <p:nvPr/>
-        </p:nvGrpSpPr>
-        <p:grpSpPr>
-          <a:xfrm>
-            <a:off x="9545996" y="4088675"/>
-            <a:ext cx="2532012" cy="1340459"/>
-            <a:chOff x="7571180" y="3549070"/>
-            <a:chExt cx="2646878" cy="1340459"/>
-          </a:xfrm>
-        </p:grpSpPr>
-        <p:sp>
-          <p:nvSpPr>
-            <p:cNvPr id="19" name="角丸四角形吹き出し 18"/>
-            <p:cNvSpPr/>
-            <p:nvPr/>
-          </p:nvSpPr>
-          <p:spPr>
-            <a:xfrm>
-              <a:off x="7571180" y="3549070"/>
-              <a:ext cx="2646878" cy="1340459"/>
-            </a:xfrm>
-            <a:prstGeom prst="wedgeRoundRectCallout">
-              <a:avLst>
-                <a:gd name="adj1" fmla="val -73804"/>
-                <a:gd name="adj2" fmla="val 74783"/>
-                <a:gd name="adj3" fmla="val 16667"/>
-              </a:avLst>
-            </a:prstGeom>
-            <a:ln w="38100"/>
-          </p:spPr>
-          <p:style>
-            <a:lnRef idx="2">
-              <a:schemeClr val="accent5"/>
-            </a:lnRef>
-            <a:fillRef idx="1">
-              <a:schemeClr val="lt1"/>
-            </a:fillRef>
-            <a:effectRef idx="0">
-              <a:schemeClr val="accent5"/>
-            </a:effectRef>
-            <a:fontRef idx="minor">
-              <a:schemeClr val="dk1"/>
-            </a:fontRef>
-          </p:style>
-          <p:txBody>
-            <a:bodyPr rtlCol="0" anchor="ctr"/>
-            <a:lstStyle/>
-            <a:p>
-              <a:pPr algn="ctr"/>
-              <a:endParaRPr kumimoji="1" lang="ja-JP" altLang="en-US"/>
-            </a:p>
-          </p:txBody>
-        </p:sp>
-        <p:sp>
-          <p:nvSpPr>
-            <p:cNvPr id="15" name="テキスト ボックス 14"/>
-            <p:cNvSpPr txBox="1"/>
-            <p:nvPr/>
-          </p:nvSpPr>
-          <p:spPr>
-            <a:xfrm>
-              <a:off x="7571180" y="3635202"/>
-              <a:ext cx="2646878" cy="1200329"/>
-            </a:xfrm>
-            <a:prstGeom prst="rect">
-              <a:avLst/>
-            </a:prstGeom>
-            <a:noFill/>
-          </p:spPr>
-          <p:txBody>
-            <a:bodyPr wrap="none" rtlCol="0">
-              <a:spAutoFit/>
-            </a:bodyPr>
-            <a:lstStyle/>
-            <a:p>
-              <a:pPr algn="ctr"/>
-              <a:r>
-                <a:rPr lang="ja-JP" altLang="en-US" sz="2400" dirty="0" smtClean="0">
-                  <a:latin typeface="+mn-ea"/>
-                  <a:ea typeface="+mn-ea"/>
-                </a:rPr>
-                <a:t>進入禁止区域に</a:t>
-              </a:r>
-              <a:endParaRPr lang="en-US" altLang="ja-JP" sz="2400" dirty="0" smtClean="0">
-                <a:latin typeface="+mn-ea"/>
-                <a:ea typeface="+mn-ea"/>
-              </a:endParaRPr>
-            </a:p>
-            <a:p>
-              <a:pPr algn="ctr"/>
-              <a:r>
-                <a:rPr lang="ja-JP" altLang="en-US" sz="2400" dirty="0" smtClean="0">
-                  <a:latin typeface="+mn-ea"/>
-                  <a:ea typeface="+mn-ea"/>
-                </a:rPr>
-                <a:t>人が入りました</a:t>
-              </a:r>
-              <a:endParaRPr lang="en-US" altLang="ja-JP" sz="2400" dirty="0" smtClean="0">
-                <a:latin typeface="+mn-ea"/>
-                <a:ea typeface="+mn-ea"/>
-              </a:endParaRPr>
-            </a:p>
-            <a:p>
-              <a:pPr algn="ctr"/>
-              <a:r>
-                <a:rPr lang="ja-JP" altLang="en-US" sz="2400" dirty="0" smtClean="0">
-                  <a:latin typeface="+mn-ea"/>
-                  <a:ea typeface="+mn-ea"/>
-                </a:rPr>
-                <a:t>注意してください</a:t>
-              </a:r>
-              <a:endParaRPr lang="en-US" altLang="ja-JP" sz="2400" dirty="0" smtClean="0">
-                <a:latin typeface="+mn-ea"/>
-                <a:ea typeface="+mn-ea"/>
-              </a:endParaRPr>
-            </a:p>
-          </p:txBody>
-        </p:sp>
-      </p:grpSp>
-      <p:grpSp>
-        <p:nvGrpSpPr>
-          <p:cNvPr id="21" name="グループ化 20"/>
-          <p:cNvGrpSpPr/>
-          <p:nvPr/>
-        </p:nvGrpSpPr>
-        <p:grpSpPr>
-          <a:xfrm>
-            <a:off x="5026156" y="4294337"/>
-            <a:ext cx="2048599" cy="929136"/>
-            <a:chOff x="6641007" y="5323795"/>
-            <a:chExt cx="2155124" cy="929136"/>
-          </a:xfrm>
-        </p:grpSpPr>
-        <p:sp>
-          <p:nvSpPr>
-            <p:cNvPr id="11" name="角丸四角形吹き出し 10"/>
-            <p:cNvSpPr/>
-            <p:nvPr/>
-          </p:nvSpPr>
-          <p:spPr>
-            <a:xfrm>
-              <a:off x="6641007" y="5323795"/>
-              <a:ext cx="2155124" cy="877232"/>
-            </a:xfrm>
-            <a:prstGeom prst="wedgeRoundRectCallout">
-              <a:avLst>
-                <a:gd name="adj1" fmla="val 76048"/>
-                <a:gd name="adj2" fmla="val 93291"/>
-                <a:gd name="adj3" fmla="val 16667"/>
-              </a:avLst>
-            </a:prstGeom>
-            <a:ln w="38100"/>
-          </p:spPr>
-          <p:style>
-            <a:lnRef idx="2">
-              <a:schemeClr val="accent5"/>
-            </a:lnRef>
-            <a:fillRef idx="1">
-              <a:schemeClr val="lt1"/>
-            </a:fillRef>
-            <a:effectRef idx="0">
-              <a:schemeClr val="accent5"/>
-            </a:effectRef>
-            <a:fontRef idx="minor">
-              <a:schemeClr val="dk1"/>
-            </a:fontRef>
-          </p:style>
-          <p:txBody>
-            <a:bodyPr rtlCol="0" anchor="ctr"/>
-            <a:lstStyle/>
-            <a:p>
-              <a:pPr algn="ctr"/>
-              <a:endParaRPr kumimoji="1" lang="ja-JP" altLang="en-US"/>
-            </a:p>
-          </p:txBody>
-        </p:sp>
-        <p:sp>
-          <p:nvSpPr>
-            <p:cNvPr id="13" name="テキスト ボックス 12"/>
-            <p:cNvSpPr txBox="1"/>
-            <p:nvPr/>
-          </p:nvSpPr>
-          <p:spPr>
-            <a:xfrm>
-              <a:off x="6665972" y="5421934"/>
-              <a:ext cx="2130159" cy="830997"/>
-            </a:xfrm>
-            <a:prstGeom prst="rect">
-              <a:avLst/>
-            </a:prstGeom>
-            <a:noFill/>
-          </p:spPr>
-          <p:txBody>
-            <a:bodyPr wrap="square" rtlCol="0">
-              <a:spAutoFit/>
-            </a:bodyPr>
-            <a:lstStyle/>
-            <a:p>
-              <a:pPr algn="ctr"/>
-              <a:r>
-                <a:rPr lang="ja-JP" altLang="en-US" sz="2400" dirty="0" smtClean="0">
-                  <a:latin typeface="+mn-ea"/>
-                  <a:ea typeface="+mn-ea"/>
-                </a:rPr>
-                <a:t>○○は</a:t>
-              </a:r>
-              <a:endParaRPr lang="en-US" altLang="ja-JP" sz="2400" dirty="0" smtClean="0">
-                <a:latin typeface="+mn-ea"/>
-                <a:ea typeface="+mn-ea"/>
-              </a:endParaRPr>
-            </a:p>
-            <a:p>
-              <a:pPr algn="ctr"/>
-              <a:r>
-                <a:rPr lang="ja-JP" altLang="en-US" sz="2400" dirty="0" smtClean="0">
-                  <a:latin typeface="+mn-ea"/>
-                  <a:ea typeface="+mn-ea"/>
-                </a:rPr>
-                <a:t>混んでいます</a:t>
-              </a:r>
-              <a:endParaRPr lang="en-US" altLang="ja-JP" sz="2400" dirty="0" smtClean="0">
-                <a:latin typeface="+mn-ea"/>
-                <a:ea typeface="+mn-ea"/>
-              </a:endParaRPr>
-            </a:p>
-          </p:txBody>
-        </p:sp>
-      </p:grpSp>
-      <p:sp>
-        <p:nvSpPr>
-          <p:cNvPr id="17" name="テキスト ボックス 16"/>
-          <p:cNvSpPr txBox="1"/>
-          <p:nvPr/>
-        </p:nvSpPr>
-        <p:spPr>
-          <a:xfrm>
-            <a:off x="-88900" y="5588200"/>
-            <a:ext cx="5416868" cy="461665"/>
-          </a:xfrm>
-          <a:prstGeom prst="rect">
-            <a:avLst/>
-          </a:prstGeom>
-          <a:noFill/>
-        </p:spPr>
-        <p:txBody>
-          <a:bodyPr wrap="none" rtlCol="0">
-            <a:spAutoFit/>
-          </a:bodyPr>
-          <a:lstStyle/>
-          <a:p>
-            <a:pPr algn="r"/>
-            <a:r>
-              <a:rPr lang="ja-JP" altLang="en-US" sz="2400" dirty="0" smtClean="0">
-                <a:latin typeface="+mn-ea"/>
-                <a:ea typeface="+mn-ea"/>
-              </a:rPr>
-              <a:t>ショッピングモールやイベント会場等</a:t>
-            </a:r>
-            <a:endParaRPr lang="en-US" altLang="ja-JP" sz="2400" dirty="0" smtClean="0">
-              <a:latin typeface="+mn-ea"/>
-              <a:ea typeface="+mn-ea"/>
-            </a:endParaRPr>
-          </a:p>
-        </p:txBody>
-      </p:sp>
-      <p:sp>
-        <p:nvSpPr>
-          <p:cNvPr id="20" name="テキスト ボックス 19"/>
-          <p:cNvSpPr txBox="1"/>
-          <p:nvPr/>
-        </p:nvSpPr>
-        <p:spPr>
-          <a:xfrm>
-            <a:off x="7905556" y="1293506"/>
-            <a:ext cx="902811" cy="523220"/>
-          </a:xfrm>
-          <a:prstGeom prst="rect">
-            <a:avLst/>
-          </a:prstGeom>
-          <a:noFill/>
-        </p:spPr>
-        <p:txBody>
-          <a:bodyPr wrap="none" rtlCol="0">
-            <a:spAutoFit/>
-          </a:bodyPr>
-          <a:lstStyle/>
-          <a:p>
-            <a:pPr algn="r"/>
-            <a:r>
-              <a:rPr lang="ja-JP" altLang="en-US" sz="2800" dirty="0">
-                <a:latin typeface="+mn-ea"/>
-                <a:ea typeface="+mn-ea"/>
-              </a:rPr>
-              <a:t>案内</a:t>
-            </a:r>
-            <a:endParaRPr lang="en-US" altLang="ja-JP" sz="2800" dirty="0" smtClean="0">
-              <a:latin typeface="+mn-ea"/>
-              <a:ea typeface="+mn-ea"/>
-            </a:endParaRPr>
-          </a:p>
-        </p:txBody>
-      </p:sp>
-      <p:grpSp>
-        <p:nvGrpSpPr>
-          <p:cNvPr id="18" name="グループ化 17"/>
-          <p:cNvGrpSpPr/>
-          <p:nvPr/>
-        </p:nvGrpSpPr>
-        <p:grpSpPr>
-          <a:xfrm>
-            <a:off x="4379593" y="1266993"/>
-            <a:ext cx="3491912" cy="3491912"/>
-            <a:chOff x="4651387" y="1225634"/>
-            <a:chExt cx="3491912" cy="3491912"/>
-          </a:xfrm>
-        </p:grpSpPr>
-        <p:pic>
-          <p:nvPicPr>
-            <p:cNvPr id="1030" name="Picture 6" descr="https://1.bp.blogspot.com/-KPWUqtbCos8/XovubrbqwrI/AAAAAAABYM8/-UP-2uuaVzIXFY1fQm8lyuCusClFi2uawCNcBGAsYHQ/s1600/medical_sanmitsu2_missyuu.png"/>
-            <p:cNvPicPr>
-              <a:picLocks noChangeAspect="1" noChangeArrowheads="1"/>
-            </p:cNvPicPr>
-            <p:nvPr/>
-          </p:nvPicPr>
-          <p:blipFill>
-            <a:blip r:embed="rId4">
-              <a:extLst>
-                <a:ext uri="{28A0092B-C50C-407E-A947-70E740481C1C}">
-                  <a14:useLocalDpi xmlns:a14="http://schemas.microsoft.com/office/drawing/2010/main" val="0"/>
-                </a:ext>
-              </a:extLst>
-            </a:blip>
-            <a:srcRect/>
-            <a:stretch>
-              <a:fillRect/>
-            </a:stretch>
-          </p:blipFill>
-          <p:spPr bwMode="auto">
-            <a:xfrm>
-              <a:off x="5145130" y="1723882"/>
-              <a:ext cx="2495416" cy="2495417"/>
-            </a:xfrm>
-            <a:prstGeom prst="rect">
-              <a:avLst/>
-            </a:prstGeom>
-            <a:noFill/>
-            <a:extLst>
-              <a:ext uri="{909E8E84-426E-40DD-AFC4-6F175D3DCCD1}">
-                <a14:hiddenFill xmlns:a14="http://schemas.microsoft.com/office/drawing/2010/main">
-                  <a:solidFill>
-                    <a:srgbClr val="FFFFFF"/>
-                  </a:solidFill>
-                </a14:hiddenFill>
-              </a:ext>
-            </a:extLst>
-          </p:spPr>
-        </p:pic>
-        <p:sp>
-          <p:nvSpPr>
-            <p:cNvPr id="16" name="乗算記号 15"/>
-            <p:cNvSpPr/>
-            <p:nvPr/>
-          </p:nvSpPr>
-          <p:spPr>
-            <a:xfrm>
-              <a:off x="4651387" y="1225634"/>
-              <a:ext cx="3491912" cy="3491912"/>
-            </a:xfrm>
-            <a:prstGeom prst="mathMultiply">
-              <a:avLst>
-                <a:gd name="adj1" fmla="val 3880"/>
-              </a:avLst>
-            </a:prstGeom>
-            <a:solidFill>
-              <a:srgbClr val="FF0000"/>
-            </a:solidFill>
-            <a:ln>
-              <a:solidFill>
-                <a:srgbClr val="FF0000"/>
-              </a:solidFill>
-            </a:ln>
-          </p:spPr>
-          <p:style>
-            <a:lnRef idx="2">
-              <a:schemeClr val="accent1">
-                <a:shade val="50000"/>
-              </a:schemeClr>
-            </a:lnRef>
-            <a:fillRef idx="1">
-              <a:schemeClr val="accent1"/>
-            </a:fillRef>
-            <a:effectRef idx="0">
-              <a:schemeClr val="accent1"/>
-            </a:effectRef>
-            <a:fontRef idx="minor">
-              <a:schemeClr val="lt1"/>
-            </a:fontRef>
-          </p:style>
-          <p:txBody>
-            <a:bodyPr rtlCol="0" anchor="ctr"/>
-            <a:lstStyle/>
-            <a:p>
-              <a:pPr algn="ctr"/>
-              <a:endParaRPr kumimoji="1" lang="ja-JP" altLang="en-US"/>
-            </a:p>
-          </p:txBody>
-        </p:sp>
-      </p:grpSp>
-      <p:grpSp>
-        <p:nvGrpSpPr>
-          <p:cNvPr id="26" name="グループ化 25"/>
-          <p:cNvGrpSpPr/>
-          <p:nvPr/>
-        </p:nvGrpSpPr>
-        <p:grpSpPr>
-          <a:xfrm>
-            <a:off x="7315644" y="4152862"/>
-            <a:ext cx="2038430" cy="929136"/>
-            <a:chOff x="6641007" y="5323795"/>
-            <a:chExt cx="2155124" cy="929136"/>
-          </a:xfrm>
-        </p:grpSpPr>
-        <p:sp>
-          <p:nvSpPr>
-            <p:cNvPr id="27" name="角丸四角形吹き出し 26"/>
-            <p:cNvSpPr/>
-            <p:nvPr/>
-          </p:nvSpPr>
-          <p:spPr>
-            <a:xfrm>
-              <a:off x="6641007" y="5323795"/>
-              <a:ext cx="2155124" cy="877232"/>
-            </a:xfrm>
-            <a:prstGeom prst="wedgeRoundRectCallout">
-              <a:avLst>
-                <a:gd name="adj1" fmla="val 9469"/>
-                <a:gd name="adj2" fmla="val 87499"/>
-                <a:gd name="adj3" fmla="val 16667"/>
-              </a:avLst>
-            </a:prstGeom>
-            <a:ln w="38100"/>
-          </p:spPr>
-          <p:style>
-            <a:lnRef idx="2">
-              <a:schemeClr val="accent5"/>
-            </a:lnRef>
-            <a:fillRef idx="1">
-              <a:schemeClr val="lt1"/>
-            </a:fillRef>
-            <a:effectRef idx="0">
-              <a:schemeClr val="accent5"/>
-            </a:effectRef>
-            <a:fontRef idx="minor">
-              <a:schemeClr val="dk1"/>
-            </a:fontRef>
-          </p:style>
-          <p:txBody>
-            <a:bodyPr rtlCol="0" anchor="ctr"/>
-            <a:lstStyle/>
-            <a:p>
-              <a:pPr algn="ctr"/>
-              <a:endParaRPr kumimoji="1" lang="ja-JP" altLang="en-US"/>
-            </a:p>
-          </p:txBody>
-        </p:sp>
-        <p:sp>
-          <p:nvSpPr>
-            <p:cNvPr id="28" name="テキスト ボックス 27"/>
-            <p:cNvSpPr txBox="1"/>
-            <p:nvPr/>
-          </p:nvSpPr>
-          <p:spPr>
-            <a:xfrm>
-              <a:off x="6665972" y="5421934"/>
-              <a:ext cx="2130159" cy="830997"/>
-            </a:xfrm>
-            <a:prstGeom prst="rect">
-              <a:avLst/>
-            </a:prstGeom>
-            <a:noFill/>
-          </p:spPr>
-          <p:txBody>
-            <a:bodyPr wrap="square" rtlCol="0">
-              <a:spAutoFit/>
-            </a:bodyPr>
-            <a:lstStyle/>
-            <a:p>
-              <a:pPr algn="ctr"/>
-              <a:r>
-                <a:rPr lang="ja-JP" altLang="en-US" sz="2400" dirty="0" smtClean="0">
-                  <a:latin typeface="+mn-ea"/>
-                  <a:ea typeface="+mn-ea"/>
-                </a:rPr>
-                <a:t>○○が</a:t>
-              </a:r>
-              <a:endParaRPr lang="en-US" altLang="ja-JP" sz="2400" dirty="0" smtClean="0">
-                <a:latin typeface="+mn-ea"/>
-                <a:ea typeface="+mn-ea"/>
-              </a:endParaRPr>
-            </a:p>
-            <a:p>
-              <a:pPr algn="ctr"/>
-              <a:r>
-                <a:rPr lang="ja-JP" altLang="en-US" sz="2400" dirty="0" smtClean="0">
-                  <a:latin typeface="+mn-ea"/>
-                  <a:ea typeface="+mn-ea"/>
-                </a:rPr>
-                <a:t>おすすめです</a:t>
-              </a:r>
-              <a:endParaRPr lang="en-US" altLang="ja-JP" sz="2400" dirty="0" smtClean="0">
-                <a:latin typeface="+mn-ea"/>
-                <a:ea typeface="+mn-ea"/>
-              </a:endParaRPr>
-            </a:p>
-          </p:txBody>
-        </p:sp>
-      </p:grpSp>
-      <p:pic>
-        <p:nvPicPr>
-          <p:cNvPr id="1032" name="Picture 8" descr="https://4.bp.blogspot.com/-Pt-5IT3WJpY/UvTd84MsuRI/AAAAAAAAdhI/Yo8JJ8uf0Xk/s800/job_youfuku_hanbai.png"/>
-          <p:cNvPicPr>
-            <a:picLocks noChangeAspect="1" noChangeArrowheads="1"/>
-          </p:cNvPicPr>
-          <p:nvPr/>
-        </p:nvPicPr>
-        <p:blipFill>
-          <a:blip r:embed="rId5">
-            <a:extLst>
-              <a:ext uri="{28A0092B-C50C-407E-A947-70E740481C1C}">
-                <a14:useLocalDpi xmlns:a14="http://schemas.microsoft.com/office/drawing/2010/main" val="0"/>
-              </a:ext>
-            </a:extLst>
-          </a:blip>
-          <a:srcRect/>
-          <a:stretch>
-            <a:fillRect/>
-          </a:stretch>
-        </p:blipFill>
-        <p:spPr bwMode="auto">
-          <a:xfrm>
-            <a:off x="7935537" y="1803853"/>
-            <a:ext cx="760013" cy="1238310"/>
-          </a:xfrm>
-          <a:prstGeom prst="rect">
-            <a:avLst/>
-          </a:prstGeom>
-          <a:noFill/>
-          <a:extLst>
-            <a:ext uri="{909E8E84-426E-40DD-AFC4-6F175D3DCCD1}">
-              <a14:hiddenFill xmlns:a14="http://schemas.microsoft.com/office/drawing/2010/main">
-                <a:solidFill>
-                  <a:srgbClr val="FFFFFF"/>
-                </a:solidFill>
-              </a14:hiddenFill>
-            </a:ext>
-          </a:extLst>
-        </p:spPr>
-      </p:pic>
-      <p:pic>
-        <p:nvPicPr>
-          <p:cNvPr id="1034" name="Picture 10" descr="https://2.bp.blogspot.com/-JNoU2xAMSkc/UzKmpgxrWjI/AAAAAAAAemk/HhG_Tc39vBs/s800/job_houseki.png"/>
-          <p:cNvPicPr>
-            <a:picLocks noChangeAspect="1" noChangeArrowheads="1"/>
-          </p:cNvPicPr>
-          <p:nvPr/>
-        </p:nvPicPr>
-        <p:blipFill>
-          <a:blip r:embed="rId6">
-            <a:extLst>
-              <a:ext uri="{28A0092B-C50C-407E-A947-70E740481C1C}">
-                <a14:useLocalDpi xmlns:a14="http://schemas.microsoft.com/office/drawing/2010/main" val="0"/>
-              </a:ext>
-            </a:extLst>
-          </a:blip>
-          <a:srcRect/>
-          <a:stretch>
-            <a:fillRect/>
-          </a:stretch>
-        </p:blipFill>
-        <p:spPr bwMode="auto">
-          <a:xfrm>
-            <a:off x="7413210" y="2811317"/>
-            <a:ext cx="785374" cy="1070356"/>
-          </a:xfrm>
-          <a:prstGeom prst="rect">
-            <a:avLst/>
-          </a:prstGeom>
-          <a:noFill/>
-          <a:extLst>
-            <a:ext uri="{909E8E84-426E-40DD-AFC4-6F175D3DCCD1}">
-              <a14:hiddenFill xmlns:a14="http://schemas.microsoft.com/office/drawing/2010/main">
-                <a:solidFill>
-                  <a:srgbClr val="FFFFFF"/>
-                </a:solidFill>
-              </a14:hiddenFill>
-            </a:ext>
-          </a:extLst>
-        </p:spPr>
-      </p:pic>
-      <p:pic>
-        <p:nvPicPr>
-          <p:cNvPr id="1036" name="Picture 12" descr="https://4.bp.blogspot.com/-CoY8qDNK9QE/VCOJvYSvJnI/AAAAAAAAm2A/gOVclF_bWyI/s800/job_kutsuya.png"/>
-          <p:cNvPicPr>
-            <a:picLocks noChangeAspect="1" noChangeArrowheads="1"/>
-          </p:cNvPicPr>
-          <p:nvPr/>
-        </p:nvPicPr>
-        <p:blipFill>
-          <a:blip r:embed="rId7">
-            <a:extLst>
-              <a:ext uri="{28A0092B-C50C-407E-A947-70E740481C1C}">
-                <a14:useLocalDpi xmlns:a14="http://schemas.microsoft.com/office/drawing/2010/main" val="0"/>
-              </a:ext>
-            </a:extLst>
-          </a:blip>
-          <a:srcRect/>
-          <a:stretch>
-            <a:fillRect/>
-          </a:stretch>
-        </p:blipFill>
-        <p:spPr bwMode="auto">
-          <a:xfrm>
-            <a:off x="8606236" y="2739336"/>
-            <a:ext cx="829457" cy="1118998"/>
-          </a:xfrm>
-          <a:prstGeom prst="rect">
-            <a:avLst/>
-          </a:prstGeom>
-          <a:noFill/>
-          <a:extLst>
-            <a:ext uri="{909E8E84-426E-40DD-AFC4-6F175D3DCCD1}">
-              <a14:hiddenFill xmlns:a14="http://schemas.microsoft.com/office/drawing/2010/main">
-                <a:solidFill>
-                  <a:srgbClr val="FFFFFF"/>
-                </a:solidFill>
-              </a14:hiddenFill>
-            </a:ext>
-          </a:extLst>
-        </p:spPr>
-      </p:pic>
-      <p:sp>
-        <p:nvSpPr>
-          <p:cNvPr id="23" name="円/楕円 22"/>
-          <p:cNvSpPr/>
-          <p:nvPr/>
-        </p:nvSpPr>
-        <p:spPr>
-          <a:xfrm>
-            <a:off x="7858343" y="1751949"/>
-            <a:ext cx="914400" cy="1401380"/>
-          </a:xfrm>
-          <a:prstGeom prst="ellipse">
-            <a:avLst/>
-          </a:prstGeom>
-          <a:noFill/>
-          <a:ln w="38100">
-            <a:solidFill>
-              <a:srgbClr val="FF0000"/>
-            </a:solidFill>
-          </a:ln>
-        </p:spPr>
-        <p:style>
-          <a:lnRef idx="2">
-            <a:schemeClr val="accent1">
-              <a:shade val="50000"/>
-            </a:schemeClr>
-          </a:lnRef>
-          <a:fillRef idx="1">
-            <a:schemeClr val="accent1"/>
-          </a:fillRef>
-          <a:effectRef idx="0">
-            <a:schemeClr val="accent1"/>
-          </a:effectRef>
-          <a:fontRef idx="minor">
-            <a:schemeClr val="lt1"/>
-          </a:fontRef>
-        </p:style>
-        <p:txBody>
-          <a:bodyPr rtlCol="0" anchor="ctr"/>
-          <a:lstStyle/>
-          <a:p>
-            <a:pPr algn="ctr"/>
-            <a:endParaRPr kumimoji="1" lang="ja-JP" altLang="en-US"/>
-          </a:p>
-        </p:txBody>
-      </p:sp>
-      <p:pic>
-        <p:nvPicPr>
-          <p:cNvPr id="1040" name="Picture 16" descr="https://1.bp.blogspot.com/-qWBn0i40nNQ/WlGpVU7Mt5I/AAAAAAABJmY/4dZqzf6oKisunYB4E5OiL_pf72DEY3EsgCLcBGAs/s800/ihan_saku_norikoeru.png"/>
-          <p:cNvPicPr>
-            <a:picLocks noChangeAspect="1" noChangeArrowheads="1"/>
-          </p:cNvPicPr>
-          <p:nvPr/>
-        </p:nvPicPr>
-        <p:blipFill>
-          <a:blip r:embed="rId8">
-            <a:extLst>
-              <a:ext uri="{28A0092B-C50C-407E-A947-70E740481C1C}">
-                <a14:useLocalDpi xmlns:a14="http://schemas.microsoft.com/office/drawing/2010/main" val="0"/>
-              </a:ext>
-            </a:extLst>
-          </a:blip>
-          <a:srcRect/>
-          <a:stretch>
-            <a:fillRect/>
-          </a:stretch>
-        </p:blipFill>
-        <p:spPr bwMode="auto">
-          <a:xfrm>
-            <a:off x="9981759" y="1928183"/>
-            <a:ext cx="1824071" cy="1953490"/>
-          </a:xfrm>
-          <a:prstGeom prst="rect">
-            <a:avLst/>
-          </a:prstGeom>
-          <a:noFill/>
-          <a:extLst>
-            <a:ext uri="{909E8E84-426E-40DD-AFC4-6F175D3DCCD1}">
-              <a14:hiddenFill xmlns:a14="http://schemas.microsoft.com/office/drawing/2010/main">
-                <a:solidFill>
-                  <a:srgbClr val="FFFFFF"/>
-                </a:solidFill>
-              </a14:hiddenFill>
-            </a:ext>
-          </a:extLst>
-        </p:spPr>
-      </p:pic>
-    </p:spTree>
-    <p:extLst>
-      <p:ext uri="{BB962C8B-B14F-4D97-AF65-F5344CB8AC3E}">
-        <p14:creationId xmlns:p14="http://schemas.microsoft.com/office/powerpoint/2010/main" val="890304028"/>
-      </p:ext>
-    </p:extLst>
-  </p:cSld>
-  <p:clrMapOvr>
-    <a:masterClrMapping/>
-  </p:clrMapOvr>
-  <p:timing>
-    <p:tnLst>
-      <p:par>
-        <p:cTn id="1" dur="indefinite" restart="never" nodeType="tmRoot"/>
-      </p:par>
-    </p:tnLst>
-  </p:timing>
-</p:sld>
-</file>
-
 <file path=ppt/tags/tag1.xml><?xml version="1.0" encoding="utf-8"?>
 <p:tagLst xmlns:a="http://schemas.openxmlformats.org/drawingml/2006/main" xmlns:r="http://schemas.openxmlformats.org/officeDocument/2006/relationships" xmlns:p="http://schemas.openxmlformats.org/presentationml/2006/main">
   <p:tag name="TIMING" val="|3.1"/>

--- a/Overview/RTM2020_受付など通過歩行時の人数推定RTCの開発.pptx
+++ b/Overview/RTM2020_受付など通過歩行時の人数推定RTCの開発.pptx
@@ -10,7 +10,7 @@
   <p:sldIdLst>
     <p:sldId id="256" r:id="rId2"/>
     <p:sldId id="295" r:id="rId3"/>
-    <p:sldId id="298" r:id="rId4"/>
+    <p:sldId id="299" r:id="rId4"/>
     <p:sldId id="292" r:id="rId5"/>
   </p:sldIdLst>
   <p:sldSz cx="12192000" cy="6858000"/>
@@ -260,7 +260,7 @@
       </p15:sldGuideLst>
     </p:ext>
     <p:ext uri="http://customooxmlschemas.google.com/">
-      <go:slidesCustomData xmlns:go="http://customooxmlschemas.google.com/" xmlns:p15="http://schemas.microsoft.com/office/powerpoint/2012/main" xmlns:p14="http://schemas.microsoft.com/office/powerpoint/2010/main" xmlns:com="http://schemas.openxmlformats.org/drawingml/2006/compatibility" xmlns:pvml="urn:schemas-microsoft-com:office:powerpoint" xmlns:v="urn:schemas-microsoft-com:vml" xmlns:o="urn:schemas-microsoft-com:office:office" xmlns:dgm="http://schemas.openxmlformats.org/drawingml/2006/diagram" xmlns:c="http://schemas.openxmlformats.org/drawingml/2006/chart" xmlns:mv="urn:schemas-microsoft-com:mac:vml" xmlns:mc="http://schemas.openxmlformats.org/markup-compatibility/2006" xmlns="" r:id="rId40" roundtripDataSignature="AMtx7mj1fSzoC7FWVNe57SNeYfoiXO60bQ=="/>
+      <go:slidesCustomData xmlns="" xmlns:mc="http://schemas.openxmlformats.org/markup-compatibility/2006" xmlns:mv="urn:schemas-microsoft-com:mac:vml" xmlns:c="http://schemas.openxmlformats.org/drawingml/2006/chart" xmlns:dgm="http://schemas.openxmlformats.org/drawingml/2006/diagram" xmlns:o="urn:schemas-microsoft-com:office:office" xmlns:v="urn:schemas-microsoft-com:vml" xmlns:pvml="urn:schemas-microsoft-com:office:powerpoint" xmlns:com="http://schemas.openxmlformats.org/drawingml/2006/compatibility" xmlns:p14="http://schemas.microsoft.com/office/powerpoint/2010/main" xmlns:p15="http://schemas.microsoft.com/office/powerpoint/2012/main" xmlns:go="http://customooxmlschemas.google.com/" r:id="rId40" roundtripDataSignature="AMtx7mj1fSzoC7FWVNe57SNeYfoiXO60bQ=="/>
     </p:ext>
   </p:extLst>
 </p:presentation>
@@ -2712,14 +2712,7 @@
                   <a:latin typeface="+mn-ea"/>
                   <a:ea typeface="+mn-ea"/>
                 </a:rPr>
-                <a:t>軌跡の測定</a:t>
-              </a:r>
-              <a:r>
-                <a:rPr kumimoji="1" lang="ja-JP" altLang="en-US" sz="2800" dirty="0" smtClean="0">
-                  <a:latin typeface="+mn-ea"/>
-                  <a:ea typeface="+mn-ea"/>
-                </a:rPr>
-                <a:t>を</a:t>
+                <a:t>軌跡の測定を</a:t>
               </a:r>
               <a:r>
                 <a:rPr kumimoji="1" lang="ja-JP" altLang="en-US" sz="2800" dirty="0" smtClean="0">
@@ -2729,17 +2722,7 @@
                   <a:latin typeface="+mn-ea"/>
                   <a:ea typeface="+mn-ea"/>
                 </a:rPr>
-                <a:t>ガウス</a:t>
-              </a:r>
-              <a:r>
-                <a:rPr kumimoji="1" lang="ja-JP" altLang="en-US" sz="2800" dirty="0" smtClean="0">
-                  <a:solidFill>
-                    <a:srgbClr val="FF0000"/>
-                  </a:solidFill>
-                  <a:latin typeface="+mn-ea"/>
-                  <a:ea typeface="+mn-ea"/>
-                </a:rPr>
-                <a:t>過程回帰</a:t>
+                <a:t>ガウス過程回帰</a:t>
               </a:r>
               <a:r>
                 <a:rPr kumimoji="1" lang="ja-JP" altLang="en-US" sz="2800" dirty="0" smtClean="0">
@@ -4599,8 +4582,8 @@
         </p:nvSpPr>
         <p:spPr>
           <a:xfrm>
-            <a:off x="4208304" y="299169"/>
-            <a:ext cx="3775393" cy="707886"/>
+            <a:off x="3438862" y="299169"/>
+            <a:ext cx="5314276" cy="707886"/>
           </a:xfrm>
           <a:prstGeom prst="rect">
             <a:avLst/>
@@ -4619,7 +4602,14 @@
                 <a:latin typeface="+mn-ea"/>
                 <a:ea typeface="+mn-ea"/>
               </a:rPr>
-              <a:t>システム利用例</a:t>
+              <a:t>システム</a:t>
+            </a:r>
+            <a:r>
+              <a:rPr lang="ja-JP" altLang="en-US" sz="4000" dirty="0" smtClean="0">
+                <a:latin typeface="+mn-ea"/>
+                <a:ea typeface="+mn-ea"/>
+              </a:rPr>
+              <a:t>利用例まとめ</a:t>
             </a:r>
             <a:endParaRPr lang="en-US" altLang="ja-JP" sz="4000" dirty="0" smtClean="0">
               <a:latin typeface="+mn-ea"/>
@@ -4652,87 +4642,6 @@
           </a:prstGeom>
         </p:spPr>
       </p:pic>
-      <p:sp>
-        <p:nvSpPr>
-          <p:cNvPr id="5" name="テキスト ボックス 4"/>
-          <p:cNvSpPr txBox="1"/>
-          <p:nvPr/>
-        </p:nvSpPr>
-        <p:spPr>
-          <a:xfrm>
-            <a:off x="5302371" y="1293506"/>
-            <a:ext cx="1620957" cy="523220"/>
-          </a:xfrm>
-          <a:prstGeom prst="rect">
-            <a:avLst/>
-          </a:prstGeom>
-          <a:noFill/>
-        </p:spPr>
-        <p:txBody>
-          <a:bodyPr wrap="none" rtlCol="0">
-            <a:spAutoFit/>
-          </a:bodyPr>
-          <a:lstStyle/>
-          <a:p>
-            <a:pPr algn="r"/>
-            <a:r>
-              <a:rPr lang="ja-JP" altLang="en-US" sz="2800" dirty="0" smtClean="0">
-                <a:latin typeface="+mn-ea"/>
-                <a:ea typeface="+mn-ea"/>
-              </a:rPr>
-              <a:t>混雑</a:t>
-            </a:r>
-            <a:r>
-              <a:rPr lang="ja-JP" altLang="en-US" sz="2800" dirty="0">
-                <a:latin typeface="+mn-ea"/>
-                <a:ea typeface="+mn-ea"/>
-              </a:rPr>
-              <a:t>回避</a:t>
-            </a:r>
-            <a:endParaRPr lang="en-US" altLang="ja-JP" sz="2800" dirty="0" smtClean="0">
-              <a:latin typeface="+mn-ea"/>
-              <a:ea typeface="+mn-ea"/>
-            </a:endParaRPr>
-          </a:p>
-        </p:txBody>
-      </p:sp>
-      <p:sp>
-        <p:nvSpPr>
-          <p:cNvPr id="6" name="テキスト ボックス 5"/>
-          <p:cNvSpPr txBox="1"/>
-          <p:nvPr/>
-        </p:nvSpPr>
-        <p:spPr>
-          <a:xfrm>
-            <a:off x="10165123" y="1288237"/>
-            <a:ext cx="1261884" cy="523220"/>
-          </a:xfrm>
-          <a:prstGeom prst="rect">
-            <a:avLst/>
-          </a:prstGeom>
-          <a:noFill/>
-        </p:spPr>
-        <p:txBody>
-          <a:bodyPr wrap="none" rtlCol="0">
-            <a:spAutoFit/>
-          </a:bodyPr>
-          <a:lstStyle/>
-          <a:p>
-            <a:pPr algn="r"/>
-            <a:r>
-              <a:rPr lang="ja-JP" altLang="en-US" sz="2800" dirty="0" smtClean="0">
-                <a:latin typeface="+mn-ea"/>
-                <a:ea typeface="+mn-ea"/>
-              </a:rPr>
-              <a:t>見守り</a:t>
-            </a:r>
-            <a:endParaRPr lang="en-US" altLang="ja-JP" sz="2800" dirty="0" smtClean="0">
-              <a:latin typeface="+mn-ea"/>
-              <a:ea typeface="+mn-ea"/>
-            </a:endParaRPr>
-          </a:p>
-        </p:txBody>
-      </p:sp>
       <p:sp>
         <p:nvSpPr>
           <p:cNvPr id="7" name="テキスト ボックス 6"/>
@@ -5117,148 +5026,170 @@
           </a:p>
         </p:txBody>
       </p:sp>
-      <p:sp>
-        <p:nvSpPr>
-          <p:cNvPr id="20" name="テキスト ボックス 19"/>
-          <p:cNvSpPr txBox="1"/>
-          <p:nvPr/>
-        </p:nvSpPr>
-        <p:spPr>
-          <a:xfrm>
-            <a:off x="7905556" y="1293506"/>
-            <a:ext cx="902811" cy="523220"/>
-          </a:xfrm>
-          <a:prstGeom prst="rect">
-            <a:avLst/>
-          </a:prstGeom>
-          <a:noFill/>
-        </p:spPr>
-        <p:txBody>
-          <a:bodyPr wrap="none" rtlCol="0">
-            <a:spAutoFit/>
-          </a:bodyPr>
-          <a:lstStyle/>
-          <a:p>
-            <a:pPr algn="r"/>
-            <a:r>
-              <a:rPr lang="ja-JP" altLang="en-US" sz="2800" dirty="0">
-                <a:latin typeface="+mn-ea"/>
-                <a:ea typeface="+mn-ea"/>
-              </a:rPr>
-              <a:t>案内</a:t>
-            </a:r>
-            <a:endParaRPr lang="en-US" altLang="ja-JP" sz="2800" dirty="0" smtClean="0">
-              <a:latin typeface="+mn-ea"/>
-              <a:ea typeface="+mn-ea"/>
-            </a:endParaRPr>
-          </a:p>
-        </p:txBody>
-      </p:sp>
       <p:grpSp>
         <p:nvGrpSpPr>
-          <p:cNvPr id="18" name="グループ化 17"/>
+          <p:cNvPr id="8" name="グループ化 7"/>
           <p:cNvGrpSpPr/>
           <p:nvPr/>
         </p:nvGrpSpPr>
         <p:grpSpPr>
           <a:xfrm>
-            <a:off x="4379593" y="1266993"/>
+            <a:off x="4270409" y="1075921"/>
             <a:ext cx="3491912" cy="3491912"/>
-            <a:chOff x="4651387" y="1225634"/>
+            <a:chOff x="4297705" y="1144161"/>
             <a:chExt cx="3491912" cy="3491912"/>
           </a:xfrm>
         </p:grpSpPr>
-        <p:pic>
-          <p:nvPicPr>
-            <p:cNvPr id="1030" name="Picture 6" descr="https://1.bp.blogspot.com/-KPWUqtbCos8/XovubrbqwrI/AAAAAAABYM8/-UP-2uuaVzIXFY1fQm8lyuCusClFi2uawCNcBGAsYHQ/s1600/medical_sanmitsu2_missyuu.png"/>
-            <p:cNvPicPr>
-              <a:picLocks noChangeAspect="1" noChangeArrowheads="1"/>
-            </p:cNvPicPr>
+        <p:sp>
+          <p:nvSpPr>
+            <p:cNvPr id="5" name="テキスト ボックス 4"/>
+            <p:cNvSpPr txBox="1"/>
             <p:nvPr/>
-          </p:nvPicPr>
-          <p:blipFill>
-            <a:blip r:embed="rId4">
-              <a:extLst>
-                <a:ext uri="{28A0092B-C50C-407E-A947-70E740481C1C}">
-                  <a14:useLocalDpi xmlns:a14="http://schemas.microsoft.com/office/drawing/2010/main" val="0"/>
-                </a:ext>
-              </a:extLst>
-            </a:blip>
-            <a:srcRect/>
-            <a:stretch>
-              <a:fillRect/>
-            </a:stretch>
-          </p:blipFill>
-          <p:spPr bwMode="auto">
+          </p:nvSpPr>
+          <p:spPr>
             <a:xfrm>
-              <a:off x="5145130" y="1723882"/>
-              <a:ext cx="2495416" cy="2495417"/>
+              <a:off x="5233183" y="1293506"/>
+              <a:ext cx="1620957" cy="523220"/>
             </a:xfrm>
             <a:prstGeom prst="rect">
               <a:avLst/>
             </a:prstGeom>
             <a:noFill/>
-            <a:extLst>
-              <a:ext uri="{909E8E84-426E-40DD-AFC4-6F175D3DCCD1}">
-                <a14:hiddenFill xmlns:a14="http://schemas.microsoft.com/office/drawing/2010/main">
-                  <a:solidFill>
-                    <a:srgbClr val="FFFFFF"/>
-                  </a:solidFill>
-                </a14:hiddenFill>
-              </a:ext>
-            </a:extLst>
           </p:spPr>
-        </p:pic>
-        <p:sp>
-          <p:nvSpPr>
-            <p:cNvPr id="16" name="乗算記号 15"/>
-            <p:cNvSpPr/>
+          <p:txBody>
+            <a:bodyPr wrap="none" rtlCol="0">
+              <a:spAutoFit/>
+            </a:bodyPr>
+            <a:lstStyle/>
+            <a:p>
+              <a:pPr algn="r"/>
+              <a:r>
+                <a:rPr lang="ja-JP" altLang="en-US" sz="2800" dirty="0" smtClean="0">
+                  <a:latin typeface="+mn-ea"/>
+                  <a:ea typeface="+mn-ea"/>
+                </a:rPr>
+                <a:t>混雑</a:t>
+              </a:r>
+              <a:r>
+                <a:rPr lang="ja-JP" altLang="en-US" sz="2800" dirty="0">
+                  <a:latin typeface="+mn-ea"/>
+                  <a:ea typeface="+mn-ea"/>
+                </a:rPr>
+                <a:t>回避</a:t>
+              </a:r>
+              <a:endParaRPr lang="en-US" altLang="ja-JP" sz="2800" dirty="0" smtClean="0">
+                <a:latin typeface="+mn-ea"/>
+                <a:ea typeface="+mn-ea"/>
+              </a:endParaRPr>
+            </a:p>
+          </p:txBody>
+        </p:sp>
+        <p:grpSp>
+          <p:nvGrpSpPr>
+            <p:cNvPr id="18" name="グループ化 17"/>
+            <p:cNvGrpSpPr/>
             <p:nvPr/>
-          </p:nvSpPr>
-          <p:spPr>
+          </p:nvGrpSpPr>
+          <p:grpSpPr>
             <a:xfrm>
-              <a:off x="4651387" y="1225634"/>
+              <a:off x="4297705" y="1144161"/>
               <a:ext cx="3491912" cy="3491912"/>
+              <a:chOff x="4651387" y="1225634"/>
+              <a:chExt cx="3491912" cy="3491912"/>
             </a:xfrm>
-            <a:prstGeom prst="mathMultiply">
-              <a:avLst>
-                <a:gd name="adj1" fmla="val 3880"/>
-              </a:avLst>
-            </a:prstGeom>
-            <a:solidFill>
-              <a:srgbClr val="FF0000"/>
-            </a:solidFill>
-            <a:ln>
+          </p:grpSpPr>
+          <p:pic>
+            <p:nvPicPr>
+              <p:cNvPr id="1030" name="Picture 6" descr="https://1.bp.blogspot.com/-KPWUqtbCos8/XovubrbqwrI/AAAAAAABYM8/-UP-2uuaVzIXFY1fQm8lyuCusClFi2uawCNcBGAsYHQ/s1600/medical_sanmitsu2_missyuu.png"/>
+              <p:cNvPicPr>
+                <a:picLocks noChangeAspect="1" noChangeArrowheads="1"/>
+              </p:cNvPicPr>
+              <p:nvPr/>
+            </p:nvPicPr>
+            <p:blipFill>
+              <a:blip r:embed="rId4">
+                <a:extLst>
+                  <a:ext uri="{28A0092B-C50C-407E-A947-70E740481C1C}">
+                    <a14:useLocalDpi xmlns:a14="http://schemas.microsoft.com/office/drawing/2010/main" val="0"/>
+                  </a:ext>
+                </a:extLst>
+              </a:blip>
+              <a:srcRect/>
+              <a:stretch>
+                <a:fillRect/>
+              </a:stretch>
+            </p:blipFill>
+            <p:spPr bwMode="auto">
+              <a:xfrm>
+                <a:off x="5145130" y="1723882"/>
+                <a:ext cx="2495416" cy="2495417"/>
+              </a:xfrm>
+              <a:prstGeom prst="rect">
+                <a:avLst/>
+              </a:prstGeom>
+              <a:noFill/>
+              <a:extLst>
+                <a:ext uri="{909E8E84-426E-40DD-AFC4-6F175D3DCCD1}">
+                  <a14:hiddenFill xmlns:a14="http://schemas.microsoft.com/office/drawing/2010/main">
+                    <a:solidFill>
+                      <a:srgbClr val="FFFFFF"/>
+                    </a:solidFill>
+                  </a14:hiddenFill>
+                </a:ext>
+              </a:extLst>
+            </p:spPr>
+          </p:pic>
+          <p:sp>
+            <p:nvSpPr>
+              <p:cNvPr id="16" name="乗算記号 15"/>
+              <p:cNvSpPr/>
+              <p:nvPr/>
+            </p:nvSpPr>
+            <p:spPr>
+              <a:xfrm>
+                <a:off x="4651387" y="1225634"/>
+                <a:ext cx="3491912" cy="3491912"/>
+              </a:xfrm>
+              <a:prstGeom prst="mathMultiply">
+                <a:avLst>
+                  <a:gd name="adj1" fmla="val 3880"/>
+                </a:avLst>
+              </a:prstGeom>
               <a:solidFill>
                 <a:srgbClr val="FF0000"/>
               </a:solidFill>
-            </a:ln>
-          </p:spPr>
-          <p:style>
-            <a:lnRef idx="2">
-              <a:schemeClr val="accent1">
-                <a:shade val="50000"/>
-              </a:schemeClr>
-            </a:lnRef>
-            <a:fillRef idx="1">
-              <a:schemeClr val="accent1"/>
-            </a:fillRef>
-            <a:effectRef idx="0">
-              <a:schemeClr val="accent1"/>
-            </a:effectRef>
-            <a:fontRef idx="minor">
-              <a:schemeClr val="lt1"/>
-            </a:fontRef>
-          </p:style>
-          <p:txBody>
-            <a:bodyPr rtlCol="0" anchor="ctr"/>
-            <a:lstStyle/>
-            <a:p>
-              <a:pPr algn="ctr"/>
-              <a:endParaRPr kumimoji="1" lang="ja-JP" altLang="en-US"/>
-            </a:p>
-          </p:txBody>
-        </p:sp>
+              <a:ln>
+                <a:solidFill>
+                  <a:srgbClr val="FF0000"/>
+                </a:solidFill>
+              </a:ln>
+            </p:spPr>
+            <p:style>
+              <a:lnRef idx="2">
+                <a:schemeClr val="accent1">
+                  <a:shade val="50000"/>
+                </a:schemeClr>
+              </a:lnRef>
+              <a:fillRef idx="1">
+                <a:schemeClr val="accent1"/>
+              </a:fillRef>
+              <a:effectRef idx="0">
+                <a:schemeClr val="accent1"/>
+              </a:effectRef>
+              <a:fontRef idx="minor">
+                <a:schemeClr val="lt1"/>
+              </a:fontRef>
+            </p:style>
+            <p:txBody>
+              <a:bodyPr rtlCol="0" anchor="ctr"/>
+              <a:lstStyle/>
+              <a:p>
+                <a:pPr algn="ctr"/>
+                <a:endParaRPr kumimoji="1" lang="ja-JP" altLang="en-US"/>
+              </a:p>
+            </p:txBody>
+          </p:sp>
+        </p:grpSp>
       </p:grpSp>
       <p:grpSp>
         <p:nvGrpSpPr>
@@ -5369,226 +5300,549 @@
           </p:txBody>
         </p:sp>
       </p:grpSp>
-      <p:pic>
-        <p:nvPicPr>
-          <p:cNvPr id="1032" name="Picture 8" descr="https://4.bp.blogspot.com/-Pt-5IT3WJpY/UvTd84MsuRI/AAAAAAAAdhI/Yo8JJ8uf0Xk/s800/job_youfuku_hanbai.png"/>
-          <p:cNvPicPr>
-            <a:picLocks noChangeAspect="1" noChangeArrowheads="1"/>
-          </p:cNvPicPr>
+      <p:grpSp>
+        <p:nvGrpSpPr>
+          <p:cNvPr id="29" name="グループ化 28"/>
+          <p:cNvGrpSpPr/>
           <p:nvPr/>
-        </p:nvPicPr>
-        <p:blipFill>
-          <a:blip r:embed="rId5">
+        </p:nvGrpSpPr>
+        <p:grpSpPr>
+          <a:xfrm>
+            <a:off x="7121443" y="1192410"/>
+            <a:ext cx="2713753" cy="2841784"/>
+            <a:chOff x="8684437" y="2854949"/>
+            <a:chExt cx="3249137" cy="3402428"/>
+          </a:xfrm>
+        </p:grpSpPr>
+        <p:sp>
+          <p:nvSpPr>
+            <p:cNvPr id="30" name="テキスト ボックス 29"/>
+            <p:cNvSpPr txBox="1"/>
+            <p:nvPr/>
+          </p:nvSpPr>
+          <p:spPr>
+            <a:xfrm>
+              <a:off x="8684437" y="2854949"/>
+              <a:ext cx="3249137" cy="626444"/>
+            </a:xfrm>
+            <a:prstGeom prst="rect">
+              <a:avLst/>
+            </a:prstGeom>
+            <a:noFill/>
+          </p:spPr>
+          <p:txBody>
+            <a:bodyPr wrap="square" rtlCol="0">
+              <a:spAutoFit/>
+            </a:bodyPr>
+            <a:lstStyle/>
+            <a:p>
+              <a:pPr algn="r"/>
+              <a:r>
+                <a:rPr lang="ja-JP" altLang="en-US" sz="2800" dirty="0" smtClean="0">
+                  <a:latin typeface="+mn-ea"/>
+                  <a:ea typeface="+mn-ea"/>
+                </a:rPr>
+                <a:t>おすすめの案内</a:t>
+              </a:r>
+              <a:endParaRPr lang="en-US" altLang="ja-JP" sz="2800" dirty="0" smtClean="0">
+                <a:latin typeface="+mn-ea"/>
+                <a:ea typeface="+mn-ea"/>
+              </a:endParaRPr>
+            </a:p>
+          </p:txBody>
+        </p:sp>
+        <p:grpSp>
+          <p:nvGrpSpPr>
+            <p:cNvPr id="31" name="グループ化 30"/>
+            <p:cNvGrpSpPr/>
+            <p:nvPr/>
+          </p:nvGrpSpPr>
+          <p:grpSpPr>
+            <a:xfrm>
+              <a:off x="8833518" y="3306405"/>
+              <a:ext cx="2950972" cy="2950972"/>
+              <a:chOff x="8833518" y="3306405"/>
+              <a:chExt cx="2950972" cy="2950972"/>
+            </a:xfrm>
+          </p:grpSpPr>
+          <p:sp>
+            <p:nvSpPr>
+              <p:cNvPr id="32" name="円/楕円 31"/>
+              <p:cNvSpPr/>
+              <p:nvPr/>
+            </p:nvSpPr>
+            <p:spPr>
+              <a:xfrm>
+                <a:off x="8833518" y="3306405"/>
+                <a:ext cx="2950972" cy="2950972"/>
+              </a:xfrm>
+              <a:prstGeom prst="ellipse">
+                <a:avLst/>
+              </a:prstGeom>
+              <a:solidFill>
+                <a:schemeClr val="accent4">
+                  <a:lumMod val="40000"/>
+                  <a:lumOff val="60000"/>
+                </a:schemeClr>
+              </a:solidFill>
+              <a:ln>
+                <a:solidFill>
+                  <a:schemeClr val="accent4">
+                    <a:lumMod val="40000"/>
+                    <a:lumOff val="60000"/>
+                  </a:schemeClr>
+                </a:solidFill>
+              </a:ln>
+            </p:spPr>
+            <p:style>
+              <a:lnRef idx="2">
+                <a:schemeClr val="accent1">
+                  <a:shade val="50000"/>
+                </a:schemeClr>
+              </a:lnRef>
+              <a:fillRef idx="1">
+                <a:schemeClr val="accent1"/>
+              </a:fillRef>
+              <a:effectRef idx="0">
+                <a:schemeClr val="accent1"/>
+              </a:effectRef>
+              <a:fontRef idx="minor">
+                <a:schemeClr val="lt1"/>
+              </a:fontRef>
+            </p:style>
+            <p:txBody>
+              <a:bodyPr rtlCol="0" anchor="ctr"/>
+              <a:lstStyle/>
+              <a:p>
+                <a:pPr algn="ctr"/>
+                <a:endParaRPr kumimoji="1" lang="ja-JP" altLang="en-US"/>
+              </a:p>
+            </p:txBody>
+          </p:sp>
+          <p:pic>
+            <p:nvPicPr>
+              <p:cNvPr id="33" name="Picture 8" descr="https://4.bp.blogspot.com/-Pt-5IT3WJpY/UvTd84MsuRI/AAAAAAAAdhI/Yo8JJ8uf0Xk/s800/job_youfuku_hanbai.png"/>
+              <p:cNvPicPr>
+                <a:picLocks noChangeAspect="1" noChangeArrowheads="1"/>
+              </p:cNvPicPr>
+              <p:nvPr/>
+            </p:nvPicPr>
+            <p:blipFill>
+              <a:blip r:embed="rId5">
+                <a:extLst>
+                  <a:ext uri="{28A0092B-C50C-407E-A947-70E740481C1C}">
+                    <a14:useLocalDpi xmlns:a14="http://schemas.microsoft.com/office/drawing/2010/main" val="0"/>
+                  </a:ext>
+                </a:extLst>
+              </a:blip>
+              <a:srcRect/>
+              <a:stretch>
+                <a:fillRect/>
+              </a:stretch>
+            </p:blipFill>
+            <p:spPr bwMode="auto">
+              <a:xfrm>
+                <a:off x="9794796" y="3441872"/>
+                <a:ext cx="920996" cy="1500604"/>
+              </a:xfrm>
+              <a:prstGeom prst="rect">
+                <a:avLst/>
+              </a:prstGeom>
+              <a:noFill/>
+              <a:extLst>
+                <a:ext uri="{909E8E84-426E-40DD-AFC4-6F175D3DCCD1}">
+                  <a14:hiddenFill xmlns:a14="http://schemas.microsoft.com/office/drawing/2010/main">
+                    <a:solidFill>
+                      <a:srgbClr val="FFFFFF"/>
+                    </a:solidFill>
+                  </a14:hiddenFill>
+                </a:ext>
+              </a:extLst>
+            </p:spPr>
+          </p:pic>
+          <p:pic>
+            <p:nvPicPr>
+              <p:cNvPr id="34" name="Picture 10" descr="https://2.bp.blogspot.com/-JNoU2xAMSkc/UzKmpgxrWjI/AAAAAAAAemk/HhG_Tc39vBs/s800/job_houseki.png"/>
+              <p:cNvPicPr>
+                <a:picLocks noChangeAspect="1" noChangeArrowheads="1"/>
+              </p:cNvPicPr>
+              <p:nvPr/>
+            </p:nvPicPr>
+            <p:blipFill>
+              <a:blip r:embed="rId6">
+                <a:extLst>
+                  <a:ext uri="{28A0092B-C50C-407E-A947-70E740481C1C}">
+                    <a14:useLocalDpi xmlns:a14="http://schemas.microsoft.com/office/drawing/2010/main" val="0"/>
+                  </a:ext>
+                </a:extLst>
+              </a:blip>
+              <a:srcRect/>
+              <a:stretch>
+                <a:fillRect/>
+              </a:stretch>
+            </p:blipFill>
+            <p:spPr bwMode="auto">
+              <a:xfrm>
+                <a:off x="9212959" y="4597013"/>
+                <a:ext cx="951729" cy="1297075"/>
+              </a:xfrm>
+              <a:prstGeom prst="rect">
+                <a:avLst/>
+              </a:prstGeom>
+              <a:noFill/>
+              <a:extLst>
+                <a:ext uri="{909E8E84-426E-40DD-AFC4-6F175D3DCCD1}">
+                  <a14:hiddenFill xmlns:a14="http://schemas.microsoft.com/office/drawing/2010/main">
+                    <a:solidFill>
+                      <a:srgbClr val="FFFFFF"/>
+                    </a:solidFill>
+                  </a14:hiddenFill>
+                </a:ext>
+              </a:extLst>
+            </p:spPr>
+          </p:pic>
+          <p:pic>
+            <p:nvPicPr>
+              <p:cNvPr id="35" name="Picture 12" descr="https://4.bp.blogspot.com/-CoY8qDNK9QE/VCOJvYSvJnI/AAAAAAAAm2A/gOVclF_bWyI/s800/job_kutsuya.png"/>
+              <p:cNvPicPr>
+                <a:picLocks noChangeAspect="1" noChangeArrowheads="1"/>
+              </p:cNvPicPr>
+              <p:nvPr/>
+            </p:nvPicPr>
+            <p:blipFill>
+              <a:blip r:embed="rId7">
+                <a:extLst>
+                  <a:ext uri="{28A0092B-C50C-407E-A947-70E740481C1C}">
+                    <a14:useLocalDpi xmlns:a14="http://schemas.microsoft.com/office/drawing/2010/main" val="0"/>
+                  </a:ext>
+                </a:extLst>
+              </a:blip>
+              <a:srcRect/>
+              <a:stretch>
+                <a:fillRect/>
+              </a:stretch>
+            </p:blipFill>
+            <p:spPr bwMode="auto">
+              <a:xfrm>
+                <a:off x="10530185" y="4538069"/>
+                <a:ext cx="1005150" cy="1356020"/>
+              </a:xfrm>
+              <a:prstGeom prst="rect">
+                <a:avLst/>
+              </a:prstGeom>
+              <a:noFill/>
+              <a:extLst>
+                <a:ext uri="{909E8E84-426E-40DD-AFC4-6F175D3DCCD1}">
+                  <a14:hiddenFill xmlns:a14="http://schemas.microsoft.com/office/drawing/2010/main">
+                    <a:solidFill>
+                      <a:srgbClr val="FFFFFF"/>
+                    </a:solidFill>
+                  </a14:hiddenFill>
+                </a:ext>
+              </a:extLst>
+            </p:spPr>
+          </p:pic>
+          <p:sp>
+            <p:nvSpPr>
+              <p:cNvPr id="36" name="円/楕円 35"/>
+              <p:cNvSpPr/>
+              <p:nvPr/>
+            </p:nvSpPr>
+            <p:spPr>
+              <a:xfrm>
+                <a:off x="9806966" y="3401878"/>
+                <a:ext cx="920996" cy="1651764"/>
+              </a:xfrm>
+              <a:prstGeom prst="ellipse">
+                <a:avLst/>
+              </a:prstGeom>
+              <a:noFill/>
+              <a:ln w="57150">
+                <a:solidFill>
+                  <a:srgbClr val="FF0000"/>
+                </a:solidFill>
+              </a:ln>
+            </p:spPr>
+            <p:style>
+              <a:lnRef idx="2">
+                <a:schemeClr val="accent1">
+                  <a:shade val="50000"/>
+                </a:schemeClr>
+              </a:lnRef>
+              <a:fillRef idx="1">
+                <a:schemeClr val="accent1"/>
+              </a:fillRef>
+              <a:effectRef idx="0">
+                <a:schemeClr val="accent1"/>
+              </a:effectRef>
+              <a:fontRef idx="minor">
+                <a:schemeClr val="lt1"/>
+              </a:fontRef>
+            </p:style>
+            <p:txBody>
+              <a:bodyPr rtlCol="0" anchor="ctr"/>
+              <a:lstStyle/>
+              <a:p>
+                <a:pPr algn="ctr"/>
+                <a:endParaRPr kumimoji="1" lang="ja-JP" altLang="en-US"/>
+              </a:p>
+            </p:txBody>
+          </p:sp>
+        </p:grpSp>
+      </p:grpSp>
+      <p:grpSp>
+        <p:nvGrpSpPr>
+          <p:cNvPr id="9" name="グループ化 8"/>
+          <p:cNvGrpSpPr/>
+          <p:nvPr/>
+        </p:nvGrpSpPr>
+        <p:grpSpPr>
+          <a:xfrm>
+            <a:off x="9756044" y="1222677"/>
+            <a:ext cx="2464103" cy="2740367"/>
+            <a:chOff x="9756044" y="1222677"/>
+            <a:chExt cx="2464103" cy="2740367"/>
+          </a:xfrm>
+        </p:grpSpPr>
+        <p:grpSp>
+          <p:nvGrpSpPr>
+            <p:cNvPr id="37" name="グループ化 36"/>
+            <p:cNvGrpSpPr/>
+            <p:nvPr/>
+          </p:nvGrpSpPr>
+          <p:grpSpPr>
+            <a:xfrm>
+              <a:off x="9795100" y="1222677"/>
+              <a:ext cx="2348512" cy="2740367"/>
+              <a:chOff x="8913583" y="2605182"/>
+              <a:chExt cx="3129955" cy="3652195"/>
+            </a:xfrm>
+          </p:grpSpPr>
+          <p:sp>
+            <p:nvSpPr>
+              <p:cNvPr id="38" name="テキスト ボックス 37"/>
+              <p:cNvSpPr txBox="1"/>
+              <p:nvPr/>
+            </p:nvSpPr>
+            <p:spPr>
+              <a:xfrm>
+                <a:off x="9590190" y="2605182"/>
+                <a:ext cx="1776743" cy="697316"/>
+              </a:xfrm>
+              <a:prstGeom prst="rect">
+                <a:avLst/>
+              </a:prstGeom>
+              <a:noFill/>
+            </p:spPr>
+            <p:txBody>
+              <a:bodyPr wrap="square" rtlCol="0">
+                <a:spAutoFit/>
+              </a:bodyPr>
+              <a:lstStyle/>
+              <a:p>
+                <a:pPr algn="r"/>
+                <a:r>
+                  <a:rPr lang="ja-JP" altLang="en-US" sz="2800" dirty="0" smtClean="0">
+                    <a:latin typeface="+mn-ea"/>
+                    <a:ea typeface="+mn-ea"/>
+                  </a:rPr>
+                  <a:t>見守り</a:t>
+                </a:r>
+                <a:endParaRPr lang="en-US" altLang="ja-JP" sz="2800" dirty="0" smtClean="0">
+                  <a:latin typeface="+mn-ea"/>
+                  <a:ea typeface="+mn-ea"/>
+                </a:endParaRPr>
+              </a:p>
+            </p:txBody>
+          </p:sp>
+          <p:sp>
+            <p:nvSpPr>
+              <p:cNvPr id="39" name="円/楕円 38"/>
+              <p:cNvSpPr/>
+              <p:nvPr/>
+            </p:nvSpPr>
+            <p:spPr>
+              <a:xfrm>
+                <a:off x="8913583" y="3127423"/>
+                <a:ext cx="3129955" cy="3129954"/>
+              </a:xfrm>
+              <a:prstGeom prst="ellipse">
+                <a:avLst/>
+              </a:prstGeom>
+              <a:solidFill>
+                <a:schemeClr val="accent2">
+                  <a:lumMod val="40000"/>
+                  <a:lumOff val="60000"/>
+                </a:schemeClr>
+              </a:solidFill>
+              <a:ln>
+                <a:solidFill>
+                  <a:schemeClr val="accent4">
+                    <a:lumMod val="40000"/>
+                    <a:lumOff val="60000"/>
+                  </a:schemeClr>
+                </a:solidFill>
+              </a:ln>
+            </p:spPr>
+            <p:style>
+              <a:lnRef idx="2">
+                <a:schemeClr val="accent1">
+                  <a:shade val="50000"/>
+                </a:schemeClr>
+              </a:lnRef>
+              <a:fillRef idx="1">
+                <a:schemeClr val="accent1"/>
+              </a:fillRef>
+              <a:effectRef idx="0">
+                <a:schemeClr val="accent1"/>
+              </a:effectRef>
+              <a:fontRef idx="minor">
+                <a:schemeClr val="lt1"/>
+              </a:fontRef>
+            </p:style>
+            <p:txBody>
+              <a:bodyPr rtlCol="0" anchor="ctr"/>
+              <a:lstStyle/>
+              <a:p>
+                <a:pPr algn="ctr"/>
+                <a:endParaRPr kumimoji="1" lang="ja-JP" altLang="en-US"/>
+              </a:p>
+            </p:txBody>
+          </p:sp>
+          <p:pic>
+            <p:nvPicPr>
+              <p:cNvPr id="40" name="Picture 16" descr="https://1.bp.blogspot.com/-qWBn0i40nNQ/WlGpVU7Mt5I/AAAAAAABJmY/4dZqzf6oKisunYB4E5OiL_pf72DEY3EsgCLcBGAs/s800/ihan_saku_norikoeru.png"/>
+              <p:cNvPicPr>
+                <a:picLocks noChangeAspect="1" noChangeArrowheads="1"/>
+              </p:cNvPicPr>
+              <p:nvPr/>
+            </p:nvPicPr>
+            <p:blipFill>
+              <a:blip r:embed="rId8">
+                <a:extLst>
+                  <a:ext uri="{28A0092B-C50C-407E-A947-70E740481C1C}">
+                    <a14:useLocalDpi xmlns:a14="http://schemas.microsoft.com/office/drawing/2010/main" val="0"/>
+                  </a:ext>
+                </a:extLst>
+              </a:blip>
+              <a:srcRect/>
+              <a:stretch>
+                <a:fillRect/>
+              </a:stretch>
+            </p:blipFill>
+            <p:spPr bwMode="auto">
+              <a:xfrm>
+                <a:off x="9335997" y="3482139"/>
+                <a:ext cx="2285126" cy="2447257"/>
+              </a:xfrm>
+              <a:prstGeom prst="rect">
+                <a:avLst/>
+              </a:prstGeom>
+              <a:noFill/>
+              <a:extLst>
+                <a:ext uri="{909E8E84-426E-40DD-AFC4-6F175D3DCCD1}">
+                  <a14:hiddenFill xmlns:a14="http://schemas.microsoft.com/office/drawing/2010/main">
+                    <a:solidFill>
+                      <a:srgbClr val="FFFFFF"/>
+                    </a:solidFill>
+                  </a14:hiddenFill>
+                </a:ext>
+              </a:extLst>
+            </p:spPr>
+          </p:pic>
+        </p:grpSp>
+        <p:pic>
+          <p:nvPicPr>
+            <p:cNvPr id="3074" name="Picture 2" descr="https://4.bp.blogspot.com/-g_XkVHkYtFY/WK7e-xmtLNI/AAAAAAABCAI/vljmW1-8FTYyM8evKFLdsOLBX7WGhgJpACLcB/s800/line_keepout.png"/>
+            <p:cNvPicPr>
+              <a:picLocks noChangeAspect="1" noChangeArrowheads="1"/>
+            </p:cNvPicPr>
+            <p:nvPr/>
+          </p:nvPicPr>
+          <p:blipFill rotWithShape="1">
+            <a:blip r:embed="rId9">
+              <a:extLst>
+                <a:ext uri="{28A0092B-C50C-407E-A947-70E740481C1C}">
+                  <a14:useLocalDpi xmlns:a14="http://schemas.microsoft.com/office/drawing/2010/main" val="0"/>
+                </a:ext>
+              </a:extLst>
+            </a:blip>
+            <a:srcRect l="59696" t="7951"/>
+            <a:stretch/>
+          </p:blipFill>
+          <p:spPr bwMode="auto">
+            <a:xfrm rot="1045693">
+              <a:off x="9756044" y="2760137"/>
+              <a:ext cx="2336113" cy="413495"/>
+            </a:xfrm>
+            <a:prstGeom prst="rect">
+              <a:avLst/>
+            </a:prstGeom>
+            <a:noFill/>
             <a:extLst>
-              <a:ext uri="{28A0092B-C50C-407E-A947-70E740481C1C}">
-                <a14:useLocalDpi xmlns:a14="http://schemas.microsoft.com/office/drawing/2010/main" val="0"/>
+              <a:ext uri="{909E8E84-426E-40DD-AFC4-6F175D3DCCD1}">
+                <a14:hiddenFill xmlns:a14="http://schemas.microsoft.com/office/drawing/2010/main">
+                  <a:solidFill>
+                    <a:srgbClr val="FFFFFF"/>
+                  </a:solidFill>
+                </a14:hiddenFill>
               </a:ext>
             </a:extLst>
-          </a:blip>
-          <a:srcRect/>
-          <a:stretch>
-            <a:fillRect/>
-          </a:stretch>
-        </p:blipFill>
-        <p:spPr bwMode="auto">
-          <a:xfrm>
-            <a:off x="7935537" y="1803853"/>
-            <a:ext cx="760013" cy="1238310"/>
-          </a:xfrm>
-          <a:prstGeom prst="rect">
-            <a:avLst/>
-          </a:prstGeom>
-          <a:noFill/>
-          <a:extLst>
-            <a:ext uri="{909E8E84-426E-40DD-AFC4-6F175D3DCCD1}">
-              <a14:hiddenFill xmlns:a14="http://schemas.microsoft.com/office/drawing/2010/main">
-                <a:solidFill>
-                  <a:srgbClr val="FFFFFF"/>
-                </a:solidFill>
-              </a14:hiddenFill>
-            </a:ext>
-          </a:extLst>
-        </p:spPr>
-      </p:pic>
-      <p:pic>
-        <p:nvPicPr>
-          <p:cNvPr id="1034" name="Picture 10" descr="https://2.bp.blogspot.com/-JNoU2xAMSkc/UzKmpgxrWjI/AAAAAAAAemk/HhG_Tc39vBs/s800/job_houseki.png"/>
-          <p:cNvPicPr>
-            <a:picLocks noChangeAspect="1" noChangeArrowheads="1"/>
-          </p:cNvPicPr>
-          <p:nvPr/>
-        </p:nvPicPr>
-        <p:blipFill>
-          <a:blip r:embed="rId6">
+          </p:spPr>
+        </p:pic>
+        <p:pic>
+          <p:nvPicPr>
+            <p:cNvPr id="43" name="Picture 2" descr="https://4.bp.blogspot.com/-g_XkVHkYtFY/WK7e-xmtLNI/AAAAAAABCAI/vljmW1-8FTYyM8evKFLdsOLBX7WGhgJpACLcB/s800/line_keepout.png"/>
+            <p:cNvPicPr>
+              <a:picLocks noChangeAspect="1" noChangeArrowheads="1"/>
+            </p:cNvPicPr>
+            <p:nvPr/>
+          </p:nvPicPr>
+          <p:blipFill rotWithShape="1">
+            <a:blip r:embed="rId9">
+              <a:extLst>
+                <a:ext uri="{28A0092B-C50C-407E-A947-70E740481C1C}">
+                  <a14:useLocalDpi xmlns:a14="http://schemas.microsoft.com/office/drawing/2010/main" val="0"/>
+                </a:ext>
+              </a:extLst>
+            </a:blip>
+            <a:srcRect l="59696" t="7951"/>
+            <a:stretch/>
+          </p:blipFill>
+          <p:spPr bwMode="auto">
+            <a:xfrm rot="20545085">
+              <a:off x="9884034" y="2754842"/>
+              <a:ext cx="2336113" cy="413495"/>
+            </a:xfrm>
+            <a:prstGeom prst="rect">
+              <a:avLst/>
+            </a:prstGeom>
+            <a:noFill/>
             <a:extLst>
-              <a:ext uri="{28A0092B-C50C-407E-A947-70E740481C1C}">
-                <a14:useLocalDpi xmlns:a14="http://schemas.microsoft.com/office/drawing/2010/main" val="0"/>
+              <a:ext uri="{909E8E84-426E-40DD-AFC4-6F175D3DCCD1}">
+                <a14:hiddenFill xmlns:a14="http://schemas.microsoft.com/office/drawing/2010/main">
+                  <a:solidFill>
+                    <a:srgbClr val="FFFFFF"/>
+                  </a:solidFill>
+                </a14:hiddenFill>
               </a:ext>
             </a:extLst>
-          </a:blip>
-          <a:srcRect/>
-          <a:stretch>
-            <a:fillRect/>
-          </a:stretch>
-        </p:blipFill>
-        <p:spPr bwMode="auto">
-          <a:xfrm>
-            <a:off x="7413210" y="2811317"/>
-            <a:ext cx="785374" cy="1070356"/>
-          </a:xfrm>
-          <a:prstGeom prst="rect">
-            <a:avLst/>
-          </a:prstGeom>
-          <a:noFill/>
-          <a:extLst>
-            <a:ext uri="{909E8E84-426E-40DD-AFC4-6F175D3DCCD1}">
-              <a14:hiddenFill xmlns:a14="http://schemas.microsoft.com/office/drawing/2010/main">
-                <a:solidFill>
-                  <a:srgbClr val="FFFFFF"/>
-                </a:solidFill>
-              </a14:hiddenFill>
-            </a:ext>
-          </a:extLst>
-        </p:spPr>
-      </p:pic>
-      <p:pic>
-        <p:nvPicPr>
-          <p:cNvPr id="1036" name="Picture 12" descr="https://4.bp.blogspot.com/-CoY8qDNK9QE/VCOJvYSvJnI/AAAAAAAAm2A/gOVclF_bWyI/s800/job_kutsuya.png"/>
-          <p:cNvPicPr>
-            <a:picLocks noChangeAspect="1" noChangeArrowheads="1"/>
-          </p:cNvPicPr>
-          <p:nvPr/>
-        </p:nvPicPr>
-        <p:blipFill>
-          <a:blip r:embed="rId7">
-            <a:extLst>
-              <a:ext uri="{28A0092B-C50C-407E-A947-70E740481C1C}">
-                <a14:useLocalDpi xmlns:a14="http://schemas.microsoft.com/office/drawing/2010/main" val="0"/>
-              </a:ext>
-            </a:extLst>
-          </a:blip>
-          <a:srcRect/>
-          <a:stretch>
-            <a:fillRect/>
-          </a:stretch>
-        </p:blipFill>
-        <p:spPr bwMode="auto">
-          <a:xfrm>
-            <a:off x="8606236" y="2739336"/>
-            <a:ext cx="829457" cy="1118998"/>
-          </a:xfrm>
-          <a:prstGeom prst="rect">
-            <a:avLst/>
-          </a:prstGeom>
-          <a:noFill/>
-          <a:extLst>
-            <a:ext uri="{909E8E84-426E-40DD-AFC4-6F175D3DCCD1}">
-              <a14:hiddenFill xmlns:a14="http://schemas.microsoft.com/office/drawing/2010/main">
-                <a:solidFill>
-                  <a:srgbClr val="FFFFFF"/>
-                </a:solidFill>
-              </a14:hiddenFill>
-            </a:ext>
-          </a:extLst>
-        </p:spPr>
-      </p:pic>
-      <p:sp>
-        <p:nvSpPr>
-          <p:cNvPr id="23" name="円/楕円 22"/>
-          <p:cNvSpPr/>
-          <p:nvPr/>
-        </p:nvSpPr>
-        <p:spPr>
-          <a:xfrm>
-            <a:off x="7858343" y="1751949"/>
-            <a:ext cx="914400" cy="1401380"/>
-          </a:xfrm>
-          <a:prstGeom prst="ellipse">
-            <a:avLst/>
-          </a:prstGeom>
-          <a:noFill/>
-          <a:ln w="38100">
-            <a:solidFill>
-              <a:srgbClr val="FF0000"/>
-            </a:solidFill>
-          </a:ln>
-        </p:spPr>
-        <p:style>
-          <a:lnRef idx="2">
-            <a:schemeClr val="accent1">
-              <a:shade val="50000"/>
-            </a:schemeClr>
-          </a:lnRef>
-          <a:fillRef idx="1">
-            <a:schemeClr val="accent1"/>
-          </a:fillRef>
-          <a:effectRef idx="0">
-            <a:schemeClr val="accent1"/>
-          </a:effectRef>
-          <a:fontRef idx="minor">
-            <a:schemeClr val="lt1"/>
-          </a:fontRef>
-        </p:style>
-        <p:txBody>
-          <a:bodyPr rtlCol="0" anchor="ctr"/>
-          <a:lstStyle/>
-          <a:p>
-            <a:pPr algn="ctr"/>
-            <a:endParaRPr kumimoji="1" lang="ja-JP" altLang="en-US"/>
-          </a:p>
-        </p:txBody>
-      </p:sp>
-      <p:pic>
-        <p:nvPicPr>
-          <p:cNvPr id="1040" name="Picture 16" descr="https://1.bp.blogspot.com/-qWBn0i40nNQ/WlGpVU7Mt5I/AAAAAAABJmY/4dZqzf6oKisunYB4E5OiL_pf72DEY3EsgCLcBGAs/s800/ihan_saku_norikoeru.png"/>
-          <p:cNvPicPr>
-            <a:picLocks noChangeAspect="1" noChangeArrowheads="1"/>
-          </p:cNvPicPr>
-          <p:nvPr/>
-        </p:nvPicPr>
-        <p:blipFill>
-          <a:blip r:embed="rId8">
-            <a:extLst>
-              <a:ext uri="{28A0092B-C50C-407E-A947-70E740481C1C}">
-                <a14:useLocalDpi xmlns:a14="http://schemas.microsoft.com/office/drawing/2010/main" val="0"/>
-              </a:ext>
-            </a:extLst>
-          </a:blip>
-          <a:srcRect/>
-          <a:stretch>
-            <a:fillRect/>
-          </a:stretch>
-        </p:blipFill>
-        <p:spPr bwMode="auto">
-          <a:xfrm>
-            <a:off x="9981759" y="1928183"/>
-            <a:ext cx="1824071" cy="1953490"/>
-          </a:xfrm>
-          <a:prstGeom prst="rect">
-            <a:avLst/>
-          </a:prstGeom>
-          <a:noFill/>
-          <a:extLst>
-            <a:ext uri="{909E8E84-426E-40DD-AFC4-6F175D3DCCD1}">
-              <a14:hiddenFill xmlns:a14="http://schemas.microsoft.com/office/drawing/2010/main">
-                <a:solidFill>
-                  <a:srgbClr val="FFFFFF"/>
-                </a:solidFill>
-              </a14:hiddenFill>
-            </a:ext>
-          </a:extLst>
-        </p:spPr>
-      </p:pic>
+          </p:spPr>
+        </p:pic>
+      </p:grpSp>
     </p:spTree>
     <p:extLst>
       <p:ext uri="{BB962C8B-B14F-4D97-AF65-F5344CB8AC3E}">
-        <p14:creationId xmlns:p14="http://schemas.microsoft.com/office/powerpoint/2010/main" val="890304028"/>
+        <p14:creationId xmlns:p14="http://schemas.microsoft.com/office/powerpoint/2010/main" val="1560422240"/>
       </p:ext>
     </p:extLst>
   </p:cSld>
   <p:clrMapOvr>
     <a:masterClrMapping/>
   </p:clrMapOvr>
+  <p:transition spd="slow" advTm="3966">
+    <p:wipe dir="d"/>
+  </p:transition>
   <p:timing>
     <p:tnLst>
       <p:par>
@@ -7278,11 +7532,11 @@
   <p:clrMapOvr>
     <a:masterClrMapping/>
   </p:clrMapOvr>
-  <mc:AlternateContent xmlns:mc="http://schemas.openxmlformats.org/markup-compatibility/2006">
-    <mc:Choice xmlns:p14="http://schemas.microsoft.com/office/powerpoint/2010/main" Requires="p14">
+  <mc:AlternateContent xmlns:mc="http://schemas.openxmlformats.org/markup-compatibility/2006" xmlns:p14="http://schemas.microsoft.com/office/powerpoint/2010/main">
+    <mc:Choice Requires="p14">
       <p:transition spd="slow" p14:dur="2000" advTm="11934"/>
     </mc:Choice>
-    <mc:Fallback>
+    <mc:Fallback xmlns="">
       <p:transition spd="slow" advTm="11934"/>
     </mc:Fallback>
   </mc:AlternateContent>

--- a/Overview/RTM2020_受付など通過歩行時の人数推定RTCの開発.pptx
+++ b/Overview/RTM2020_受付など通過歩行時の人数推定RTCの開発.pptx
@@ -260,7 +260,7 @@
       </p15:sldGuideLst>
     </p:ext>
     <p:ext uri="http://customooxmlschemas.google.com/">
-      <go:slidesCustomData xmlns="" xmlns:mc="http://schemas.openxmlformats.org/markup-compatibility/2006" xmlns:mv="urn:schemas-microsoft-com:mac:vml" xmlns:c="http://schemas.openxmlformats.org/drawingml/2006/chart" xmlns:dgm="http://schemas.openxmlformats.org/drawingml/2006/diagram" xmlns:o="urn:schemas-microsoft-com:office:office" xmlns:v="urn:schemas-microsoft-com:vml" xmlns:pvml="urn:schemas-microsoft-com:office:powerpoint" xmlns:com="http://schemas.openxmlformats.org/drawingml/2006/compatibility" xmlns:p14="http://schemas.microsoft.com/office/powerpoint/2010/main" xmlns:p15="http://schemas.microsoft.com/office/powerpoint/2012/main" xmlns:go="http://customooxmlschemas.google.com/" r:id="rId40" roundtripDataSignature="AMtx7mj1fSzoC7FWVNe57SNeYfoiXO60bQ=="/>
+      <go:slidesCustomData xmlns:go="http://customooxmlschemas.google.com/" xmlns:p15="http://schemas.microsoft.com/office/powerpoint/2012/main" xmlns:p14="http://schemas.microsoft.com/office/powerpoint/2010/main" xmlns:com="http://schemas.openxmlformats.org/drawingml/2006/compatibility" xmlns:pvml="urn:schemas-microsoft-com:office:powerpoint" xmlns:v="urn:schemas-microsoft-com:vml" xmlns:o="urn:schemas-microsoft-com:office:office" xmlns:dgm="http://schemas.openxmlformats.org/drawingml/2006/diagram" xmlns:c="http://schemas.openxmlformats.org/drawingml/2006/chart" xmlns:mv="urn:schemas-microsoft-com:mac:vml" xmlns:mc="http://schemas.openxmlformats.org/markup-compatibility/2006" xmlns="" r:id="rId40" roundtripDataSignature="AMtx7mj1fSzoC7FWVNe57SNeYfoiXO60bQ=="/>
     </p:ext>
   </p:extLst>
 </p:presentation>
@@ -3807,6 +3807,40 @@
           </p:txBody>
         </p:sp>
       </p:grpSp>
+      <p:sp>
+        <p:nvSpPr>
+          <p:cNvPr id="35" name="テキスト ボックス 34"/>
+          <p:cNvSpPr txBox="1"/>
+          <p:nvPr/>
+        </p:nvSpPr>
+        <p:spPr>
+          <a:xfrm>
+            <a:off x="3277229" y="9228"/>
+            <a:ext cx="1011815" cy="400110"/>
+          </a:xfrm>
+          <a:prstGeom prst="rect">
+            <a:avLst/>
+          </a:prstGeom>
+          <a:noFill/>
+        </p:spPr>
+        <p:txBody>
+          <a:bodyPr wrap="none" rtlCol="0">
+            <a:spAutoFit/>
+          </a:bodyPr>
+          <a:lstStyle/>
+          <a:p>
+            <a:pPr algn="ctr"/>
+            <a:r>
+              <a:rPr lang="en-US" altLang="ja-JP" sz="2000" dirty="0"/>
+              <a:t>1S1-03</a:t>
+            </a:r>
+            <a:endParaRPr kumimoji="1" lang="ja-JP" altLang="en-US" sz="2000" dirty="0">
+              <a:latin typeface="+mn-ea"/>
+              <a:ea typeface="+mn-ea"/>
+            </a:endParaRPr>
+          </a:p>
+        </p:txBody>
+      </p:sp>
     </p:spTree>
     <p:extLst>
       <p:ext uri="{BB962C8B-B14F-4D97-AF65-F5344CB8AC3E}">
@@ -4602,14 +4636,7 @@
                 <a:latin typeface="+mn-ea"/>
                 <a:ea typeface="+mn-ea"/>
               </a:rPr>
-              <a:t>システム</a:t>
-            </a:r>
-            <a:r>
-              <a:rPr lang="ja-JP" altLang="en-US" sz="4000" dirty="0" smtClean="0">
-                <a:latin typeface="+mn-ea"/>
-                <a:ea typeface="+mn-ea"/>
-              </a:rPr>
-              <a:t>利用例まとめ</a:t>
+              <a:t>システム利用例まとめ</a:t>
             </a:r>
             <a:endParaRPr lang="en-US" altLang="ja-JP" sz="4000" dirty="0" smtClean="0">
               <a:latin typeface="+mn-ea"/>
